--- a/doc/CovoGreen-slides.pptx
+++ b/doc/CovoGreen-slides.pptx
@@ -8,6 +8,14 @@
     <p:sldId id="256" r:id="rId2"/>
     <p:sldId id="257" r:id="rId3"/>
     <p:sldId id="258" r:id="rId4"/>
+    <p:sldId id="259" r:id="rId5"/>
+    <p:sldId id="261" r:id="rId6"/>
+    <p:sldId id="260" r:id="rId7"/>
+    <p:sldId id="263" r:id="rId8"/>
+    <p:sldId id="266" r:id="rId9"/>
+    <p:sldId id="267" r:id="rId10"/>
+    <p:sldId id="268" r:id="rId11"/>
+    <p:sldId id="269" r:id="rId12"/>
   </p:sldIdLst>
   <p:sldSz cx="12192000" cy="6858000"/>
   <p:notesSz cx="6858000" cy="9144000"/>
@@ -106,6 +114,11 @@
       </a:defRPr>
     </a:lvl9pPr>
   </p:defaultTextStyle>
+  <p:extLst>
+    <p:ext uri="{EFAFB233-063F-42B5-8137-9DF3F51BA10A}">
+      <p15:sldGuideLst xmlns:p15="http://schemas.microsoft.com/office/powerpoint/2012/main"/>
+    </p:ext>
+  </p:extLst>
 </p:presentation>
 </file>
 
@@ -204,7 +217,7 @@
           <a:effectLst/>
           <a:extLst>
             <a:ext uri="{91240B29-F687-4f45-9708-019B960494DF}">
-              <a14:hiddenLine xmlns:a14="http://schemas.microsoft.com/office/drawing/2010/main" xmlns="" w="9525">
+              <a14:hiddenLine xmlns="" xmlns:a14="http://schemas.microsoft.com/office/drawing/2010/main" w="9525">
                 <a:solidFill>
                   <a:srgbClr val="000000"/>
                 </a:solidFill>
@@ -397,7 +410,7 @@
             <a:fld id="{08B9EBBA-996F-894A-B54A-D6246ED52CEA}" type="datetimeFigureOut">
               <a:rPr lang="en-US" dirty="0"/>
               <a:pPr/>
-              <a:t>3/22/2018</a:t>
+              <a:t>3/25/2018</a:t>
             </a:fld>
             <a:endParaRPr lang="en-US" dirty="0"/>
           </a:p>
@@ -712,7 +725,7 @@
             <a:fld id="{18C79C5D-2A6F-F04D-97DA-BEF2467B64E4}" type="datetimeFigureOut">
               <a:rPr lang="en-US" dirty="0"/>
               <a:pPr/>
-              <a:t>3/22/2018</a:t>
+              <a:t>3/25/2018</a:t>
             </a:fld>
             <a:endParaRPr lang="en-US" dirty="0"/>
           </a:p>
@@ -1197,7 +1210,7 @@
             <a:fld id="{8DFA1846-DA80-1C48-A609-854EA85C59AD}" type="datetimeFigureOut">
               <a:rPr lang="en-US" dirty="0"/>
               <a:pPr/>
-              <a:t>3/22/2018</a:t>
+              <a:t>3/25/2018</a:t>
             </a:fld>
             <a:endParaRPr lang="en-US" dirty="0"/>
           </a:p>
@@ -1563,7 +1576,7 @@
             <a:fld id="{FBF54567-0DE4-3F47-BF90-CB84690072F9}" type="datetimeFigureOut">
               <a:rPr lang="en-US" dirty="0"/>
               <a:pPr/>
-              <a:t>3/22/2018</a:t>
+              <a:t>3/25/2018</a:t>
             </a:fld>
             <a:endParaRPr lang="en-US" dirty="0"/>
           </a:p>
@@ -1714,7 +1727,7 @@
           <a:ln/>
           <a:extLst>
             <a:ext uri="{91240B29-F687-4f45-9708-019B960494DF}">
-              <a14:hiddenLine xmlns:a14="http://schemas.microsoft.com/office/drawing/2010/main" xmlns="" w="9525">
+              <a14:hiddenLine xmlns="" xmlns:a14="http://schemas.microsoft.com/office/drawing/2010/main" w="9525">
                 <a:solidFill>
                   <a:srgbClr val="000000"/>
                 </a:solidFill>
@@ -1833,7 +1846,7 @@
             <a:fld id="{C6C52C72-DE31-F449-A4ED-4C594FD91407}" type="datetimeFigureOut">
               <a:rPr lang="en-US" dirty="0"/>
               <a:pPr/>
-              <a:t>3/22/2018</a:t>
+              <a:t>3/25/2018</a:t>
             </a:fld>
             <a:endParaRPr lang="en-US" dirty="0"/>
           </a:p>
@@ -1986,7 +1999,7 @@
           <a:ln/>
           <a:extLst>
             <a:ext uri="{91240B29-F687-4f45-9708-019B960494DF}">
-              <a14:hiddenLine xmlns:a14="http://schemas.microsoft.com/office/drawing/2010/main" xmlns="" w="9525">
+              <a14:hiddenLine xmlns="" xmlns:a14="http://schemas.microsoft.com/office/drawing/2010/main" w="9525">
                 <a:solidFill>
                   <a:srgbClr val="000000"/>
                 </a:solidFill>
@@ -2115,7 +2128,7 @@
             <a:fld id="{ED62726E-379B-B349-9EED-81ED093FA806}" type="datetimeFigureOut">
               <a:rPr lang="en-US" dirty="0"/>
               <a:pPr/>
-              <a:t>3/22/2018</a:t>
+              <a:t>3/25/2018</a:t>
             </a:fld>
             <a:endParaRPr lang="en-US" dirty="0"/>
           </a:p>
@@ -2266,7 +2279,7 @@
           <a:ln/>
           <a:extLst>
             <a:ext uri="{91240B29-F687-4f45-9708-019B960494DF}">
-              <a14:hiddenLine xmlns:a14="http://schemas.microsoft.com/office/drawing/2010/main" xmlns="" w="9525">
+              <a14:hiddenLine xmlns="" xmlns:a14="http://schemas.microsoft.com/office/drawing/2010/main" w="9525">
                 <a:solidFill>
                   <a:srgbClr val="000000"/>
                 </a:solidFill>
@@ -2395,7 +2408,7 @@
             <a:fld id="{9B3A1323-8D79-1946-B0D7-40001CF92E9D}" type="datetimeFigureOut">
               <a:rPr lang="en-US" dirty="0"/>
               <a:pPr/>
-              <a:t>3/22/2018</a:t>
+              <a:t>3/25/2018</a:t>
             </a:fld>
             <a:endParaRPr lang="en-US" dirty="0"/>
           </a:p>
@@ -2735,7 +2748,7 @@
             <a:fld id="{8DFA1846-DA80-1C48-A609-854EA85C59AD}" type="datetimeFigureOut">
               <a:rPr lang="en-US" dirty="0"/>
               <a:pPr/>
-              <a:t>3/22/2018</a:t>
+              <a:t>3/25/2018</a:t>
             </a:fld>
             <a:endParaRPr lang="en-US" dirty="0"/>
           </a:p>
@@ -2886,7 +2899,7 @@
           <a:ln/>
           <a:extLst>
             <a:ext uri="{91240B29-F687-4f45-9708-019B960494DF}">
-              <a14:hiddenLine xmlns:a14="http://schemas.microsoft.com/office/drawing/2010/main" xmlns="" w="9525">
+              <a14:hiddenLine xmlns="" xmlns:a14="http://schemas.microsoft.com/office/drawing/2010/main" w="9525">
                 <a:solidFill>
                   <a:srgbClr val="000000"/>
                 </a:solidFill>
@@ -3071,7 +3084,7 @@
             <a:fld id="{57302355-E14B-8545-A8F8-0FE83CC9D524}" type="datetimeFigureOut">
               <a:rPr lang="en-US" dirty="0"/>
               <a:pPr/>
-              <a:t>3/22/2018</a:t>
+              <a:t>3/25/2018</a:t>
             </a:fld>
             <a:endParaRPr lang="en-US" dirty="0"/>
           </a:p>
@@ -3222,7 +3235,7 @@
           <a:ln/>
           <a:extLst>
             <a:ext uri="{91240B29-F687-4f45-9708-019B960494DF}">
-              <a14:hiddenLine xmlns:a14="http://schemas.microsoft.com/office/drawing/2010/main" xmlns="" w="9525">
+              <a14:hiddenLine xmlns="" xmlns:a14="http://schemas.microsoft.com/office/drawing/2010/main" w="9525">
                 <a:solidFill>
                   <a:srgbClr val="000000"/>
                 </a:solidFill>
@@ -3545,7 +3558,7 @@
             <a:fld id="{02640F58-564D-2B4F-AE67-E407BA4FCF45}" type="datetimeFigureOut">
               <a:rPr lang="en-US" dirty="0"/>
               <a:pPr/>
-              <a:t>3/22/2018</a:t>
+              <a:t>3/25/2018</a:t>
             </a:fld>
             <a:endParaRPr lang="en-US" dirty="0"/>
           </a:p>
@@ -3696,7 +3709,7 @@
           <a:ln/>
           <a:extLst>
             <a:ext uri="{91240B29-F687-4f45-9708-019B960494DF}">
-              <a14:hiddenLine xmlns:a14="http://schemas.microsoft.com/office/drawing/2010/main" xmlns="" w="9525">
+              <a14:hiddenLine xmlns="" xmlns:a14="http://schemas.microsoft.com/office/drawing/2010/main" w="9525">
                 <a:solidFill>
                   <a:srgbClr val="000000"/>
                 </a:solidFill>
@@ -3763,7 +3776,7 @@
             <a:fld id="{F13A34C8-038E-2045-AF43-DF7DBB8E0E9E}" type="datetimeFigureOut">
               <a:rPr lang="en-US" dirty="0"/>
               <a:pPr/>
-              <a:t>3/22/2018</a:t>
+              <a:t>3/25/2018</a:t>
             </a:fld>
             <a:endParaRPr lang="en-US" dirty="0"/>
           </a:p>
@@ -3855,7 +3868,7 @@
             <a:fld id="{8818C68F-D26B-8F47-958C-23B49CF8A634}" type="datetimeFigureOut">
               <a:rPr lang="en-US" dirty="0"/>
               <a:pPr/>
-              <a:t>3/22/2018</a:t>
+              <a:t>3/25/2018</a:t>
             </a:fld>
             <a:endParaRPr lang="en-US" dirty="0"/>
           </a:p>
@@ -4119,7 +4132,7 @@
           <a:ln/>
           <a:extLst>
             <a:ext uri="{91240B29-F687-4f45-9708-019B960494DF}">
-              <a14:hiddenLine xmlns:a14="http://schemas.microsoft.com/office/drawing/2010/main" xmlns="" w="9525">
+              <a14:hiddenLine xmlns="" xmlns:a14="http://schemas.microsoft.com/office/drawing/2010/main" w="9525">
                 <a:solidFill>
                   <a:srgbClr val="000000"/>
                 </a:solidFill>
@@ -4319,7 +4332,7 @@
             <a:fld id="{D0DF5E60-9974-AC48-9591-99C2BB44B7CF}" type="datetimeFigureOut">
               <a:rPr lang="en-US" dirty="0"/>
               <a:pPr/>
-              <a:t>3/22/2018</a:t>
+              <a:t>3/25/2018</a:t>
             </a:fld>
             <a:endParaRPr lang="en-US" dirty="0"/>
           </a:p>
@@ -4629,7 +4642,7 @@
             <a:fld id="{18C79C5D-2A6F-F04D-97DA-BEF2467B64E4}" type="datetimeFigureOut">
               <a:rPr lang="en-US" dirty="0"/>
               <a:pPr/>
-              <a:t>3/22/2018</a:t>
+              <a:t>3/25/2018</a:t>
             </a:fld>
             <a:endParaRPr lang="en-US" dirty="0"/>
           </a:p>
@@ -4896,7 +4909,7 @@
             <a:fld id="{09B482E8-6E0E-1B4F-B1FD-C69DB9E858D9}" type="datetimeFigureOut">
               <a:rPr lang="en-US" dirty="0"/>
               <a:pPr/>
-              <a:t>3/22/2018</a:t>
+              <a:t>3/25/2018</a:t>
             </a:fld>
             <a:endParaRPr lang="en-US" dirty="0"/>
           </a:p>
@@ -5510,6 +5523,178 @@
 </p:sld>
 </file>
 
+<file path=ppt/slides/slide10.xml><?xml version="1.0" encoding="utf-8"?>
+<p:sld xmlns:a="http://schemas.openxmlformats.org/drawingml/2006/main" xmlns:r="http://schemas.openxmlformats.org/officeDocument/2006/relationships" xmlns:p="http://schemas.openxmlformats.org/presentationml/2006/main">
+  <p:cSld>
+    <p:spTree>
+      <p:nvGrpSpPr>
+        <p:cNvPr id="1" name=""/>
+        <p:cNvGrpSpPr/>
+        <p:nvPr/>
+      </p:nvGrpSpPr>
+      <p:grpSpPr>
+        <a:xfrm>
+          <a:off x="0" y="0"/>
+          <a:ext cx="0" cy="0"/>
+          <a:chOff x="0" y="0"/>
+          <a:chExt cx="0" cy="0"/>
+        </a:xfrm>
+      </p:grpSpPr>
+      <p:sp>
+        <p:nvSpPr>
+          <p:cNvPr id="2" name="Titre 1">
+            <a:extLst>
+              <a:ext uri="{FF2B5EF4-FFF2-40B4-BE49-F238E27FC236}">
+                <a16:creationId xmlns:a16="http://schemas.microsoft.com/office/drawing/2014/main" id="{C46D5ECF-E173-4BB8-8EF5-D44E8B61D19C}"/>
+              </a:ext>
+            </a:extLst>
+          </p:cNvPr>
+          <p:cNvSpPr>
+            <a:spLocks noGrp="1"/>
+          </p:cNvSpPr>
+          <p:nvPr>
+            <p:ph type="title"/>
+          </p:nvPr>
+        </p:nvSpPr>
+        <p:spPr/>
+        <p:txBody>
+          <a:bodyPr/>
+          <a:lstStyle/>
+          <a:p>
+            <a:r>
+              <a:rPr lang="fr-FR" dirty="0" err="1"/>
+              <a:t>BurnDownChart</a:t>
+            </a:r>
+            <a:endParaRPr lang="fr-FR" dirty="0"/>
+          </a:p>
+        </p:txBody>
+      </p:sp>
+      <p:pic>
+        <p:nvPicPr>
+          <p:cNvPr id="5" name="Image 4">
+            <a:extLst>
+              <a:ext uri="{FF2B5EF4-FFF2-40B4-BE49-F238E27FC236}">
+                <a16:creationId xmlns:a16="http://schemas.microsoft.com/office/drawing/2014/main" id="{E9DC5941-08EB-43A3-9463-FC34CA035E1B}"/>
+              </a:ext>
+            </a:extLst>
+          </p:cNvPr>
+          <p:cNvPicPr>
+            <a:picLocks noChangeAspect="1"/>
+          </p:cNvPicPr>
+          <p:nvPr/>
+        </p:nvPicPr>
+        <p:blipFill>
+          <a:blip r:embed="rId2"/>
+          <a:stretch>
+            <a:fillRect/>
+          </a:stretch>
+        </p:blipFill>
+        <p:spPr>
+          <a:xfrm>
+            <a:off x="945158" y="1417638"/>
+            <a:ext cx="10301681" cy="5086633"/>
+          </a:xfrm>
+          <a:prstGeom prst="rect">
+            <a:avLst/>
+          </a:prstGeom>
+        </p:spPr>
+      </p:pic>
+    </p:spTree>
+    <p:extLst>
+      <p:ext uri="{BB962C8B-B14F-4D97-AF65-F5344CB8AC3E}">
+        <p14:creationId xmlns:p14="http://schemas.microsoft.com/office/powerpoint/2010/main" val="1137951630"/>
+      </p:ext>
+    </p:extLst>
+  </p:cSld>
+  <p:clrMapOvr>
+    <a:masterClrMapping/>
+  </p:clrMapOvr>
+</p:sld>
+</file>
+
+<file path=ppt/slides/slide11.xml><?xml version="1.0" encoding="utf-8"?>
+<p:sld xmlns:a="http://schemas.openxmlformats.org/drawingml/2006/main" xmlns:r="http://schemas.openxmlformats.org/officeDocument/2006/relationships" xmlns:p="http://schemas.openxmlformats.org/presentationml/2006/main">
+  <p:cSld>
+    <p:spTree>
+      <p:nvGrpSpPr>
+        <p:cNvPr id="1" name=""/>
+        <p:cNvGrpSpPr/>
+        <p:nvPr/>
+      </p:nvGrpSpPr>
+      <p:grpSpPr>
+        <a:xfrm>
+          <a:off x="0" y="0"/>
+          <a:ext cx="0" cy="0"/>
+          <a:chOff x="0" y="0"/>
+          <a:chExt cx="0" cy="0"/>
+        </a:xfrm>
+      </p:grpSpPr>
+      <p:sp>
+        <p:nvSpPr>
+          <p:cNvPr id="2" name="Titre 1">
+            <a:extLst>
+              <a:ext uri="{FF2B5EF4-FFF2-40B4-BE49-F238E27FC236}">
+                <a16:creationId xmlns:a16="http://schemas.microsoft.com/office/drawing/2014/main" id="{ACD082FB-1DA1-4F29-B30F-2498C8A21A38}"/>
+              </a:ext>
+            </a:extLst>
+          </p:cNvPr>
+          <p:cNvSpPr>
+            <a:spLocks noGrp="1"/>
+          </p:cNvSpPr>
+          <p:nvPr>
+            <p:ph type="title"/>
+          </p:nvPr>
+        </p:nvSpPr>
+        <p:spPr/>
+        <p:txBody>
+          <a:bodyPr/>
+          <a:lstStyle/>
+          <a:p>
+            <a:r>
+              <a:rPr lang="fr-FR" dirty="0"/>
+              <a:t>Vélocité finale</a:t>
+            </a:r>
+          </a:p>
+        </p:txBody>
+      </p:sp>
+      <p:sp>
+        <p:nvSpPr>
+          <p:cNvPr id="3" name="Espace réservé du contenu 2">
+            <a:extLst>
+              <a:ext uri="{FF2B5EF4-FFF2-40B4-BE49-F238E27FC236}">
+                <a16:creationId xmlns:a16="http://schemas.microsoft.com/office/drawing/2014/main" id="{61765CD2-60DC-4FDF-8747-4DCE2E435411}"/>
+              </a:ext>
+            </a:extLst>
+          </p:cNvPr>
+          <p:cNvSpPr>
+            <a:spLocks noGrp="1"/>
+          </p:cNvSpPr>
+          <p:nvPr>
+            <p:ph idx="1"/>
+          </p:nvPr>
+        </p:nvSpPr>
+        <p:spPr/>
+        <p:txBody>
+          <a:bodyPr/>
+          <a:lstStyle/>
+          <a:p>
+            <a:endParaRPr lang="fr-FR"/>
+          </a:p>
+        </p:txBody>
+      </p:sp>
+    </p:spTree>
+    <p:extLst>
+      <p:ext uri="{BB962C8B-B14F-4D97-AF65-F5344CB8AC3E}">
+        <p14:creationId xmlns:p14="http://schemas.microsoft.com/office/powerpoint/2010/main" val="3467758427"/>
+      </p:ext>
+    </p:extLst>
+  </p:cSld>
+  <p:clrMapOvr>
+    <a:masterClrMapping/>
+  </p:clrMapOvr>
+</p:sld>
+</file>
+
 <file path=ppt/slides/slide2.xml><?xml version="1.0" encoding="utf-8"?>
 <p:sld xmlns:a="http://schemas.openxmlformats.org/drawingml/2006/main" xmlns:r="http://schemas.openxmlformats.org/officeDocument/2006/relationships" xmlns:p="http://schemas.openxmlformats.org/presentationml/2006/main">
   <p:cSld>
@@ -5592,12 +5777,6 @@
             <a:r>
               <a:rPr lang="fr-FR" dirty="0"/>
               <a:t>Descriptions des 3 sprints</a:t>
-            </a:r>
-          </a:p>
-          <a:p>
-            <a:r>
-              <a:rPr lang="fr-FR" dirty="0"/>
-              <a:t>Gantt</a:t>
             </a:r>
           </a:p>
           <a:p>
@@ -5691,10 +5870,60 @@
         </p:nvSpPr>
         <p:spPr/>
         <p:txBody>
-          <a:bodyPr/>
-          <a:lstStyle/>
-          <a:p>
-            <a:endParaRPr lang="fr-FR"/>
+          <a:bodyPr>
+            <a:normAutofit/>
+          </a:bodyPr>
+          <a:lstStyle/>
+          <a:p>
+            <a:pPr marL="0" indent="0">
+              <a:buNone/>
+            </a:pPr>
+            <a:r>
+              <a:rPr lang="fr-FR" sz="1200" dirty="0"/>
+              <a:t>Le projet à réaliser est une plateforme de covoiturage destinée aux étudiants de l’université.</a:t>
+            </a:r>
+          </a:p>
+          <a:p>
+            <a:pPr marL="0" indent="0">
+              <a:buNone/>
+            </a:pPr>
+            <a:r>
+              <a:rPr lang="fr-FR" sz="1200" dirty="0"/>
+              <a:t>Cette plateforme de covoiturage a donc pour but de mettre en relation les étudiants effectuant un même trajet afin qu’ils puissent le réaliser ensemble dans un seul véhicule.</a:t>
+            </a:r>
+          </a:p>
+          <a:p>
+            <a:pPr marL="0" indent="0">
+              <a:buNone/>
+            </a:pPr>
+            <a:r>
+              <a:rPr lang="fr-FR" sz="1200" dirty="0"/>
+              <a:t>En premier lieu, les étudiants doivent s’inscrire sur le site afin de pouvoir l’utiliser.</a:t>
+            </a:r>
+          </a:p>
+          <a:p>
+            <a:pPr marL="0" indent="0">
+              <a:buNone/>
+            </a:pPr>
+            <a:r>
+              <a:rPr lang="fr-FR" sz="1200" dirty="0"/>
+              <a:t>Ensuite, les covoitureurs inscris peuvent proposer un trajet, ou rechercher un trajet et s’y inscrire.</a:t>
+            </a:r>
+          </a:p>
+          <a:p>
+            <a:pPr marL="0" indent="0">
+              <a:buNone/>
+            </a:pPr>
+            <a:r>
+              <a:rPr lang="fr-FR" sz="1200" dirty="0"/>
+              <a:t>D’autres fonctionnalités  : l’évaluation des covoitureurs et un chat entre passagers.</a:t>
+            </a:r>
+          </a:p>
+          <a:p>
+            <a:pPr marL="0" indent="0">
+              <a:buNone/>
+            </a:pPr>
+            <a:endParaRPr lang="fr-FR" sz="1200" dirty="0"/>
           </a:p>
         </p:txBody>
       </p:sp>
@@ -5702,6 +5931,656 @@
     <p:extLst>
       <p:ext uri="{BB962C8B-B14F-4D97-AF65-F5344CB8AC3E}">
         <p14:creationId xmlns:p14="http://schemas.microsoft.com/office/powerpoint/2010/main" val="2534881601"/>
+      </p:ext>
+    </p:extLst>
+  </p:cSld>
+  <p:clrMapOvr>
+    <a:masterClrMapping/>
+  </p:clrMapOvr>
+</p:sld>
+</file>
+
+<file path=ppt/slides/slide4.xml><?xml version="1.0" encoding="utf-8"?>
+<p:sld xmlns:a="http://schemas.openxmlformats.org/drawingml/2006/main" xmlns:r="http://schemas.openxmlformats.org/officeDocument/2006/relationships" xmlns:p="http://schemas.openxmlformats.org/presentationml/2006/main">
+  <p:cSld>
+    <p:spTree>
+      <p:nvGrpSpPr>
+        <p:cNvPr id="1" name=""/>
+        <p:cNvGrpSpPr/>
+        <p:nvPr/>
+      </p:nvGrpSpPr>
+      <p:grpSpPr>
+        <a:xfrm>
+          <a:off x="0" y="0"/>
+          <a:ext cx="0" cy="0"/>
+          <a:chOff x="0" y="0"/>
+          <a:chExt cx="0" cy="0"/>
+        </a:xfrm>
+      </p:grpSpPr>
+      <p:sp>
+        <p:nvSpPr>
+          <p:cNvPr id="2" name="Titre 1">
+            <a:extLst>
+              <a:ext uri="{FF2B5EF4-FFF2-40B4-BE49-F238E27FC236}">
+                <a16:creationId xmlns:a16="http://schemas.microsoft.com/office/drawing/2014/main" id="{AD86AEF5-18C0-40BA-BDAC-D5163CD0E470}"/>
+              </a:ext>
+            </a:extLst>
+          </p:cNvPr>
+          <p:cNvSpPr>
+            <a:spLocks noGrp="1"/>
+          </p:cNvSpPr>
+          <p:nvPr>
+            <p:ph type="title"/>
+          </p:nvPr>
+        </p:nvSpPr>
+        <p:spPr/>
+        <p:txBody>
+          <a:bodyPr/>
+          <a:lstStyle/>
+          <a:p>
+            <a:r>
+              <a:rPr lang="fr-FR" dirty="0" err="1"/>
+              <a:t>Backlogs</a:t>
+            </a:r>
+            <a:endParaRPr lang="fr-FR" dirty="0"/>
+          </a:p>
+        </p:txBody>
+      </p:sp>
+      <p:sp>
+        <p:nvSpPr>
+          <p:cNvPr id="3" name="Espace réservé du contenu 2">
+            <a:extLst>
+              <a:ext uri="{FF2B5EF4-FFF2-40B4-BE49-F238E27FC236}">
+                <a16:creationId xmlns:a16="http://schemas.microsoft.com/office/drawing/2014/main" id="{8B55EFA6-1770-4D01-8D8D-C07ECC865AA5}"/>
+              </a:ext>
+            </a:extLst>
+          </p:cNvPr>
+          <p:cNvSpPr>
+            <a:spLocks noGrp="1"/>
+          </p:cNvSpPr>
+          <p:nvPr>
+            <p:ph idx="1"/>
+          </p:nvPr>
+        </p:nvSpPr>
+        <p:spPr/>
+        <p:txBody>
+          <a:bodyPr/>
+          <a:lstStyle/>
+          <a:p>
+            <a:pPr marL="0" indent="0">
+              <a:buNone/>
+            </a:pPr>
+            <a:r>
+              <a:rPr lang="fr-FR" dirty="0"/>
+              <a:t> </a:t>
+            </a:r>
+          </a:p>
+        </p:txBody>
+      </p:sp>
+      <p:pic>
+        <p:nvPicPr>
+          <p:cNvPr id="9" name="Image 8">
+            <a:extLst>
+              <a:ext uri="{FF2B5EF4-FFF2-40B4-BE49-F238E27FC236}">
+                <a16:creationId xmlns:a16="http://schemas.microsoft.com/office/drawing/2014/main" id="{664AE8AD-FD3F-4EA1-945E-6EB4EE784E43}"/>
+              </a:ext>
+            </a:extLst>
+          </p:cNvPr>
+          <p:cNvPicPr>
+            <a:picLocks noChangeAspect="1"/>
+          </p:cNvPicPr>
+          <p:nvPr/>
+        </p:nvPicPr>
+        <p:blipFill>
+          <a:blip r:embed="rId2"/>
+          <a:stretch>
+            <a:fillRect/>
+          </a:stretch>
+        </p:blipFill>
+        <p:spPr>
+          <a:xfrm>
+            <a:off x="231709" y="2222287"/>
+            <a:ext cx="11728580" cy="3966440"/>
+          </a:xfrm>
+          <a:prstGeom prst="rect">
+            <a:avLst/>
+          </a:prstGeom>
+        </p:spPr>
+      </p:pic>
+    </p:spTree>
+    <p:extLst>
+      <p:ext uri="{BB962C8B-B14F-4D97-AF65-F5344CB8AC3E}">
+        <p14:creationId xmlns:p14="http://schemas.microsoft.com/office/powerpoint/2010/main" val="681452742"/>
+      </p:ext>
+    </p:extLst>
+  </p:cSld>
+  <p:clrMapOvr>
+    <a:masterClrMapping/>
+  </p:clrMapOvr>
+</p:sld>
+</file>
+
+<file path=ppt/slides/slide5.xml><?xml version="1.0" encoding="utf-8"?>
+<p:sld xmlns:a="http://schemas.openxmlformats.org/drawingml/2006/main" xmlns:r="http://schemas.openxmlformats.org/officeDocument/2006/relationships" xmlns:p="http://schemas.openxmlformats.org/presentationml/2006/main">
+  <p:cSld>
+    <p:spTree>
+      <p:nvGrpSpPr>
+        <p:cNvPr id="1" name=""/>
+        <p:cNvGrpSpPr/>
+        <p:nvPr/>
+      </p:nvGrpSpPr>
+      <p:grpSpPr>
+        <a:xfrm>
+          <a:off x="0" y="0"/>
+          <a:ext cx="0" cy="0"/>
+          <a:chOff x="0" y="0"/>
+          <a:chExt cx="0" cy="0"/>
+        </a:xfrm>
+      </p:grpSpPr>
+      <p:sp>
+        <p:nvSpPr>
+          <p:cNvPr id="3" name="Espace réservé du contenu 2">
+            <a:extLst>
+              <a:ext uri="{FF2B5EF4-FFF2-40B4-BE49-F238E27FC236}">
+                <a16:creationId xmlns:a16="http://schemas.microsoft.com/office/drawing/2014/main" id="{C34E3879-D54E-49F6-872A-545E24D2733F}"/>
+              </a:ext>
+            </a:extLst>
+          </p:cNvPr>
+          <p:cNvSpPr>
+            <a:spLocks noGrp="1"/>
+          </p:cNvSpPr>
+          <p:nvPr>
+            <p:ph idx="1"/>
+          </p:nvPr>
+        </p:nvSpPr>
+        <p:spPr/>
+        <p:txBody>
+          <a:bodyPr/>
+          <a:lstStyle/>
+          <a:p>
+            <a:pPr marL="0" indent="0">
+              <a:buNone/>
+            </a:pPr>
+            <a:r>
+              <a:rPr lang="fr-FR" dirty="0"/>
+              <a:t> </a:t>
+            </a:r>
+          </a:p>
+        </p:txBody>
+      </p:sp>
+      <p:pic>
+        <p:nvPicPr>
+          <p:cNvPr id="5" name="Image 4">
+            <a:extLst>
+              <a:ext uri="{FF2B5EF4-FFF2-40B4-BE49-F238E27FC236}">
+                <a16:creationId xmlns:a16="http://schemas.microsoft.com/office/drawing/2014/main" id="{77467657-65E3-41B6-B997-E866652D0488}"/>
+              </a:ext>
+            </a:extLst>
+          </p:cNvPr>
+          <p:cNvPicPr>
+            <a:picLocks noChangeAspect="1"/>
+          </p:cNvPicPr>
+          <p:nvPr/>
+        </p:nvPicPr>
+        <p:blipFill>
+          <a:blip r:embed="rId2"/>
+          <a:stretch>
+            <a:fillRect/>
+          </a:stretch>
+        </p:blipFill>
+        <p:spPr>
+          <a:xfrm>
+            <a:off x="222378" y="2222287"/>
+            <a:ext cx="11747241" cy="3813275"/>
+          </a:xfrm>
+          <a:prstGeom prst="rect">
+            <a:avLst/>
+          </a:prstGeom>
+        </p:spPr>
+      </p:pic>
+    </p:spTree>
+    <p:extLst>
+      <p:ext uri="{BB962C8B-B14F-4D97-AF65-F5344CB8AC3E}">
+        <p14:creationId xmlns:p14="http://schemas.microsoft.com/office/powerpoint/2010/main" val="1908613568"/>
+      </p:ext>
+    </p:extLst>
+  </p:cSld>
+  <p:clrMapOvr>
+    <a:masterClrMapping/>
+  </p:clrMapOvr>
+</p:sld>
+</file>
+
+<file path=ppt/slides/slide6.xml><?xml version="1.0" encoding="utf-8"?>
+<p:sld xmlns:a="http://schemas.openxmlformats.org/drawingml/2006/main" xmlns:r="http://schemas.openxmlformats.org/officeDocument/2006/relationships" xmlns:p="http://schemas.openxmlformats.org/presentationml/2006/main">
+  <p:cSld>
+    <p:spTree>
+      <p:nvGrpSpPr>
+        <p:cNvPr id="1" name=""/>
+        <p:cNvGrpSpPr/>
+        <p:nvPr/>
+      </p:nvGrpSpPr>
+      <p:grpSpPr>
+        <a:xfrm>
+          <a:off x="0" y="0"/>
+          <a:ext cx="0" cy="0"/>
+          <a:chOff x="0" y="0"/>
+          <a:chExt cx="0" cy="0"/>
+        </a:xfrm>
+      </p:grpSpPr>
+      <p:sp>
+        <p:nvSpPr>
+          <p:cNvPr id="3" name="Espace réservé du contenu 2">
+            <a:extLst>
+              <a:ext uri="{FF2B5EF4-FFF2-40B4-BE49-F238E27FC236}">
+                <a16:creationId xmlns:a16="http://schemas.microsoft.com/office/drawing/2014/main" id="{8B55EFA6-1770-4D01-8D8D-C07ECC865AA5}"/>
+              </a:ext>
+            </a:extLst>
+          </p:cNvPr>
+          <p:cNvSpPr>
+            <a:spLocks noGrp="1"/>
+          </p:cNvSpPr>
+          <p:nvPr>
+            <p:ph idx="1"/>
+          </p:nvPr>
+        </p:nvSpPr>
+        <p:spPr/>
+        <p:txBody>
+          <a:bodyPr/>
+          <a:lstStyle/>
+          <a:p>
+            <a:pPr marL="0" indent="0">
+              <a:buNone/>
+            </a:pPr>
+            <a:r>
+              <a:rPr lang="fr-FR" dirty="0"/>
+              <a:t> </a:t>
+            </a:r>
+          </a:p>
+        </p:txBody>
+      </p:sp>
+      <p:pic>
+        <p:nvPicPr>
+          <p:cNvPr id="7" name="Image 6">
+            <a:extLst>
+              <a:ext uri="{FF2B5EF4-FFF2-40B4-BE49-F238E27FC236}">
+                <a16:creationId xmlns:a16="http://schemas.microsoft.com/office/drawing/2014/main" id="{8C2A1446-422E-4355-9FA8-A8F39E28C901}"/>
+              </a:ext>
+            </a:extLst>
+          </p:cNvPr>
+          <p:cNvPicPr>
+            <a:picLocks noChangeAspect="1"/>
+          </p:cNvPicPr>
+          <p:nvPr/>
+        </p:nvPicPr>
+        <p:blipFill>
+          <a:blip r:embed="rId2"/>
+          <a:stretch>
+            <a:fillRect/>
+          </a:stretch>
+        </p:blipFill>
+        <p:spPr>
+          <a:xfrm>
+            <a:off x="355373" y="2222287"/>
+            <a:ext cx="11500676" cy="3730644"/>
+          </a:xfrm>
+          <a:prstGeom prst="rect">
+            <a:avLst/>
+          </a:prstGeom>
+        </p:spPr>
+      </p:pic>
+    </p:spTree>
+    <p:extLst>
+      <p:ext uri="{BB962C8B-B14F-4D97-AF65-F5344CB8AC3E}">
+        <p14:creationId xmlns:p14="http://schemas.microsoft.com/office/powerpoint/2010/main" val="638048490"/>
+      </p:ext>
+    </p:extLst>
+  </p:cSld>
+  <p:clrMapOvr>
+    <a:masterClrMapping/>
+  </p:clrMapOvr>
+</p:sld>
+</file>
+
+<file path=ppt/slides/slide7.xml><?xml version="1.0" encoding="utf-8"?>
+<p:sld xmlns:a="http://schemas.openxmlformats.org/drawingml/2006/main" xmlns:r="http://schemas.openxmlformats.org/officeDocument/2006/relationships" xmlns:p="http://schemas.openxmlformats.org/presentationml/2006/main">
+  <p:cSld>
+    <p:spTree>
+      <p:nvGrpSpPr>
+        <p:cNvPr id="1" name=""/>
+        <p:cNvGrpSpPr/>
+        <p:nvPr/>
+      </p:nvGrpSpPr>
+      <p:grpSpPr>
+        <a:xfrm>
+          <a:off x="0" y="0"/>
+          <a:ext cx="0" cy="0"/>
+          <a:chOff x="0" y="0"/>
+          <a:chExt cx="0" cy="0"/>
+        </a:xfrm>
+      </p:grpSpPr>
+      <p:sp>
+        <p:nvSpPr>
+          <p:cNvPr id="2" name="Titre 1">
+            <a:extLst>
+              <a:ext uri="{FF2B5EF4-FFF2-40B4-BE49-F238E27FC236}">
+                <a16:creationId xmlns:a16="http://schemas.microsoft.com/office/drawing/2014/main" id="{DC890B2C-5A17-4712-96C6-DE12395B311C}"/>
+              </a:ext>
+            </a:extLst>
+          </p:cNvPr>
+          <p:cNvSpPr>
+            <a:spLocks noGrp="1"/>
+          </p:cNvSpPr>
+          <p:nvPr>
+            <p:ph type="title"/>
+          </p:nvPr>
+        </p:nvSpPr>
+        <p:spPr/>
+        <p:txBody>
+          <a:bodyPr/>
+          <a:lstStyle/>
+          <a:p>
+            <a:r>
+              <a:rPr lang="fr-FR" dirty="0"/>
+              <a:t>Description des 3 sprints</a:t>
+            </a:r>
+          </a:p>
+        </p:txBody>
+      </p:sp>
+      <p:pic>
+        <p:nvPicPr>
+          <p:cNvPr id="5" name="Espace réservé du contenu 4">
+            <a:extLst>
+              <a:ext uri="{FF2B5EF4-FFF2-40B4-BE49-F238E27FC236}">
+                <a16:creationId xmlns:a16="http://schemas.microsoft.com/office/drawing/2014/main" id="{3C66792B-4648-404A-B4F6-411607E4F4E7}"/>
+              </a:ext>
+            </a:extLst>
+          </p:cNvPr>
+          <p:cNvPicPr>
+            <a:picLocks noGrp="1" noChangeAspect="1"/>
+          </p:cNvPicPr>
+          <p:nvPr>
+            <p:ph idx="1"/>
+          </p:nvPr>
+        </p:nvPicPr>
+        <p:blipFill>
+          <a:blip r:embed="rId2"/>
+          <a:stretch>
+            <a:fillRect/>
+          </a:stretch>
+        </p:blipFill>
+        <p:spPr>
+          <a:xfrm>
+            <a:off x="2279027" y="1515127"/>
+            <a:ext cx="9102971" cy="5094089"/>
+          </a:xfrm>
+        </p:spPr>
+      </p:pic>
+      <p:sp>
+        <p:nvSpPr>
+          <p:cNvPr id="4" name="ZoneTexte 3">
+            <a:extLst>
+              <a:ext uri="{FF2B5EF4-FFF2-40B4-BE49-F238E27FC236}">
+                <a16:creationId xmlns:a16="http://schemas.microsoft.com/office/drawing/2014/main" id="{B939E019-FB3B-4898-A1BF-34857A9E1B8F}"/>
+              </a:ext>
+            </a:extLst>
+          </p:cNvPr>
+          <p:cNvSpPr txBox="1"/>
+          <p:nvPr/>
+        </p:nvSpPr>
+        <p:spPr>
+          <a:xfrm>
+            <a:off x="352338" y="5711378"/>
+            <a:ext cx="1652631" cy="738664"/>
+          </a:xfrm>
+          <a:prstGeom prst="rect">
+            <a:avLst/>
+          </a:prstGeom>
+          <a:noFill/>
+        </p:spPr>
+        <p:txBody>
+          <a:bodyPr wrap="square" rtlCol="0">
+            <a:spAutoFit/>
+          </a:bodyPr>
+          <a:lstStyle/>
+          <a:p>
+            <a:r>
+              <a:rPr lang="fr-FR" dirty="0"/>
+              <a:t>Sprint 1</a:t>
+            </a:r>
+          </a:p>
+          <a:p>
+            <a:r>
+              <a:rPr lang="fr-FR" sz="1200" dirty="0"/>
+              <a:t>Du 09/01 au</a:t>
+            </a:r>
+          </a:p>
+          <a:p>
+            <a:r>
+              <a:rPr lang="fr-FR" sz="1200" dirty="0"/>
+              <a:t>10/02</a:t>
+            </a:r>
+          </a:p>
+        </p:txBody>
+      </p:sp>
+    </p:spTree>
+    <p:extLst>
+      <p:ext uri="{BB962C8B-B14F-4D97-AF65-F5344CB8AC3E}">
+        <p14:creationId xmlns:p14="http://schemas.microsoft.com/office/powerpoint/2010/main" val="2183350153"/>
+      </p:ext>
+    </p:extLst>
+  </p:cSld>
+  <p:clrMapOvr>
+    <a:masterClrMapping/>
+  </p:clrMapOvr>
+</p:sld>
+</file>
+
+<file path=ppt/slides/slide8.xml><?xml version="1.0" encoding="utf-8"?>
+<p:sld xmlns:a="http://schemas.openxmlformats.org/drawingml/2006/main" xmlns:r="http://schemas.openxmlformats.org/officeDocument/2006/relationships" xmlns:p="http://schemas.openxmlformats.org/presentationml/2006/main">
+  <p:cSld>
+    <p:spTree>
+      <p:nvGrpSpPr>
+        <p:cNvPr id="1" name=""/>
+        <p:cNvGrpSpPr/>
+        <p:nvPr/>
+      </p:nvGrpSpPr>
+      <p:grpSpPr>
+        <a:xfrm>
+          <a:off x="0" y="0"/>
+          <a:ext cx="0" cy="0"/>
+          <a:chOff x="0" y="0"/>
+          <a:chExt cx="0" cy="0"/>
+        </a:xfrm>
+      </p:grpSpPr>
+      <p:sp>
+        <p:nvSpPr>
+          <p:cNvPr id="4" name="ZoneTexte 3">
+            <a:extLst>
+              <a:ext uri="{FF2B5EF4-FFF2-40B4-BE49-F238E27FC236}">
+                <a16:creationId xmlns:a16="http://schemas.microsoft.com/office/drawing/2014/main" id="{B939E019-FB3B-4898-A1BF-34857A9E1B8F}"/>
+              </a:ext>
+            </a:extLst>
+          </p:cNvPr>
+          <p:cNvSpPr txBox="1"/>
+          <p:nvPr/>
+        </p:nvSpPr>
+        <p:spPr>
+          <a:xfrm>
+            <a:off x="352338" y="5711378"/>
+            <a:ext cx="1652631" cy="738664"/>
+          </a:xfrm>
+          <a:prstGeom prst="rect">
+            <a:avLst/>
+          </a:prstGeom>
+          <a:noFill/>
+        </p:spPr>
+        <p:txBody>
+          <a:bodyPr wrap="square" rtlCol="0">
+            <a:spAutoFit/>
+          </a:bodyPr>
+          <a:lstStyle/>
+          <a:p>
+            <a:r>
+              <a:rPr lang="fr-FR" dirty="0"/>
+              <a:t>Sprint 2</a:t>
+            </a:r>
+          </a:p>
+          <a:p>
+            <a:r>
+              <a:rPr lang="fr-FR" sz="1200" dirty="0"/>
+              <a:t>Du 10/02 au</a:t>
+            </a:r>
+          </a:p>
+          <a:p>
+            <a:r>
+              <a:rPr lang="fr-FR" sz="1200" dirty="0"/>
+              <a:t>06/03</a:t>
+            </a:r>
+          </a:p>
+        </p:txBody>
+      </p:sp>
+      <p:pic>
+        <p:nvPicPr>
+          <p:cNvPr id="9" name="Image 8">
+            <a:extLst>
+              <a:ext uri="{FF2B5EF4-FFF2-40B4-BE49-F238E27FC236}">
+                <a16:creationId xmlns:a16="http://schemas.microsoft.com/office/drawing/2014/main" id="{628BEFAD-74BF-4B9B-9A5B-6C9B437E89BE}"/>
+              </a:ext>
+            </a:extLst>
+          </p:cNvPr>
+          <p:cNvPicPr>
+            <a:picLocks noChangeAspect="1"/>
+          </p:cNvPicPr>
+          <p:nvPr/>
+        </p:nvPicPr>
+        <p:blipFill>
+          <a:blip r:embed="rId2"/>
+          <a:stretch>
+            <a:fillRect/>
+          </a:stretch>
+        </p:blipFill>
+        <p:spPr>
+          <a:xfrm>
+            <a:off x="2279027" y="907246"/>
+            <a:ext cx="9102971" cy="5817986"/>
+          </a:xfrm>
+          <a:prstGeom prst="rect">
+            <a:avLst/>
+          </a:prstGeom>
+        </p:spPr>
+      </p:pic>
+    </p:spTree>
+    <p:extLst>
+      <p:ext uri="{BB962C8B-B14F-4D97-AF65-F5344CB8AC3E}">
+        <p14:creationId xmlns:p14="http://schemas.microsoft.com/office/powerpoint/2010/main" val="2285931907"/>
+      </p:ext>
+    </p:extLst>
+  </p:cSld>
+  <p:clrMapOvr>
+    <a:masterClrMapping/>
+  </p:clrMapOvr>
+</p:sld>
+</file>
+
+<file path=ppt/slides/slide9.xml><?xml version="1.0" encoding="utf-8"?>
+<p:sld xmlns:a="http://schemas.openxmlformats.org/drawingml/2006/main" xmlns:r="http://schemas.openxmlformats.org/officeDocument/2006/relationships" xmlns:p="http://schemas.openxmlformats.org/presentationml/2006/main">
+  <p:cSld>
+    <p:spTree>
+      <p:nvGrpSpPr>
+        <p:cNvPr id="1" name=""/>
+        <p:cNvGrpSpPr/>
+        <p:nvPr/>
+      </p:nvGrpSpPr>
+      <p:grpSpPr>
+        <a:xfrm>
+          <a:off x="0" y="0"/>
+          <a:ext cx="0" cy="0"/>
+          <a:chOff x="0" y="0"/>
+          <a:chExt cx="0" cy="0"/>
+        </a:xfrm>
+      </p:grpSpPr>
+      <p:sp>
+        <p:nvSpPr>
+          <p:cNvPr id="4" name="ZoneTexte 3">
+            <a:extLst>
+              <a:ext uri="{FF2B5EF4-FFF2-40B4-BE49-F238E27FC236}">
+                <a16:creationId xmlns:a16="http://schemas.microsoft.com/office/drawing/2014/main" id="{B939E019-FB3B-4898-A1BF-34857A9E1B8F}"/>
+              </a:ext>
+            </a:extLst>
+          </p:cNvPr>
+          <p:cNvSpPr txBox="1"/>
+          <p:nvPr/>
+        </p:nvSpPr>
+        <p:spPr>
+          <a:xfrm>
+            <a:off x="352338" y="5711378"/>
+            <a:ext cx="1652631" cy="738664"/>
+          </a:xfrm>
+          <a:prstGeom prst="rect">
+            <a:avLst/>
+          </a:prstGeom>
+          <a:noFill/>
+        </p:spPr>
+        <p:txBody>
+          <a:bodyPr wrap="square" rtlCol="0">
+            <a:spAutoFit/>
+          </a:bodyPr>
+          <a:lstStyle/>
+          <a:p>
+            <a:r>
+              <a:rPr lang="fr-FR" dirty="0"/>
+              <a:t>Sprint 3</a:t>
+            </a:r>
+          </a:p>
+          <a:p>
+            <a:r>
+              <a:rPr lang="fr-FR" sz="1200" dirty="0"/>
+              <a:t>Du 06/03 au</a:t>
+            </a:r>
+          </a:p>
+          <a:p>
+            <a:r>
+              <a:rPr lang="fr-FR" sz="1200" dirty="0"/>
+              <a:t>27/03</a:t>
+            </a:r>
+          </a:p>
+        </p:txBody>
+      </p:sp>
+      <p:pic>
+        <p:nvPicPr>
+          <p:cNvPr id="5" name="Image 4">
+            <a:extLst>
+              <a:ext uri="{FF2B5EF4-FFF2-40B4-BE49-F238E27FC236}">
+                <a16:creationId xmlns:a16="http://schemas.microsoft.com/office/drawing/2014/main" id="{98D1C66C-0E97-4D88-AD72-0574AD6E4671}"/>
+              </a:ext>
+            </a:extLst>
+          </p:cNvPr>
+          <p:cNvPicPr>
+            <a:picLocks noChangeAspect="1"/>
+          </p:cNvPicPr>
+          <p:nvPr/>
+        </p:nvPicPr>
+        <p:blipFill>
+          <a:blip r:embed="rId2"/>
+          <a:stretch>
+            <a:fillRect/>
+          </a:stretch>
+        </p:blipFill>
+        <p:spPr>
+          <a:xfrm>
+            <a:off x="2334924" y="907292"/>
+            <a:ext cx="8991176" cy="5267756"/>
+          </a:xfrm>
+          <a:prstGeom prst="rect">
+            <a:avLst/>
+          </a:prstGeom>
+        </p:spPr>
+      </p:pic>
+    </p:spTree>
+    <p:extLst>
+      <p:ext uri="{BB962C8B-B14F-4D97-AF65-F5344CB8AC3E}">
+        <p14:creationId xmlns:p14="http://schemas.microsoft.com/office/powerpoint/2010/main" val="3070915025"/>
       </p:ext>
     </p:extLst>
   </p:cSld>

--- a/doc/CovoGreen-slides.pptx
+++ b/doc/CovoGreen-slides.pptx
@@ -16,6 +16,8 @@
     <p:sldId id="267" r:id="rId10"/>
     <p:sldId id="268" r:id="rId11"/>
     <p:sldId id="269" r:id="rId12"/>
+    <p:sldId id="270" r:id="rId13"/>
+    <p:sldId id="271" r:id="rId14"/>
   </p:sldIdLst>
   <p:sldSz cx="12192000" cy="6858000"/>
   <p:notesSz cx="6858000" cy="9144000"/>
@@ -122,6 +124,17 @@
 </p:presentation>
 </file>
 
+<file path=ppt/revisionInfo.xml><?xml version="1.0" encoding="utf-8"?>
+<p1510:revInfo xmlns:a="http://schemas.openxmlformats.org/drawingml/2006/main" xmlns:r="http://schemas.openxmlformats.org/officeDocument/2006/relationships" xmlns:p1510="http://schemas.microsoft.com/office/powerpoint/2015/10/main">
+  <p1510:revLst>
+    <p1510:client id="{91A5D31A-1CB2-4A4D-B8AB-8118E93381E0}" v="98" dt="2018-04-08T13:20:35.243"/>
+    <p1510:client id="{52A04CCA-98DE-47A4-BF43-407A6B7174F7}" v="131" dt="2018-04-08T13:34:10.933"/>
+    <p1510:client id="{D64EF83C-BBBB-4147-8EEF-BCBF8A6BF646}" v="2" dt="2018-04-08T14:52:35.685"/>
+    <p1510:client id="{4FBD79DC-1ACC-4998-A82C-61E7D15FA859}" v="14" dt="2018-04-08T14:58:13.725"/>
+  </p1510:revLst>
+</p1510:revInfo>
+</file>
+
 <file path=ppt/slideLayouts/slideLayout1.xml><?xml version="1.0" encoding="utf-8"?>
 <p:sldLayout xmlns:a="http://schemas.openxmlformats.org/drawingml/2006/main" xmlns:r="http://schemas.openxmlformats.org/officeDocument/2006/relationships" xmlns:p="http://schemas.openxmlformats.org/presentationml/2006/main" type="title" preserve="1">
   <p:cSld name="Diapositive de titre">
@@ -217,7 +230,7 @@
           <a:effectLst/>
           <a:extLst>
             <a:ext uri="{91240B29-F687-4f45-9708-019B960494DF}">
-              <a14:hiddenLine xmlns="" xmlns:a14="http://schemas.microsoft.com/office/drawing/2010/main" w="9525">
+              <a14:hiddenLine xmlns:a14="http://schemas.microsoft.com/office/drawing/2010/main" xmlns="" w="9525">
                 <a:solidFill>
                   <a:srgbClr val="000000"/>
                 </a:solidFill>
@@ -271,7 +284,7 @@
               <a:rPr lang="fr-FR"/>
               <a:t>Modifiez le style du titre</a:t>
             </a:r>
-            <a:endParaRPr lang="en-US" dirty="0"/>
+            <a:endParaRPr lang="en-US"/>
           </a:p>
         </p:txBody>
       </p:sp>
@@ -388,7 +401,7 @@
               <a:rPr lang="fr-FR"/>
               <a:t>Modifiez le style des sous-titres du masque</a:t>
             </a:r>
-            <a:endParaRPr lang="en-US" dirty="0"/>
+            <a:endParaRPr lang="en-US"/>
           </a:p>
         </p:txBody>
       </p:sp>
@@ -410,9 +423,9 @@
             <a:fld id="{08B9EBBA-996F-894A-B54A-D6246ED52CEA}" type="datetimeFigureOut">
               <a:rPr lang="en-US" dirty="0"/>
               <a:pPr/>
-              <a:t>3/25/2018</a:t>
+              <a:t>4/8/2018</a:t>
             </a:fld>
-            <a:endParaRPr lang="en-US" dirty="0"/>
+            <a:endParaRPr lang="en-US"/>
           </a:p>
         </p:txBody>
       </p:sp>
@@ -431,7 +444,7 @@
           <a:bodyPr/>
           <a:lstStyle/>
           <a:p>
-            <a:endParaRPr lang="en-US" dirty="0"/>
+            <a:endParaRPr lang="en-US"/>
           </a:p>
         </p:txBody>
       </p:sp>
@@ -455,7 +468,7 @@
               <a:pPr/>
               <a:t>‹N°›</a:t>
             </a:fld>
-            <a:endParaRPr lang="en-US" dirty="0"/>
+            <a:endParaRPr lang="en-US"/>
           </a:p>
         </p:txBody>
       </p:sp>
@@ -514,7 +527,7 @@
               <a:rPr lang="fr-FR"/>
               <a:t>Modifiez le style du titre</a:t>
             </a:r>
-            <a:endParaRPr lang="en-US" dirty="0"/>
+            <a:endParaRPr lang="en-US"/>
           </a:p>
         </p:txBody>
       </p:sp>
@@ -636,7 +649,7 @@
               <a:rPr lang="fr-FR"/>
               <a:t>Cliquez sur l'icône pour ajouter une image</a:t>
             </a:r>
-            <a:endParaRPr lang="en-US" dirty="0"/>
+            <a:endParaRPr lang="en-US"/>
           </a:p>
         </p:txBody>
       </p:sp>
@@ -725,9 +738,9 @@
             <a:fld id="{18C79C5D-2A6F-F04D-97DA-BEF2467B64E4}" type="datetimeFigureOut">
               <a:rPr lang="en-US" dirty="0"/>
               <a:pPr/>
-              <a:t>3/25/2018</a:t>
+              <a:t>4/8/2018</a:t>
             </a:fld>
-            <a:endParaRPr lang="en-US" dirty="0"/>
+            <a:endParaRPr lang="en-US"/>
           </a:p>
         </p:txBody>
       </p:sp>
@@ -746,7 +759,7 @@
           <a:bodyPr/>
           <a:lstStyle/>
           <a:p>
-            <a:endParaRPr lang="en-US" dirty="0"/>
+            <a:endParaRPr lang="en-US"/>
           </a:p>
         </p:txBody>
       </p:sp>
@@ -770,7 +783,7 @@
               <a:pPr/>
               <a:t>‹N°›</a:t>
             </a:fld>
-            <a:endParaRPr lang="en-US" dirty="0"/>
+            <a:endParaRPr lang="en-US"/>
           </a:p>
         </p:txBody>
       </p:sp>
@@ -1035,7 +1048,7 @@
               <a:rPr lang="fr-FR"/>
               <a:t>Modifiez le style du titre</a:t>
             </a:r>
-            <a:endParaRPr lang="en-US" dirty="0"/>
+            <a:endParaRPr lang="en-US"/>
           </a:p>
         </p:txBody>
       </p:sp>
@@ -1210,9 +1223,9 @@
             <a:fld id="{8DFA1846-DA80-1C48-A609-854EA85C59AD}" type="datetimeFigureOut">
               <a:rPr lang="en-US" dirty="0"/>
               <a:pPr/>
-              <a:t>3/25/2018</a:t>
+              <a:t>4/8/2018</a:t>
             </a:fld>
-            <a:endParaRPr lang="en-US" dirty="0"/>
+            <a:endParaRPr lang="en-US"/>
           </a:p>
         </p:txBody>
       </p:sp>
@@ -1231,7 +1244,7 @@
           <a:bodyPr/>
           <a:lstStyle/>
           <a:p>
-            <a:endParaRPr lang="en-US" dirty="0"/>
+            <a:endParaRPr lang="en-US"/>
           </a:p>
         </p:txBody>
       </p:sp>
@@ -1255,7 +1268,7 @@
               <a:pPr/>
               <a:t>‹N°›</a:t>
             </a:fld>
-            <a:endParaRPr lang="en-US" dirty="0"/>
+            <a:endParaRPr lang="en-US"/>
           </a:p>
         </p:txBody>
       </p:sp>
@@ -1520,7 +1533,7 @@
               <a:rPr lang="fr-FR"/>
               <a:t>Modifiez le style du titre</a:t>
             </a:r>
-            <a:endParaRPr lang="en-US" dirty="0"/>
+            <a:endParaRPr lang="en-US"/>
           </a:p>
         </p:txBody>
       </p:sp>
@@ -1576,9 +1589,9 @@
             <a:fld id="{FBF54567-0DE4-3F47-BF90-CB84690072F9}" type="datetimeFigureOut">
               <a:rPr lang="en-US" dirty="0"/>
               <a:pPr/>
-              <a:t>3/25/2018</a:t>
+              <a:t>4/8/2018</a:t>
             </a:fld>
-            <a:endParaRPr lang="en-US" dirty="0"/>
+            <a:endParaRPr lang="en-US"/>
           </a:p>
         </p:txBody>
       </p:sp>
@@ -1597,7 +1610,7 @@
           <a:bodyPr/>
           <a:lstStyle/>
           <a:p>
-            <a:endParaRPr lang="en-US" dirty="0"/>
+            <a:endParaRPr lang="en-US"/>
           </a:p>
         </p:txBody>
       </p:sp>
@@ -1621,7 +1634,7 @@
               <a:pPr/>
               <a:t>‹N°›</a:t>
             </a:fld>
-            <a:endParaRPr lang="en-US" dirty="0"/>
+            <a:endParaRPr lang="en-US"/>
           </a:p>
         </p:txBody>
       </p:sp>
@@ -1727,7 +1740,7 @@
           <a:ln/>
           <a:extLst>
             <a:ext uri="{91240B29-F687-4f45-9708-019B960494DF}">
-              <a14:hiddenLine xmlns="" xmlns:a14="http://schemas.microsoft.com/office/drawing/2010/main" w="9525">
+              <a14:hiddenLine xmlns:a14="http://schemas.microsoft.com/office/drawing/2010/main" xmlns="" w="9525">
                 <a:solidFill>
                   <a:srgbClr val="000000"/>
                 </a:solidFill>
@@ -1772,7 +1785,7 @@
               <a:rPr lang="fr-FR"/>
               <a:t>Modifiez le style du titre</a:t>
             </a:r>
-            <a:endParaRPr lang="en-US" dirty="0"/>
+            <a:endParaRPr lang="en-US"/>
           </a:p>
         </p:txBody>
       </p:sp>
@@ -1824,7 +1837,7 @@
               <a:rPr lang="fr-FR"/>
               <a:t>Cinquième niveau</a:t>
             </a:r>
-            <a:endParaRPr lang="en-US" dirty="0"/>
+            <a:endParaRPr lang="en-US"/>
           </a:p>
         </p:txBody>
       </p:sp>
@@ -1846,9 +1859,9 @@
             <a:fld id="{C6C52C72-DE31-F449-A4ED-4C594FD91407}" type="datetimeFigureOut">
               <a:rPr lang="en-US" dirty="0"/>
               <a:pPr/>
-              <a:t>3/25/2018</a:t>
+              <a:t>4/8/2018</a:t>
             </a:fld>
-            <a:endParaRPr lang="en-US" dirty="0"/>
+            <a:endParaRPr lang="en-US"/>
           </a:p>
         </p:txBody>
       </p:sp>
@@ -1867,7 +1880,7 @@
           <a:bodyPr/>
           <a:lstStyle/>
           <a:p>
-            <a:endParaRPr lang="en-US" dirty="0"/>
+            <a:endParaRPr lang="en-US"/>
           </a:p>
         </p:txBody>
       </p:sp>
@@ -1891,7 +1904,7 @@
               <a:pPr/>
               <a:t>‹N°›</a:t>
             </a:fld>
-            <a:endParaRPr lang="en-US" dirty="0"/>
+            <a:endParaRPr lang="en-US"/>
           </a:p>
         </p:txBody>
       </p:sp>
@@ -1999,7 +2012,7 @@
           <a:ln/>
           <a:extLst>
             <a:ext uri="{91240B29-F687-4f45-9708-019B960494DF}">
-              <a14:hiddenLine xmlns="" xmlns:a14="http://schemas.microsoft.com/office/drawing/2010/main" w="9525">
+              <a14:hiddenLine xmlns:a14="http://schemas.microsoft.com/office/drawing/2010/main" xmlns="" w="9525">
                 <a:solidFill>
                   <a:srgbClr val="000000"/>
                 </a:solidFill>
@@ -2049,7 +2062,7 @@
               <a:rPr lang="fr-FR"/>
               <a:t>Modifiez le style du titre</a:t>
             </a:r>
-            <a:endParaRPr lang="en-US" dirty="0"/>
+            <a:endParaRPr lang="en-US"/>
           </a:p>
         </p:txBody>
       </p:sp>
@@ -2106,7 +2119,7 @@
               <a:rPr lang="fr-FR"/>
               <a:t>Cinquième niveau</a:t>
             </a:r>
-            <a:endParaRPr lang="en-US" dirty="0"/>
+            <a:endParaRPr lang="en-US"/>
           </a:p>
         </p:txBody>
       </p:sp>
@@ -2128,9 +2141,9 @@
             <a:fld id="{ED62726E-379B-B349-9EED-81ED093FA806}" type="datetimeFigureOut">
               <a:rPr lang="en-US" dirty="0"/>
               <a:pPr/>
-              <a:t>3/25/2018</a:t>
+              <a:t>4/8/2018</a:t>
             </a:fld>
-            <a:endParaRPr lang="en-US" dirty="0"/>
+            <a:endParaRPr lang="en-US"/>
           </a:p>
         </p:txBody>
       </p:sp>
@@ -2149,7 +2162,7 @@
           <a:bodyPr/>
           <a:lstStyle/>
           <a:p>
-            <a:endParaRPr lang="en-US" dirty="0"/>
+            <a:endParaRPr lang="en-US"/>
           </a:p>
         </p:txBody>
       </p:sp>
@@ -2173,7 +2186,7 @@
               <a:pPr/>
               <a:t>‹N°›</a:t>
             </a:fld>
-            <a:endParaRPr lang="en-US" dirty="0"/>
+            <a:endParaRPr lang="en-US"/>
           </a:p>
         </p:txBody>
       </p:sp>
@@ -2279,7 +2292,7 @@
           <a:ln/>
           <a:extLst>
             <a:ext uri="{91240B29-F687-4f45-9708-019B960494DF}">
-              <a14:hiddenLine xmlns="" xmlns:a14="http://schemas.microsoft.com/office/drawing/2010/main" w="9525">
+              <a14:hiddenLine xmlns:a14="http://schemas.microsoft.com/office/drawing/2010/main" xmlns="" w="9525">
                 <a:solidFill>
                   <a:srgbClr val="000000"/>
                 </a:solidFill>
@@ -2329,7 +2342,7 @@
               <a:rPr lang="fr-FR"/>
               <a:t>Modifiez le style du titre</a:t>
             </a:r>
-            <a:endParaRPr lang="en-US" dirty="0"/>
+            <a:endParaRPr lang="en-US"/>
           </a:p>
         </p:txBody>
       </p:sp>
@@ -2386,7 +2399,7 @@
               <a:rPr lang="fr-FR"/>
               <a:t>Cinquième niveau</a:t>
             </a:r>
-            <a:endParaRPr lang="en-US" dirty="0"/>
+            <a:endParaRPr lang="en-US"/>
           </a:p>
         </p:txBody>
       </p:sp>
@@ -2408,9 +2421,9 @@
             <a:fld id="{9B3A1323-8D79-1946-B0D7-40001CF92E9D}" type="datetimeFigureOut">
               <a:rPr lang="en-US" dirty="0"/>
               <a:pPr/>
-              <a:t>3/25/2018</a:t>
+              <a:t>4/8/2018</a:t>
             </a:fld>
-            <a:endParaRPr lang="en-US" dirty="0"/>
+            <a:endParaRPr lang="en-US"/>
           </a:p>
         </p:txBody>
       </p:sp>
@@ -2429,7 +2442,7 @@
           <a:bodyPr/>
           <a:lstStyle/>
           <a:p>
-            <a:endParaRPr lang="en-US" dirty="0"/>
+            <a:endParaRPr lang="en-US"/>
           </a:p>
         </p:txBody>
       </p:sp>
@@ -2453,7 +2466,7 @@
               <a:pPr/>
               <a:t>‹N°›</a:t>
             </a:fld>
-            <a:endParaRPr lang="en-US" dirty="0"/>
+            <a:endParaRPr lang="en-US"/>
           </a:p>
         </p:txBody>
       </p:sp>
@@ -2607,7 +2620,7 @@
               <a:rPr lang="fr-FR"/>
               <a:t>Modifiez le style du titre</a:t>
             </a:r>
-            <a:endParaRPr lang="en-US" dirty="0"/>
+            <a:endParaRPr lang="en-US"/>
           </a:p>
         </p:txBody>
       </p:sp>
@@ -2748,9 +2761,9 @@
             <a:fld id="{8DFA1846-DA80-1C48-A609-854EA85C59AD}" type="datetimeFigureOut">
               <a:rPr lang="en-US" dirty="0"/>
               <a:pPr/>
-              <a:t>3/25/2018</a:t>
+              <a:t>4/8/2018</a:t>
             </a:fld>
-            <a:endParaRPr lang="en-US" dirty="0"/>
+            <a:endParaRPr lang="en-US"/>
           </a:p>
         </p:txBody>
       </p:sp>
@@ -2769,7 +2782,7 @@
           <a:bodyPr/>
           <a:lstStyle/>
           <a:p>
-            <a:endParaRPr lang="en-US" dirty="0"/>
+            <a:endParaRPr lang="en-US"/>
           </a:p>
         </p:txBody>
       </p:sp>
@@ -2793,7 +2806,7 @@
               <a:pPr/>
               <a:t>‹N°›</a:t>
             </a:fld>
-            <a:endParaRPr lang="en-US" dirty="0"/>
+            <a:endParaRPr lang="en-US"/>
           </a:p>
         </p:txBody>
       </p:sp>
@@ -2899,7 +2912,7 @@
           <a:ln/>
           <a:extLst>
             <a:ext uri="{91240B29-F687-4f45-9708-019B960494DF}">
-              <a14:hiddenLine xmlns="" xmlns:a14="http://schemas.microsoft.com/office/drawing/2010/main" w="9525">
+              <a14:hiddenLine xmlns:a14="http://schemas.microsoft.com/office/drawing/2010/main" xmlns="" w="9525">
                 <a:solidFill>
                   <a:srgbClr val="000000"/>
                 </a:solidFill>
@@ -2944,7 +2957,7 @@
               <a:rPr lang="fr-FR"/>
               <a:t>Modifiez le style du titre</a:t>
             </a:r>
-            <a:endParaRPr lang="en-US" dirty="0"/>
+            <a:endParaRPr lang="en-US"/>
           </a:p>
         </p:txBody>
       </p:sp>
@@ -3003,7 +3016,7 @@
               <a:rPr lang="fr-FR"/>
               <a:t>Cinquième niveau</a:t>
             </a:r>
-            <a:endParaRPr lang="en-US" dirty="0"/>
+            <a:endParaRPr lang="en-US"/>
           </a:p>
         </p:txBody>
       </p:sp>
@@ -3062,7 +3075,7 @@
               <a:rPr lang="fr-FR"/>
               <a:t>Cinquième niveau</a:t>
             </a:r>
-            <a:endParaRPr lang="en-US" dirty="0"/>
+            <a:endParaRPr lang="en-US"/>
           </a:p>
         </p:txBody>
       </p:sp>
@@ -3084,9 +3097,9 @@
             <a:fld id="{57302355-E14B-8545-A8F8-0FE83CC9D524}" type="datetimeFigureOut">
               <a:rPr lang="en-US" dirty="0"/>
               <a:pPr/>
-              <a:t>3/25/2018</a:t>
+              <a:t>4/8/2018</a:t>
             </a:fld>
-            <a:endParaRPr lang="en-US" dirty="0"/>
+            <a:endParaRPr lang="en-US"/>
           </a:p>
         </p:txBody>
       </p:sp>
@@ -3105,7 +3118,7 @@
           <a:bodyPr/>
           <a:lstStyle/>
           <a:p>
-            <a:endParaRPr lang="en-US" dirty="0"/>
+            <a:endParaRPr lang="en-US"/>
           </a:p>
         </p:txBody>
       </p:sp>
@@ -3129,7 +3142,7 @@
               <a:pPr/>
               <a:t>‹N°›</a:t>
             </a:fld>
-            <a:endParaRPr lang="en-US" dirty="0"/>
+            <a:endParaRPr lang="en-US"/>
           </a:p>
         </p:txBody>
       </p:sp>
@@ -3235,7 +3248,7 @@
           <a:ln/>
           <a:extLst>
             <a:ext uri="{91240B29-F687-4f45-9708-019B960494DF}">
-              <a14:hiddenLine xmlns="" xmlns:a14="http://schemas.microsoft.com/office/drawing/2010/main" w="9525">
+              <a14:hiddenLine xmlns:a14="http://schemas.microsoft.com/office/drawing/2010/main" xmlns="" w="9525">
                 <a:solidFill>
                   <a:srgbClr val="000000"/>
                 </a:solidFill>
@@ -3284,7 +3297,7 @@
               <a:rPr lang="fr-FR"/>
               <a:t>Modifiez le style du titre</a:t>
             </a:r>
-            <a:endParaRPr lang="en-US" dirty="0"/>
+            <a:endParaRPr lang="en-US"/>
           </a:p>
         </p:txBody>
       </p:sp>
@@ -3410,7 +3423,7 @@
               <a:rPr lang="fr-FR"/>
               <a:t>Cinquième niveau</a:t>
             </a:r>
-            <a:endParaRPr lang="en-US" dirty="0"/>
+            <a:endParaRPr lang="en-US"/>
           </a:p>
         </p:txBody>
       </p:sp>
@@ -3536,7 +3549,7 @@
               <a:rPr lang="fr-FR"/>
               <a:t>Cinquième niveau</a:t>
             </a:r>
-            <a:endParaRPr lang="en-US" dirty="0"/>
+            <a:endParaRPr lang="en-US"/>
           </a:p>
         </p:txBody>
       </p:sp>
@@ -3558,9 +3571,9 @@
             <a:fld id="{02640F58-564D-2B4F-AE67-E407BA4FCF45}" type="datetimeFigureOut">
               <a:rPr lang="en-US" dirty="0"/>
               <a:pPr/>
-              <a:t>3/25/2018</a:t>
+              <a:t>4/8/2018</a:t>
             </a:fld>
-            <a:endParaRPr lang="en-US" dirty="0"/>
+            <a:endParaRPr lang="en-US"/>
           </a:p>
         </p:txBody>
       </p:sp>
@@ -3579,7 +3592,7 @@
           <a:bodyPr/>
           <a:lstStyle/>
           <a:p>
-            <a:endParaRPr lang="en-US" dirty="0"/>
+            <a:endParaRPr lang="en-US"/>
           </a:p>
         </p:txBody>
       </p:sp>
@@ -3603,7 +3616,7 @@
               <a:pPr/>
               <a:t>‹N°›</a:t>
             </a:fld>
-            <a:endParaRPr lang="en-US" dirty="0"/>
+            <a:endParaRPr lang="en-US"/>
           </a:p>
         </p:txBody>
       </p:sp>
@@ -3709,7 +3722,7 @@
           <a:ln/>
           <a:extLst>
             <a:ext uri="{91240B29-F687-4f45-9708-019B960494DF}">
-              <a14:hiddenLine xmlns="" xmlns:a14="http://schemas.microsoft.com/office/drawing/2010/main" w="9525">
+              <a14:hiddenLine xmlns:a14="http://schemas.microsoft.com/office/drawing/2010/main" xmlns="" w="9525">
                 <a:solidFill>
                   <a:srgbClr val="000000"/>
                 </a:solidFill>
@@ -3754,7 +3767,7 @@
               <a:rPr lang="fr-FR"/>
               <a:t>Modifiez le style du titre</a:t>
             </a:r>
-            <a:endParaRPr lang="en-US" dirty="0"/>
+            <a:endParaRPr lang="en-US"/>
           </a:p>
         </p:txBody>
       </p:sp>
@@ -3776,9 +3789,9 @@
             <a:fld id="{F13A34C8-038E-2045-AF43-DF7DBB8E0E9E}" type="datetimeFigureOut">
               <a:rPr lang="en-US" dirty="0"/>
               <a:pPr/>
-              <a:t>3/25/2018</a:t>
+              <a:t>4/8/2018</a:t>
             </a:fld>
-            <a:endParaRPr lang="en-US" dirty="0"/>
+            <a:endParaRPr lang="en-US"/>
           </a:p>
         </p:txBody>
       </p:sp>
@@ -3797,7 +3810,7 @@
           <a:bodyPr/>
           <a:lstStyle/>
           <a:p>
-            <a:endParaRPr lang="en-US" dirty="0"/>
+            <a:endParaRPr lang="en-US"/>
           </a:p>
         </p:txBody>
       </p:sp>
@@ -3821,7 +3834,7 @@
               <a:pPr/>
               <a:t>‹N°›</a:t>
             </a:fld>
-            <a:endParaRPr lang="en-US" dirty="0"/>
+            <a:endParaRPr lang="en-US"/>
           </a:p>
         </p:txBody>
       </p:sp>
@@ -3868,9 +3881,9 @@
             <a:fld id="{8818C68F-D26B-8F47-958C-23B49CF8A634}" type="datetimeFigureOut">
               <a:rPr lang="en-US" dirty="0"/>
               <a:pPr/>
-              <a:t>3/25/2018</a:t>
+              <a:t>4/8/2018</a:t>
             </a:fld>
-            <a:endParaRPr lang="en-US" dirty="0"/>
+            <a:endParaRPr lang="en-US"/>
           </a:p>
         </p:txBody>
       </p:sp>
@@ -3889,7 +3902,7 @@
           <a:bodyPr/>
           <a:lstStyle/>
           <a:p>
-            <a:endParaRPr lang="en-US" dirty="0"/>
+            <a:endParaRPr lang="en-US"/>
           </a:p>
         </p:txBody>
       </p:sp>
@@ -3913,7 +3926,7 @@
               <a:pPr/>
               <a:t>‹N°›</a:t>
             </a:fld>
-            <a:endParaRPr lang="en-US" dirty="0"/>
+            <a:endParaRPr lang="en-US"/>
           </a:p>
         </p:txBody>
       </p:sp>
@@ -4132,7 +4145,7 @@
           <a:ln/>
           <a:extLst>
             <a:ext uri="{91240B29-F687-4f45-9708-019B960494DF}">
-              <a14:hiddenLine xmlns="" xmlns:a14="http://schemas.microsoft.com/office/drawing/2010/main" w="9525">
+              <a14:hiddenLine xmlns:a14="http://schemas.microsoft.com/office/drawing/2010/main" xmlns="" w="9525">
                 <a:solidFill>
                   <a:srgbClr val="000000"/>
                 </a:solidFill>
@@ -4186,7 +4199,7 @@
               <a:rPr lang="fr-FR"/>
               <a:t>Modifiez le style du titre</a:t>
             </a:r>
-            <a:endParaRPr lang="en-US" dirty="0"/>
+            <a:endParaRPr lang="en-US"/>
           </a:p>
         </p:txBody>
       </p:sp>
@@ -4245,7 +4258,7 @@
               <a:rPr lang="fr-FR"/>
               <a:t>Cinquième niveau</a:t>
             </a:r>
-            <a:endParaRPr lang="en-US" dirty="0"/>
+            <a:endParaRPr lang="en-US"/>
           </a:p>
         </p:txBody>
       </p:sp>
@@ -4332,9 +4345,9 @@
             <a:fld id="{D0DF5E60-9974-AC48-9591-99C2BB44B7CF}" type="datetimeFigureOut">
               <a:rPr lang="en-US" dirty="0"/>
               <a:pPr/>
-              <a:t>3/25/2018</a:t>
+              <a:t>4/8/2018</a:t>
             </a:fld>
-            <a:endParaRPr lang="en-US" dirty="0"/>
+            <a:endParaRPr lang="en-US"/>
           </a:p>
         </p:txBody>
       </p:sp>
@@ -4353,7 +4366,7 @@
           <a:bodyPr/>
           <a:lstStyle/>
           <a:p>
-            <a:endParaRPr lang="en-US" dirty="0"/>
+            <a:endParaRPr lang="en-US"/>
           </a:p>
         </p:txBody>
       </p:sp>
@@ -4377,7 +4390,7 @@
               <a:pPr/>
               <a:t>‹N°›</a:t>
             </a:fld>
-            <a:endParaRPr lang="en-US" dirty="0"/>
+            <a:endParaRPr lang="en-US"/>
           </a:p>
         </p:txBody>
       </p:sp>
@@ -4436,7 +4449,7 @@
               <a:rPr lang="fr-FR"/>
               <a:t>Modifiez le style du titre</a:t>
             </a:r>
-            <a:endParaRPr lang="en-US" dirty="0"/>
+            <a:endParaRPr lang="en-US"/>
           </a:p>
         </p:txBody>
       </p:sp>
@@ -4548,7 +4561,7 @@
               <a:rPr lang="fr-FR"/>
               <a:t>Cliquez sur l'icône pour ajouter une image</a:t>
             </a:r>
-            <a:endParaRPr lang="en-US" dirty="0"/>
+            <a:endParaRPr lang="en-US"/>
           </a:p>
         </p:txBody>
       </p:sp>
@@ -4642,9 +4655,9 @@
             <a:fld id="{18C79C5D-2A6F-F04D-97DA-BEF2467B64E4}" type="datetimeFigureOut">
               <a:rPr lang="en-US" dirty="0"/>
               <a:pPr/>
-              <a:t>3/25/2018</a:t>
+              <a:t>4/8/2018</a:t>
             </a:fld>
-            <a:endParaRPr lang="en-US" dirty="0"/>
+            <a:endParaRPr lang="en-US"/>
           </a:p>
         </p:txBody>
       </p:sp>
@@ -4668,7 +4681,7 @@
           <a:bodyPr/>
           <a:lstStyle/>
           <a:p>
-            <a:endParaRPr lang="en-US" dirty="0"/>
+            <a:endParaRPr lang="en-US"/>
           </a:p>
         </p:txBody>
       </p:sp>
@@ -4697,7 +4710,7 @@
               <a:pPr/>
               <a:t>‹N°›</a:t>
             </a:fld>
-            <a:endParaRPr lang="en-US" dirty="0"/>
+            <a:endParaRPr lang="en-US"/>
           </a:p>
         </p:txBody>
       </p:sp>
@@ -4767,7 +4780,7 @@
               <a:rPr lang="fr-FR"/>
               <a:t>Modifiez le style du titre</a:t>
             </a:r>
-            <a:endParaRPr lang="en-US" dirty="0"/>
+            <a:endParaRPr lang="en-US"/>
           </a:p>
         </p:txBody>
       </p:sp>
@@ -4836,7 +4849,7 @@
               <a:rPr lang="fr-FR"/>
               <a:t>Cinquième niveau</a:t>
             </a:r>
-            <a:endParaRPr lang="en-US" dirty="0"/>
+            <a:endParaRPr lang="en-US"/>
           </a:p>
         </p:txBody>
       </p:sp>
@@ -4871,7 +4884,7 @@
             </a:lvl1pPr>
           </a:lstStyle>
           <a:p>
-            <a:endParaRPr lang="en-US" dirty="0"/>
+            <a:endParaRPr lang="en-US"/>
           </a:p>
         </p:txBody>
       </p:sp>
@@ -4909,9 +4922,9 @@
             <a:fld id="{09B482E8-6E0E-1B4F-B1FD-C69DB9E858D9}" type="datetimeFigureOut">
               <a:rPr lang="en-US" dirty="0"/>
               <a:pPr/>
-              <a:t>3/25/2018</a:t>
+              <a:t>4/8/2018</a:t>
             </a:fld>
-            <a:endParaRPr lang="en-US" dirty="0"/>
+            <a:endParaRPr lang="en-US"/>
           </a:p>
         </p:txBody>
       </p:sp>
@@ -4951,7 +4964,7 @@
               <a:pPr/>
               <a:t>‹N°›</a:t>
             </a:fld>
-            <a:endParaRPr lang="en-US" dirty="0"/>
+            <a:endParaRPr lang="en-US"/>
           </a:p>
         </p:txBody>
       </p:sp>
@@ -5377,10 +5390,10 @@
           <a:lstStyle/>
           <a:p>
             <a:r>
-              <a:rPr lang="fr-FR" sz="6600" dirty="0" err="1"/>
+              <a:rPr lang="fr-FR" sz="6600" err="1"/>
               <a:t>CovoGreen</a:t>
             </a:r>
-            <a:endParaRPr lang="fr-FR" sz="6600" dirty="0"/>
+            <a:endParaRPr lang="fr-FR" sz="6600"/>
           </a:p>
         </p:txBody>
       </p:sp>
@@ -5406,7 +5419,7 @@
           <a:lstStyle/>
           <a:p>
             <a:r>
-              <a:rPr lang="fr-FR" dirty="0"/>
+              <a:rPr lang="fr-FR"/>
               <a:t>L’application de covoiturage entre étudiants de l’IUT Nice – Sophia-Antipolis</a:t>
             </a:r>
           </a:p>
@@ -5435,76 +5448,76 @@
           <a:noFill/>
         </p:spPr>
         <p:txBody>
-          <a:bodyPr wrap="square" rtlCol="0">
+          <a:bodyPr wrap="square" rtlCol="0" anchor="t">
             <a:spAutoFit/>
           </a:bodyPr>
           <a:lstStyle/>
           <a:p>
             <a:r>
-              <a:rPr lang="fr-FR" b="1" dirty="0"/>
+              <a:rPr lang="fr-FR" b="1"/>
               <a:t>LPSIL IDSE 2017-2018</a:t>
             </a:r>
           </a:p>
           <a:p>
-            <a:endParaRPr lang="fr-FR" dirty="0"/>
-          </a:p>
-          <a:p>
-            <a:r>
-              <a:rPr lang="fr-FR" dirty="0" err="1"/>
+            <a:endParaRPr lang="fr-FR"/>
+          </a:p>
+          <a:p>
+            <a:r>
+              <a:rPr lang="fr-FR" err="1"/>
               <a:t>Zarzitski</a:t>
             </a:r>
             <a:r>
-              <a:rPr lang="fr-FR" dirty="0"/>
+              <a:rPr lang="fr-FR"/>
               <a:t> Alex</a:t>
             </a:r>
           </a:p>
           <a:p>
             <a:r>
-              <a:rPr lang="fr-FR" dirty="0"/>
+              <a:rPr lang="fr-FR"/>
               <a:t>El </a:t>
             </a:r>
             <a:r>
-              <a:rPr lang="fr-FR" dirty="0" err="1"/>
+              <a:rPr lang="fr-FR" err="1"/>
               <a:t>Karmoudi</a:t>
             </a:r>
             <a:r>
-              <a:rPr lang="fr-FR" dirty="0"/>
+              <a:rPr lang="fr-FR"/>
               <a:t> Mohamed</a:t>
             </a:r>
           </a:p>
           <a:p>
             <a:r>
-              <a:rPr lang="fr-FR" dirty="0" err="1"/>
-              <a:t>Trec</a:t>
-            </a:r>
-            <a:r>
-              <a:rPr lang="fr-FR" dirty="0"/>
+              <a:rPr lang="fr-FR" err="1"/>
+              <a:t>Trech</a:t>
+            </a:r>
+            <a:r>
+              <a:rPr lang="fr-FR"/>
               <a:t> </a:t>
             </a:r>
             <a:r>
-              <a:rPr lang="fr-FR" dirty="0" err="1"/>
+              <a:rPr lang="fr-FR" err="1"/>
               <a:t>Yanice</a:t>
             </a:r>
-            <a:endParaRPr lang="fr-FR" dirty="0"/>
-          </a:p>
-          <a:p>
-            <a:r>
-              <a:rPr lang="fr-FR" dirty="0"/>
+            <a:endParaRPr lang="fr-FR"/>
+          </a:p>
+          <a:p>
+            <a:r>
+              <a:rPr lang="fr-FR"/>
               <a:t>Marvin </a:t>
             </a:r>
             <a:r>
-              <a:rPr lang="fr-FR" dirty="0" err="1"/>
+              <a:rPr lang="fr-FR" err="1"/>
               <a:t>Rameix</a:t>
             </a:r>
-            <a:endParaRPr lang="fr-FR" dirty="0"/>
-          </a:p>
-          <a:p>
-            <a:r>
-              <a:rPr lang="fr-FR" dirty="0" err="1"/>
+            <a:endParaRPr lang="fr-FR"/>
+          </a:p>
+          <a:p>
+            <a:r>
+              <a:rPr lang="fr-FR" err="1"/>
               <a:t>Lembo</a:t>
             </a:r>
             <a:r>
-              <a:rPr lang="fr-FR" dirty="0"/>
+              <a:rPr lang="fr-FR"/>
               <a:t> Romain</a:t>
             </a:r>
           </a:p>
@@ -5562,10 +5575,10 @@
           <a:lstStyle/>
           <a:p>
             <a:r>
-              <a:rPr lang="fr-FR" dirty="0" err="1"/>
+              <a:rPr lang="fr-FR" err="1"/>
               <a:t>BurnDownChart</a:t>
             </a:r>
-            <a:endParaRPr lang="fr-FR" dirty="0"/>
+            <a:endParaRPr lang="fr-FR"/>
           </a:p>
         </p:txBody>
       </p:sp>
@@ -5651,7 +5664,7 @@
           <a:lstStyle/>
           <a:p>
             <a:r>
-              <a:rPr lang="fr-FR" dirty="0"/>
+              <a:rPr lang="fr-FR"/>
               <a:t>Vélocité finale</a:t>
             </a:r>
           </a:p>
@@ -5678,7 +5691,48 @@
           <a:bodyPr/>
           <a:lstStyle/>
           <a:p>
-            <a:endParaRPr lang="fr-FR"/>
+            <a:pPr>
+              <a:buNone/>
+            </a:pPr>
+            <a:r>
+              <a:rPr lang="fr-FR"/>
+              <a:t>Le but principal du projet était la création d'un site web de covoiturage.</a:t>
+            </a:r>
+          </a:p>
+          <a:p>
+            <a:pPr>
+              <a:buNone/>
+            </a:pPr>
+            <a:r>
+              <a:rPr lang="fr-FR"/>
+              <a:t>L'objectif a été atteint, le site web est fonctionnel et il respecte les user story imposés en début de projet.</a:t>
+            </a:r>
+          </a:p>
+          <a:p>
+            <a:pPr>
+              <a:buNone/>
+            </a:pPr>
+            <a:r>
+              <a:rPr lang="fr-FR"/>
+              <a:t>Le rendu final est le site web en lui-même proposant aux différents utilisateurs une recherche et une inscription aux offres susceptibles de les intéresser, un panel pour les conducteurs ainsi que les administrateurs, </a:t>
+            </a:r>
+            <a:r>
+              <a:rPr lang="fr-FR" err="1"/>
+              <a:t>ect</a:t>
+            </a:r>
+            <a:r>
+              <a:rPr lang="fr-FR"/>
+              <a:t>..</a:t>
+            </a:r>
+          </a:p>
+          <a:p>
+            <a:pPr>
+              <a:buNone/>
+            </a:pPr>
+            <a:r>
+              <a:rPr lang="fr-FR"/>
+              <a:t>Le projet respectant toutes les normes Informatique, il est tout à fait possible de le voir se  commercialiser afin de rendre la vie de notre planète et des étudiants plus aisées.</a:t>
+            </a:r>
           </a:p>
         </p:txBody>
       </p:sp>
@@ -5686,6 +5740,194 @@
     <p:extLst>
       <p:ext uri="{BB962C8B-B14F-4D97-AF65-F5344CB8AC3E}">
         <p14:creationId xmlns:p14="http://schemas.microsoft.com/office/powerpoint/2010/main" val="3467758427"/>
+      </p:ext>
+    </p:extLst>
+  </p:cSld>
+  <p:clrMapOvr>
+    <a:masterClrMapping/>
+  </p:clrMapOvr>
+</p:sld>
+</file>
+
+<file path=ppt/slides/slide12.xml><?xml version="1.0" encoding="utf-8"?>
+<p:sld xmlns:a="http://schemas.openxmlformats.org/drawingml/2006/main" xmlns:r="http://schemas.openxmlformats.org/officeDocument/2006/relationships" xmlns:p="http://schemas.openxmlformats.org/presentationml/2006/main">
+  <p:cSld>
+    <p:spTree>
+      <p:nvGrpSpPr>
+        <p:cNvPr id="1" name=""/>
+        <p:cNvGrpSpPr/>
+        <p:nvPr/>
+      </p:nvGrpSpPr>
+      <p:grpSpPr>
+        <a:xfrm>
+          <a:off x="0" y="0"/>
+          <a:ext cx="0" cy="0"/>
+          <a:chOff x="0" y="0"/>
+          <a:chExt cx="0" cy="0"/>
+        </a:xfrm>
+      </p:grpSpPr>
+      <p:sp>
+        <p:nvSpPr>
+          <p:cNvPr id="2" name="Titre 1">
+            <a:extLst>
+              <a:ext uri="{FF2B5EF4-FFF2-40B4-BE49-F238E27FC236}">
+                <a16:creationId xmlns:a16="http://schemas.microsoft.com/office/drawing/2014/main" id="{87AFBC72-909E-436D-932D-7582A612D83A}"/>
+              </a:ext>
+            </a:extLst>
+          </p:cNvPr>
+          <p:cNvSpPr>
+            <a:spLocks noGrp="1"/>
+          </p:cNvSpPr>
+          <p:nvPr>
+            <p:ph type="title"/>
+          </p:nvPr>
+        </p:nvSpPr>
+        <p:spPr/>
+        <p:txBody>
+          <a:bodyPr/>
+          <a:lstStyle/>
+          <a:p>
+            <a:r>
+              <a:rPr lang="fr-FR" dirty="0"/>
+              <a:t>Intégration continue (</a:t>
+            </a:r>
+            <a:r>
+              <a:rPr lang="fr-FR" dirty="0" err="1"/>
+              <a:t>CircleCi</a:t>
+            </a:r>
+            <a:r>
+              <a:rPr lang="fr-FR" dirty="0"/>
+              <a:t>)</a:t>
+            </a:r>
+            <a:endParaRPr lang="fr-FR" dirty="0">
+              <a:solidFill>
+                <a:schemeClr val="tx1"/>
+              </a:solidFill>
+            </a:endParaRPr>
+          </a:p>
+        </p:txBody>
+      </p:sp>
+      <p:pic>
+        <p:nvPicPr>
+          <p:cNvPr id="7" name="Image 7">
+            <a:extLst>
+              <a:ext uri="{FF2B5EF4-FFF2-40B4-BE49-F238E27FC236}">
+                <a16:creationId xmlns:a16="http://schemas.microsoft.com/office/drawing/2014/main" id="{23679B7B-A6B6-4783-AE8F-984D7A5B029F}"/>
+              </a:ext>
+            </a:extLst>
+          </p:cNvPr>
+          <p:cNvPicPr>
+            <a:picLocks noChangeAspect="1"/>
+          </p:cNvPicPr>
+          <p:nvPr/>
+        </p:nvPicPr>
+        <p:blipFill>
+          <a:blip r:embed="rId2"/>
+          <a:stretch>
+            <a:fillRect/>
+          </a:stretch>
+        </p:blipFill>
+        <p:spPr>
+          <a:xfrm>
+            <a:off x="1582864" y="2110383"/>
+            <a:ext cx="8808961" cy="4541832"/>
+          </a:xfrm>
+          <a:prstGeom prst="rect">
+            <a:avLst/>
+          </a:prstGeom>
+        </p:spPr>
+      </p:pic>
+    </p:spTree>
+    <p:extLst>
+      <p:ext uri="{BB962C8B-B14F-4D97-AF65-F5344CB8AC3E}">
+        <p14:creationId xmlns:p14="http://schemas.microsoft.com/office/powerpoint/2010/main" val="261924563"/>
+      </p:ext>
+    </p:extLst>
+  </p:cSld>
+  <p:clrMapOvr>
+    <a:masterClrMapping/>
+  </p:clrMapOvr>
+</p:sld>
+</file>
+
+<file path=ppt/slides/slide13.xml><?xml version="1.0" encoding="utf-8"?>
+<p:sld xmlns:a="http://schemas.openxmlformats.org/drawingml/2006/main" xmlns:r="http://schemas.openxmlformats.org/officeDocument/2006/relationships" xmlns:p="http://schemas.openxmlformats.org/presentationml/2006/main">
+  <p:cSld>
+    <p:spTree>
+      <p:nvGrpSpPr>
+        <p:cNvPr id="1" name=""/>
+        <p:cNvGrpSpPr/>
+        <p:nvPr/>
+      </p:nvGrpSpPr>
+      <p:grpSpPr>
+        <a:xfrm>
+          <a:off x="0" y="0"/>
+          <a:ext cx="0" cy="0"/>
+          <a:chOff x="0" y="0"/>
+          <a:chExt cx="0" cy="0"/>
+        </a:xfrm>
+      </p:grpSpPr>
+      <p:sp>
+        <p:nvSpPr>
+          <p:cNvPr id="2" name="Titre 1">
+            <a:extLst>
+              <a:ext uri="{FF2B5EF4-FFF2-40B4-BE49-F238E27FC236}">
+                <a16:creationId xmlns:a16="http://schemas.microsoft.com/office/drawing/2014/main" id="{6DC10014-BF49-4C2C-938B-995A29C00AAF}"/>
+              </a:ext>
+            </a:extLst>
+          </p:cNvPr>
+          <p:cNvSpPr>
+            <a:spLocks noGrp="1"/>
+          </p:cNvSpPr>
+          <p:nvPr>
+            <p:ph type="title"/>
+          </p:nvPr>
+        </p:nvSpPr>
+        <p:spPr/>
+        <p:txBody>
+          <a:bodyPr/>
+          <a:lstStyle/>
+          <a:p>
+            <a:r>
+              <a:rPr lang="fr-FR"/>
+              <a:t>Analyseur et testeur de code </a:t>
+            </a:r>
+            <a:r>
+              <a:rPr lang="fr-FR" err="1"/>
+              <a:t>Codacy</a:t>
+            </a:r>
+          </a:p>
+        </p:txBody>
+      </p:sp>
+      <p:sp>
+        <p:nvSpPr>
+          <p:cNvPr id="3" name="Espace réservé du contenu 2">
+            <a:extLst>
+              <a:ext uri="{FF2B5EF4-FFF2-40B4-BE49-F238E27FC236}">
+                <a16:creationId xmlns:a16="http://schemas.microsoft.com/office/drawing/2014/main" id="{B64A3634-4F38-43DA-A73C-3324906E7CD3}"/>
+              </a:ext>
+            </a:extLst>
+          </p:cNvPr>
+          <p:cNvSpPr>
+            <a:spLocks noGrp="1"/>
+          </p:cNvSpPr>
+          <p:nvPr>
+            <p:ph idx="1"/>
+          </p:nvPr>
+        </p:nvSpPr>
+        <p:spPr/>
+        <p:txBody>
+          <a:bodyPr/>
+          <a:lstStyle/>
+          <a:p>
+            <a:endParaRPr lang="fr-FR"/>
+          </a:p>
+        </p:txBody>
+      </p:sp>
+    </p:spTree>
+    <p:extLst>
+      <p:ext uri="{BB962C8B-B14F-4D97-AF65-F5344CB8AC3E}">
+        <p14:creationId xmlns:p14="http://schemas.microsoft.com/office/powerpoint/2010/main" val="87096523"/>
       </p:ext>
     </p:extLst>
   </p:cSld>
@@ -5734,7 +5976,7 @@
           <a:lstStyle/>
           <a:p>
             <a:r>
-              <a:rPr lang="fr-FR" dirty="0"/>
+              <a:rPr lang="fr-FR"/>
               <a:t>Sommaire</a:t>
             </a:r>
           </a:p>
@@ -5762,33 +6004,33 @@
           <a:lstStyle/>
           <a:p>
             <a:r>
-              <a:rPr lang="fr-FR" dirty="0"/>
+              <a:rPr lang="fr-FR"/>
               <a:t>Introduction</a:t>
             </a:r>
           </a:p>
           <a:p>
             <a:r>
-              <a:rPr lang="fr-FR" dirty="0" err="1"/>
+              <a:rPr lang="fr-FR" err="1"/>
               <a:t>Backlogs</a:t>
             </a:r>
-            <a:endParaRPr lang="fr-FR" dirty="0"/>
-          </a:p>
-          <a:p>
-            <a:r>
-              <a:rPr lang="fr-FR" dirty="0"/>
+            <a:endParaRPr lang="fr-FR"/>
+          </a:p>
+          <a:p>
+            <a:r>
+              <a:rPr lang="fr-FR"/>
               <a:t>Descriptions des 3 sprints</a:t>
             </a:r>
           </a:p>
           <a:p>
             <a:r>
-              <a:rPr lang="fr-FR" dirty="0" err="1"/>
+              <a:rPr lang="fr-FR" err="1"/>
               <a:t>BurnDownChart</a:t>
             </a:r>
-            <a:endParaRPr lang="fr-FR" dirty="0"/>
-          </a:p>
-          <a:p>
-            <a:r>
-              <a:rPr lang="fr-FR" dirty="0"/>
+            <a:endParaRPr lang="fr-FR"/>
+          </a:p>
+          <a:p>
+            <a:r>
+              <a:rPr lang="fr-FR"/>
               <a:t>Vélocité finale</a:t>
             </a:r>
           </a:p>
@@ -5879,7 +6121,7 @@
               <a:buNone/>
             </a:pPr>
             <a:r>
-              <a:rPr lang="fr-FR" sz="1200" dirty="0"/>
+              <a:rPr lang="fr-FR"/>
               <a:t>Le projet à réaliser est une plateforme de covoiturage destinée aux étudiants de l’université.</a:t>
             </a:r>
           </a:p>
@@ -5888,7 +6130,7 @@
               <a:buNone/>
             </a:pPr>
             <a:r>
-              <a:rPr lang="fr-FR" sz="1200" dirty="0"/>
+              <a:rPr lang="fr-FR"/>
               <a:t>Cette plateforme de covoiturage a donc pour but de mettre en relation les étudiants effectuant un même trajet afin qu’ils puissent le réaliser ensemble dans un seul véhicule.</a:t>
             </a:r>
           </a:p>
@@ -5897,8 +6139,8 @@
               <a:buNone/>
             </a:pPr>
             <a:r>
-              <a:rPr lang="fr-FR" sz="1200" dirty="0"/>
-              <a:t>En premier lieu, les étudiants doivent s’inscrire sur le site afin de pouvoir l’utiliser.</a:t>
+              <a:rPr lang="fr-FR"/>
+              <a:t>En premier lieu, les étudiants devront s’inscrire sur le site afin de pouvoir l’utiliser.</a:t>
             </a:r>
           </a:p>
           <a:p>
@@ -5906,8 +6148,8 @@
               <a:buNone/>
             </a:pPr>
             <a:r>
-              <a:rPr lang="fr-FR" sz="1200" dirty="0"/>
-              <a:t>Ensuite, les covoitureurs inscris peuvent proposer un trajet, ou rechercher un trajet et s’y inscrire.</a:t>
+              <a:rPr lang="fr-FR"/>
+              <a:t>Ensuite, les covoitureurs inscrits peuvent proposer un trajet, ou rechercher un trajet et s’y inscrire.</a:t>
             </a:r>
           </a:p>
           <a:p>
@@ -5915,15 +6157,15 @@
               <a:buNone/>
             </a:pPr>
             <a:r>
-              <a:rPr lang="fr-FR" sz="1200" dirty="0"/>
-              <a:t>D’autres fonctionnalités  : l’évaluation des covoitureurs et un chat entre passagers.</a:t>
+              <a:rPr lang="fr-FR"/>
+              <a:t>D’autres fonctionnalités  : l’évaluation des covoitureurs et un chat entre passagers.</a:t>
             </a:r>
           </a:p>
           <a:p>
             <a:pPr marL="0" indent="0">
               <a:buNone/>
             </a:pPr>
-            <a:endParaRPr lang="fr-FR" sz="1200" dirty="0"/>
+            <a:endParaRPr lang="fr-FR" sz="1200"/>
           </a:p>
         </p:txBody>
       </p:sp>
@@ -5979,10 +6221,10 @@
           <a:lstStyle/>
           <a:p>
             <a:r>
-              <a:rPr lang="fr-FR" dirty="0" err="1"/>
+              <a:rPr lang="fr-FR" err="1"/>
               <a:t>Backlogs</a:t>
             </a:r>
-            <a:endParaRPr lang="fr-FR" dirty="0"/>
+            <a:endParaRPr lang="fr-FR"/>
           </a:p>
         </p:txBody>
       </p:sp>
@@ -6011,7 +6253,7 @@
               <a:buNone/>
             </a:pPr>
             <a:r>
-              <a:rPr lang="fr-FR" dirty="0"/>
+              <a:rPr lang="fr-FR"/>
               <a:t> </a:t>
             </a:r>
           </a:p>
@@ -6102,7 +6344,7 @@
               <a:buNone/>
             </a:pPr>
             <a:r>
-              <a:rPr lang="fr-FR" dirty="0"/>
+              <a:rPr lang="fr-FR"/>
               <a:t> </a:t>
             </a:r>
           </a:p>
@@ -6193,7 +6435,7 @@
               <a:buNone/>
             </a:pPr>
             <a:r>
-              <a:rPr lang="fr-FR" dirty="0"/>
+              <a:rPr lang="fr-FR"/>
               <a:t> </a:t>
             </a:r>
           </a:p>
@@ -6281,7 +6523,7 @@
           <a:lstStyle/>
           <a:p>
             <a:r>
-              <a:rPr lang="fr-FR" dirty="0"/>
+              <a:rPr lang="fr-FR"/>
               <a:t>Description des 3 sprints</a:t>
             </a:r>
           </a:p>
@@ -6330,8 +6572,8 @@
         </p:nvSpPr>
         <p:spPr>
           <a:xfrm>
-            <a:off x="352338" y="5711378"/>
-            <a:ext cx="1652631" cy="738664"/>
+            <a:off x="121016" y="2037451"/>
+            <a:ext cx="1938381" cy="2400657"/>
           </a:xfrm>
           <a:prstGeom prst="rect">
             <a:avLst/>
@@ -6339,27 +6581,82 @@
           <a:noFill/>
         </p:spPr>
         <p:txBody>
-          <a:bodyPr wrap="square" rtlCol="0">
+          <a:bodyPr wrap="square" rtlCol="0" anchor="t">
             <a:spAutoFit/>
           </a:bodyPr>
           <a:lstStyle/>
           <a:p>
             <a:r>
-              <a:rPr lang="fr-FR" dirty="0"/>
+              <a:rPr lang="fr-FR"/>
               <a:t>Sprint 1</a:t>
             </a:r>
           </a:p>
           <a:p>
             <a:r>
-              <a:rPr lang="fr-FR" sz="1200" dirty="0"/>
+              <a:rPr lang="fr-FR" sz="1200"/>
               <a:t>Du 09/01 au</a:t>
             </a:r>
           </a:p>
           <a:p>
             <a:r>
-              <a:rPr lang="fr-FR" sz="1200" dirty="0"/>
+              <a:rPr lang="fr-FR" sz="1200"/>
               <a:t>10/02</a:t>
             </a:r>
+          </a:p>
+          <a:p>
+            <a:endParaRPr lang="fr-FR" sz="1200"/>
+          </a:p>
+          <a:p>
+            <a:r>
+              <a:rPr lang="fr-FR" sz="1200"/>
+              <a:t>- User Story</a:t>
+            </a:r>
+          </a:p>
+          <a:p>
+            <a:endParaRPr lang="fr-FR" sz="1200"/>
+          </a:p>
+          <a:p>
+            <a:r>
+              <a:rPr lang="fr-FR" sz="1200"/>
+              <a:t>- Mise en Place BDD</a:t>
+            </a:r>
+          </a:p>
+          <a:p>
+            <a:endParaRPr lang="fr-FR" sz="1200"/>
+          </a:p>
+          <a:p>
+            <a:r>
+              <a:rPr lang="fr-FR" sz="1200"/>
+              <a:t>- </a:t>
+            </a:r>
+            <a:r>
+              <a:rPr lang="fr-FR" sz="1200" err="1"/>
+              <a:t>Sign</a:t>
+            </a:r>
+            <a:r>
+              <a:rPr lang="fr-FR" sz="1200"/>
+              <a:t> In / </a:t>
+            </a:r>
+            <a:r>
+              <a:rPr lang="fr-FR" sz="1200" err="1"/>
+              <a:t>Sign</a:t>
+            </a:r>
+            <a:r>
+              <a:rPr lang="fr-FR" sz="1200"/>
+              <a:t> Up </a:t>
+            </a:r>
+          </a:p>
+          <a:p>
+            <a:endParaRPr lang="fr-FR" sz="1200"/>
+          </a:p>
+          <a:p>
+            <a:r>
+              <a:rPr lang="fr-FR" sz="1200"/>
+              <a:t>- Front et Recherche</a:t>
+            </a:r>
+          </a:p>
+          <a:p>
+            <a:endParaRPr lang="fr-FR" sz="1200"/>
           </a:p>
         </p:txBody>
       </p:sp>
@@ -6407,8 +6704,8 @@
         </p:nvSpPr>
         <p:spPr>
           <a:xfrm>
-            <a:off x="352338" y="5711378"/>
-            <a:ext cx="1652631" cy="738664"/>
+            <a:off x="134624" y="1996629"/>
+            <a:ext cx="1965595" cy="2400657"/>
           </a:xfrm>
           <a:prstGeom prst="rect">
             <a:avLst/>
@@ -6416,27 +6713,57 @@
           <a:noFill/>
         </p:spPr>
         <p:txBody>
-          <a:bodyPr wrap="square" rtlCol="0">
+          <a:bodyPr wrap="square" rtlCol="0" anchor="t">
             <a:spAutoFit/>
           </a:bodyPr>
           <a:lstStyle/>
           <a:p>
             <a:r>
-              <a:rPr lang="fr-FR" dirty="0"/>
+              <a:rPr lang="fr-FR"/>
               <a:t>Sprint 2</a:t>
             </a:r>
           </a:p>
           <a:p>
             <a:r>
-              <a:rPr lang="fr-FR" sz="1200" dirty="0"/>
+              <a:rPr lang="fr-FR" sz="1200"/>
               <a:t>Du 10/02 au</a:t>
             </a:r>
           </a:p>
           <a:p>
             <a:r>
-              <a:rPr lang="fr-FR" sz="1200" dirty="0"/>
+              <a:rPr lang="fr-FR" sz="1200"/>
               <a:t>06/03</a:t>
             </a:r>
+          </a:p>
+          <a:p>
+            <a:endParaRPr lang="fr-FR" sz="1200"/>
+          </a:p>
+          <a:p>
+            <a:r>
+              <a:rPr lang="fr-FR" sz="1200"/>
+              <a:t>- Gestion compte personnel et administrateur</a:t>
+            </a:r>
+          </a:p>
+          <a:p>
+            <a:endParaRPr lang="fr-FR" sz="1200"/>
+          </a:p>
+          <a:p>
+            <a:r>
+              <a:rPr lang="fr-FR" sz="1200"/>
+              <a:t>- Gestion Offres</a:t>
+            </a:r>
+          </a:p>
+          <a:p>
+            <a:endParaRPr lang="fr-FR" sz="1200"/>
+          </a:p>
+          <a:p>
+            <a:r>
+              <a:rPr lang="fr-FR" sz="1200"/>
+              <a:t>- Chat</a:t>
+            </a:r>
+          </a:p>
+          <a:p>
+            <a:endParaRPr lang="fr-FR" sz="1200"/>
           </a:p>
         </p:txBody>
       </p:sp>
@@ -6514,8 +6841,8 @@
         </p:nvSpPr>
         <p:spPr>
           <a:xfrm>
-            <a:off x="352338" y="5711378"/>
-            <a:ext cx="1652631" cy="738664"/>
+            <a:off x="121017" y="2023843"/>
+            <a:ext cx="2074452" cy="2769989"/>
           </a:xfrm>
           <a:prstGeom prst="rect">
             <a:avLst/>
@@ -6523,27 +6850,61 @@
           <a:noFill/>
         </p:spPr>
         <p:txBody>
-          <a:bodyPr wrap="square" rtlCol="0">
+          <a:bodyPr wrap="square" rtlCol="0" anchor="t">
             <a:spAutoFit/>
           </a:bodyPr>
           <a:lstStyle/>
           <a:p>
             <a:r>
-              <a:rPr lang="fr-FR" dirty="0"/>
+              <a:rPr lang="fr-FR"/>
               <a:t>Sprint 3</a:t>
             </a:r>
           </a:p>
           <a:p>
             <a:r>
-              <a:rPr lang="fr-FR" sz="1200" dirty="0"/>
+              <a:rPr lang="fr-FR" sz="1200"/>
               <a:t>Du 06/03 au</a:t>
             </a:r>
           </a:p>
           <a:p>
             <a:r>
-              <a:rPr lang="fr-FR" sz="1200" dirty="0"/>
+              <a:rPr lang="fr-FR" sz="1200"/>
               <a:t>27/03</a:t>
             </a:r>
+          </a:p>
+          <a:p>
+            <a:endParaRPr lang="fr-FR" sz="1200"/>
+          </a:p>
+          <a:p>
+            <a:r>
+              <a:rPr lang="fr-FR" sz="1200"/>
+              <a:t>- Gestion compte personnel et administrateur</a:t>
+            </a:r>
+            <a:endParaRPr lang="fr-FR"/>
+          </a:p>
+          <a:p>
+            <a:endParaRPr lang="fr-FR" sz="1200"/>
+          </a:p>
+          <a:p>
+            <a:r>
+              <a:rPr lang="fr-FR" sz="1200"/>
+              <a:t>- Evaluation</a:t>
+            </a:r>
+          </a:p>
+          <a:p>
+            <a:endParaRPr lang="fr-FR" sz="1200"/>
+          </a:p>
+          <a:p>
+            <a:r>
+              <a:rPr lang="fr-FR" sz="1200"/>
+              <a:t>- Implémentation testeur et analyseur de code</a:t>
+            </a:r>
+          </a:p>
+          <a:p>
+            <a:endParaRPr lang="fr-FR" sz="1200"/>
+          </a:p>
+          <a:p>
+            <a:endParaRPr lang="fr-FR" sz="1200"/>
           </a:p>
         </p:txBody>
       </p:sp>

--- a/doc/CovoGreen-slides.pptx
+++ b/doc/CovoGreen-slides.pptx
@@ -8,16 +8,19 @@
     <p:sldId id="256" r:id="rId2"/>
     <p:sldId id="257" r:id="rId3"/>
     <p:sldId id="258" r:id="rId4"/>
-    <p:sldId id="259" r:id="rId5"/>
-    <p:sldId id="261" r:id="rId6"/>
-    <p:sldId id="260" r:id="rId7"/>
-    <p:sldId id="263" r:id="rId8"/>
-    <p:sldId id="266" r:id="rId9"/>
-    <p:sldId id="267" r:id="rId10"/>
-    <p:sldId id="268" r:id="rId11"/>
-    <p:sldId id="269" r:id="rId12"/>
+    <p:sldId id="272" r:id="rId5"/>
+    <p:sldId id="275" r:id="rId6"/>
+    <p:sldId id="259" r:id="rId7"/>
+    <p:sldId id="261" r:id="rId8"/>
+    <p:sldId id="263" r:id="rId9"/>
+    <p:sldId id="266" r:id="rId10"/>
+    <p:sldId id="267" r:id="rId11"/>
+    <p:sldId id="268" r:id="rId12"/>
     <p:sldId id="270" r:id="rId13"/>
-    <p:sldId id="271" r:id="rId14"/>
+    <p:sldId id="274" r:id="rId14"/>
+    <p:sldId id="273" r:id="rId15"/>
+    <p:sldId id="271" r:id="rId16"/>
+    <p:sldId id="269" r:id="rId17"/>
   </p:sldIdLst>
   <p:sldSz cx="12192000" cy="6858000"/>
   <p:notesSz cx="6858000" cy="9144000"/>
@@ -129,8 +132,12 @@
   <p1510:revLst>
     <p1510:client id="{91A5D31A-1CB2-4A4D-B8AB-8118E93381E0}" v="98" dt="2018-04-08T13:20:35.243"/>
     <p1510:client id="{52A04CCA-98DE-47A4-BF43-407A6B7174F7}" v="131" dt="2018-04-08T13:34:10.933"/>
+    <p1510:client id="{4FBD79DC-1ACC-4998-A82C-61E7D15FA859}" v="14" dt="2018-04-08T14:58:13.725"/>
     <p1510:client id="{D64EF83C-BBBB-4147-8EEF-BCBF8A6BF646}" v="2" dt="2018-04-08T14:52:35.685"/>
-    <p1510:client id="{4FBD79DC-1ACC-4998-A82C-61E7D15FA859}" v="14" dt="2018-04-08T14:58:13.725"/>
+    <p1510:client id="{6E96567E-4BBC-4AFF-AE29-AAE30B0FF4B0}" v="11" dt="2018-04-08T20:43:33.224"/>
+    <p1510:client id="{39E6D80D-917C-41A2-B96F-9367A3B0BCED}" v="8" dt="2018-04-08T20:58:08.398"/>
+    <p1510:client id="{088CDE7F-4273-4A51-AD09-5D39ADE864B1}" v="341" dt="2018-04-09T10:39:49.809"/>
+    <p1510:client id="{B408CB8F-E9D4-45A3-8221-663D013A6BA7}" v="43" dt="2018-04-09T10:45:59.199"/>
   </p1510:revLst>
 </p1510:revInfo>
 </file>
@@ -230,7 +237,7 @@
           <a:effectLst/>
           <a:extLst>
             <a:ext uri="{91240B29-F687-4f45-9708-019B960494DF}">
-              <a14:hiddenLine xmlns:a14="http://schemas.microsoft.com/office/drawing/2010/main" xmlns="" w="9525">
+              <a14:hiddenLine xmlns="" xmlns:a14="http://schemas.microsoft.com/office/drawing/2010/main" w="9525">
                 <a:solidFill>
                   <a:srgbClr val="000000"/>
                 </a:solidFill>
@@ -423,7 +430,7 @@
             <a:fld id="{08B9EBBA-996F-894A-B54A-D6246ED52CEA}" type="datetimeFigureOut">
               <a:rPr lang="en-US" dirty="0"/>
               <a:pPr/>
-              <a:t>4/8/2018</a:t>
+              <a:t>4/9/2018</a:t>
             </a:fld>
             <a:endParaRPr lang="en-US"/>
           </a:p>
@@ -466,7 +473,7 @@
             <a:fld id="{D57F1E4F-1CFF-5643-939E-217C01CDF565}" type="slidenum">
               <a:rPr lang="en-US" dirty="0"/>
               <a:pPr/>
-              <a:t>‹N°›</a:t>
+              <a:t>‹#›</a:t>
             </a:fld>
             <a:endParaRPr lang="en-US"/>
           </a:p>
@@ -738,7 +745,7 @@
             <a:fld id="{18C79C5D-2A6F-F04D-97DA-BEF2467B64E4}" type="datetimeFigureOut">
               <a:rPr lang="en-US" dirty="0"/>
               <a:pPr/>
-              <a:t>4/8/2018</a:t>
+              <a:t>4/9/2018</a:t>
             </a:fld>
             <a:endParaRPr lang="en-US"/>
           </a:p>
@@ -781,7 +788,7 @@
             <a:fld id="{D57F1E4F-1CFF-5643-939E-217C01CDF565}" type="slidenum">
               <a:rPr lang="en-US" dirty="0"/>
               <a:pPr/>
-              <a:t>‹N°›</a:t>
+              <a:t>‹#›</a:t>
             </a:fld>
             <a:endParaRPr lang="en-US"/>
           </a:p>
@@ -1223,7 +1230,7 @@
             <a:fld id="{8DFA1846-DA80-1C48-A609-854EA85C59AD}" type="datetimeFigureOut">
               <a:rPr lang="en-US" dirty="0"/>
               <a:pPr/>
-              <a:t>4/8/2018</a:t>
+              <a:t>4/9/2018</a:t>
             </a:fld>
             <a:endParaRPr lang="en-US"/>
           </a:p>
@@ -1266,7 +1273,7 @@
             <a:fld id="{D57F1E4F-1CFF-5643-939E-217C01CDF565}" type="slidenum">
               <a:rPr lang="en-US" dirty="0"/>
               <a:pPr/>
-              <a:t>‹N°›</a:t>
+              <a:t>‹#›</a:t>
             </a:fld>
             <a:endParaRPr lang="en-US"/>
           </a:p>
@@ -1589,7 +1596,7 @@
             <a:fld id="{FBF54567-0DE4-3F47-BF90-CB84690072F9}" type="datetimeFigureOut">
               <a:rPr lang="en-US" dirty="0"/>
               <a:pPr/>
-              <a:t>4/8/2018</a:t>
+              <a:t>4/9/2018</a:t>
             </a:fld>
             <a:endParaRPr lang="en-US"/>
           </a:p>
@@ -1632,7 +1639,7 @@
             <a:fld id="{D57F1E4F-1CFF-5643-939E-217C01CDF565}" type="slidenum">
               <a:rPr lang="en-US" dirty="0"/>
               <a:pPr/>
-              <a:t>‹N°›</a:t>
+              <a:t>‹#›</a:t>
             </a:fld>
             <a:endParaRPr lang="en-US"/>
           </a:p>
@@ -1740,7 +1747,7 @@
           <a:ln/>
           <a:extLst>
             <a:ext uri="{91240B29-F687-4f45-9708-019B960494DF}">
-              <a14:hiddenLine xmlns:a14="http://schemas.microsoft.com/office/drawing/2010/main" xmlns="" w="9525">
+              <a14:hiddenLine xmlns="" xmlns:a14="http://schemas.microsoft.com/office/drawing/2010/main" w="9525">
                 <a:solidFill>
                   <a:srgbClr val="000000"/>
                 </a:solidFill>
@@ -1859,7 +1866,7 @@
             <a:fld id="{C6C52C72-DE31-F449-A4ED-4C594FD91407}" type="datetimeFigureOut">
               <a:rPr lang="en-US" dirty="0"/>
               <a:pPr/>
-              <a:t>4/8/2018</a:t>
+              <a:t>4/9/2018</a:t>
             </a:fld>
             <a:endParaRPr lang="en-US"/>
           </a:p>
@@ -1902,7 +1909,7 @@
             <a:fld id="{D57F1E4F-1CFF-5643-939E-217C01CDF565}" type="slidenum">
               <a:rPr lang="en-US" dirty="0"/>
               <a:pPr/>
-              <a:t>‹N°›</a:t>
+              <a:t>‹#›</a:t>
             </a:fld>
             <a:endParaRPr lang="en-US"/>
           </a:p>
@@ -2012,7 +2019,7 @@
           <a:ln/>
           <a:extLst>
             <a:ext uri="{91240B29-F687-4f45-9708-019B960494DF}">
-              <a14:hiddenLine xmlns:a14="http://schemas.microsoft.com/office/drawing/2010/main" xmlns="" w="9525">
+              <a14:hiddenLine xmlns="" xmlns:a14="http://schemas.microsoft.com/office/drawing/2010/main" w="9525">
                 <a:solidFill>
                   <a:srgbClr val="000000"/>
                 </a:solidFill>
@@ -2141,7 +2148,7 @@
             <a:fld id="{ED62726E-379B-B349-9EED-81ED093FA806}" type="datetimeFigureOut">
               <a:rPr lang="en-US" dirty="0"/>
               <a:pPr/>
-              <a:t>4/8/2018</a:t>
+              <a:t>4/9/2018</a:t>
             </a:fld>
             <a:endParaRPr lang="en-US"/>
           </a:p>
@@ -2184,7 +2191,7 @@
             <a:fld id="{D57F1E4F-1CFF-5643-939E-217C01CDF565}" type="slidenum">
               <a:rPr lang="en-US" dirty="0"/>
               <a:pPr/>
-              <a:t>‹N°›</a:t>
+              <a:t>‹#›</a:t>
             </a:fld>
             <a:endParaRPr lang="en-US"/>
           </a:p>
@@ -2292,7 +2299,7 @@
           <a:ln/>
           <a:extLst>
             <a:ext uri="{91240B29-F687-4f45-9708-019B960494DF}">
-              <a14:hiddenLine xmlns:a14="http://schemas.microsoft.com/office/drawing/2010/main" xmlns="" w="9525">
+              <a14:hiddenLine xmlns="" xmlns:a14="http://schemas.microsoft.com/office/drawing/2010/main" w="9525">
                 <a:solidFill>
                   <a:srgbClr val="000000"/>
                 </a:solidFill>
@@ -2421,7 +2428,7 @@
             <a:fld id="{9B3A1323-8D79-1946-B0D7-40001CF92E9D}" type="datetimeFigureOut">
               <a:rPr lang="en-US" dirty="0"/>
               <a:pPr/>
-              <a:t>4/8/2018</a:t>
+              <a:t>4/9/2018</a:t>
             </a:fld>
             <a:endParaRPr lang="en-US"/>
           </a:p>
@@ -2464,7 +2471,7 @@
             <a:fld id="{D57F1E4F-1CFF-5643-939E-217C01CDF565}" type="slidenum">
               <a:rPr lang="en-US" dirty="0"/>
               <a:pPr/>
-              <a:t>‹N°›</a:t>
+              <a:t>‹#›</a:t>
             </a:fld>
             <a:endParaRPr lang="en-US"/>
           </a:p>
@@ -2761,7 +2768,7 @@
             <a:fld id="{8DFA1846-DA80-1C48-A609-854EA85C59AD}" type="datetimeFigureOut">
               <a:rPr lang="en-US" dirty="0"/>
               <a:pPr/>
-              <a:t>4/8/2018</a:t>
+              <a:t>4/9/2018</a:t>
             </a:fld>
             <a:endParaRPr lang="en-US"/>
           </a:p>
@@ -2804,7 +2811,7 @@
             <a:fld id="{D57F1E4F-1CFF-5643-939E-217C01CDF565}" type="slidenum">
               <a:rPr lang="en-US" dirty="0"/>
               <a:pPr/>
-              <a:t>‹N°›</a:t>
+              <a:t>‹#›</a:t>
             </a:fld>
             <a:endParaRPr lang="en-US"/>
           </a:p>
@@ -2912,7 +2919,7 @@
           <a:ln/>
           <a:extLst>
             <a:ext uri="{91240B29-F687-4f45-9708-019B960494DF}">
-              <a14:hiddenLine xmlns:a14="http://schemas.microsoft.com/office/drawing/2010/main" xmlns="" w="9525">
+              <a14:hiddenLine xmlns="" xmlns:a14="http://schemas.microsoft.com/office/drawing/2010/main" w="9525">
                 <a:solidFill>
                   <a:srgbClr val="000000"/>
                 </a:solidFill>
@@ -3097,7 +3104,7 @@
             <a:fld id="{57302355-E14B-8545-A8F8-0FE83CC9D524}" type="datetimeFigureOut">
               <a:rPr lang="en-US" dirty="0"/>
               <a:pPr/>
-              <a:t>4/8/2018</a:t>
+              <a:t>4/9/2018</a:t>
             </a:fld>
             <a:endParaRPr lang="en-US"/>
           </a:p>
@@ -3140,7 +3147,7 @@
             <a:fld id="{D57F1E4F-1CFF-5643-939E-217C01CDF565}" type="slidenum">
               <a:rPr lang="en-US" dirty="0"/>
               <a:pPr/>
-              <a:t>‹N°›</a:t>
+              <a:t>‹#›</a:t>
             </a:fld>
             <a:endParaRPr lang="en-US"/>
           </a:p>
@@ -3248,7 +3255,7 @@
           <a:ln/>
           <a:extLst>
             <a:ext uri="{91240B29-F687-4f45-9708-019B960494DF}">
-              <a14:hiddenLine xmlns:a14="http://schemas.microsoft.com/office/drawing/2010/main" xmlns="" w="9525">
+              <a14:hiddenLine xmlns="" xmlns:a14="http://schemas.microsoft.com/office/drawing/2010/main" w="9525">
                 <a:solidFill>
                   <a:srgbClr val="000000"/>
                 </a:solidFill>
@@ -3571,7 +3578,7 @@
             <a:fld id="{02640F58-564D-2B4F-AE67-E407BA4FCF45}" type="datetimeFigureOut">
               <a:rPr lang="en-US" dirty="0"/>
               <a:pPr/>
-              <a:t>4/8/2018</a:t>
+              <a:t>4/9/2018</a:t>
             </a:fld>
             <a:endParaRPr lang="en-US"/>
           </a:p>
@@ -3614,7 +3621,7 @@
             <a:fld id="{D57F1E4F-1CFF-5643-939E-217C01CDF565}" type="slidenum">
               <a:rPr lang="en-US" dirty="0"/>
               <a:pPr/>
-              <a:t>‹N°›</a:t>
+              <a:t>‹#›</a:t>
             </a:fld>
             <a:endParaRPr lang="en-US"/>
           </a:p>
@@ -3722,7 +3729,7 @@
           <a:ln/>
           <a:extLst>
             <a:ext uri="{91240B29-F687-4f45-9708-019B960494DF}">
-              <a14:hiddenLine xmlns:a14="http://schemas.microsoft.com/office/drawing/2010/main" xmlns="" w="9525">
+              <a14:hiddenLine xmlns="" xmlns:a14="http://schemas.microsoft.com/office/drawing/2010/main" w="9525">
                 <a:solidFill>
                   <a:srgbClr val="000000"/>
                 </a:solidFill>
@@ -3789,7 +3796,7 @@
             <a:fld id="{F13A34C8-038E-2045-AF43-DF7DBB8E0E9E}" type="datetimeFigureOut">
               <a:rPr lang="en-US" dirty="0"/>
               <a:pPr/>
-              <a:t>4/8/2018</a:t>
+              <a:t>4/9/2018</a:t>
             </a:fld>
             <a:endParaRPr lang="en-US"/>
           </a:p>
@@ -3832,7 +3839,7 @@
             <a:fld id="{D57F1E4F-1CFF-5643-939E-217C01CDF565}" type="slidenum">
               <a:rPr lang="en-US" dirty="0"/>
               <a:pPr/>
-              <a:t>‹N°›</a:t>
+              <a:t>‹#›</a:t>
             </a:fld>
             <a:endParaRPr lang="en-US"/>
           </a:p>
@@ -3881,7 +3888,7 @@
             <a:fld id="{8818C68F-D26B-8F47-958C-23B49CF8A634}" type="datetimeFigureOut">
               <a:rPr lang="en-US" dirty="0"/>
               <a:pPr/>
-              <a:t>4/8/2018</a:t>
+              <a:t>4/9/2018</a:t>
             </a:fld>
             <a:endParaRPr lang="en-US"/>
           </a:p>
@@ -3924,7 +3931,7 @@
             <a:fld id="{D57F1E4F-1CFF-5643-939E-217C01CDF565}" type="slidenum">
               <a:rPr lang="en-US" dirty="0"/>
               <a:pPr/>
-              <a:t>‹N°›</a:t>
+              <a:t>‹#›</a:t>
             </a:fld>
             <a:endParaRPr lang="en-US"/>
           </a:p>
@@ -4145,7 +4152,7 @@
           <a:ln/>
           <a:extLst>
             <a:ext uri="{91240B29-F687-4f45-9708-019B960494DF}">
-              <a14:hiddenLine xmlns:a14="http://schemas.microsoft.com/office/drawing/2010/main" xmlns="" w="9525">
+              <a14:hiddenLine xmlns="" xmlns:a14="http://schemas.microsoft.com/office/drawing/2010/main" w="9525">
                 <a:solidFill>
                   <a:srgbClr val="000000"/>
                 </a:solidFill>
@@ -4345,7 +4352,7 @@
             <a:fld id="{D0DF5E60-9974-AC48-9591-99C2BB44B7CF}" type="datetimeFigureOut">
               <a:rPr lang="en-US" dirty="0"/>
               <a:pPr/>
-              <a:t>4/8/2018</a:t>
+              <a:t>4/9/2018</a:t>
             </a:fld>
             <a:endParaRPr lang="en-US"/>
           </a:p>
@@ -4388,7 +4395,7 @@
             <a:fld id="{D57F1E4F-1CFF-5643-939E-217C01CDF565}" type="slidenum">
               <a:rPr lang="en-US" dirty="0"/>
               <a:pPr/>
-              <a:t>‹N°›</a:t>
+              <a:t>‹#›</a:t>
             </a:fld>
             <a:endParaRPr lang="en-US"/>
           </a:p>
@@ -4655,7 +4662,7 @@
             <a:fld id="{18C79C5D-2A6F-F04D-97DA-BEF2467B64E4}" type="datetimeFigureOut">
               <a:rPr lang="en-US" dirty="0"/>
               <a:pPr/>
-              <a:t>4/8/2018</a:t>
+              <a:t>4/9/2018</a:t>
             </a:fld>
             <a:endParaRPr lang="en-US"/>
           </a:p>
@@ -4708,7 +4715,7 @@
             <a:fld id="{D57F1E4F-1CFF-5643-939E-217C01CDF565}" type="slidenum">
               <a:rPr lang="en-US" dirty="0"/>
               <a:pPr/>
-              <a:t>‹N°›</a:t>
+              <a:t>‹#›</a:t>
             </a:fld>
             <a:endParaRPr lang="en-US"/>
           </a:p>
@@ -4922,7 +4929,7 @@
             <a:fld id="{09B482E8-6E0E-1B4F-B1FD-C69DB9E858D9}" type="datetimeFigureOut">
               <a:rPr lang="en-US" dirty="0"/>
               <a:pPr/>
-              <a:t>4/8/2018</a:t>
+              <a:t>4/9/2018</a:t>
             </a:fld>
             <a:endParaRPr lang="en-US"/>
           </a:p>
@@ -4962,7 +4969,7 @@
             <a:fld id="{D57F1E4F-1CFF-5643-939E-217C01CDF565}" type="slidenum">
               <a:rPr lang="en-US" dirty="0"/>
               <a:pPr/>
-              <a:t>‹N°›</a:t>
+              <a:t>‹#›</a:t>
             </a:fld>
             <a:endParaRPr lang="en-US"/>
           </a:p>
@@ -5555,39 +5562,103 @@
       </p:grpSpPr>
       <p:sp>
         <p:nvSpPr>
-          <p:cNvPr id="2" name="Titre 1">
+          <p:cNvPr id="4" name="ZoneTexte 3">
             <a:extLst>
               <a:ext uri="{FF2B5EF4-FFF2-40B4-BE49-F238E27FC236}">
-                <a16:creationId xmlns:a16="http://schemas.microsoft.com/office/drawing/2014/main" id="{C46D5ECF-E173-4BB8-8EF5-D44E8B61D19C}"/>
+                <a16:creationId xmlns:a16="http://schemas.microsoft.com/office/drawing/2014/main" id="{B939E019-FB3B-4898-A1BF-34857A9E1B8F}"/>
               </a:ext>
             </a:extLst>
           </p:cNvPr>
-          <p:cNvSpPr>
-            <a:spLocks noGrp="1"/>
-          </p:cNvSpPr>
-          <p:nvPr>
-            <p:ph type="title"/>
-          </p:nvPr>
-        </p:nvSpPr>
-        <p:spPr/>
-        <p:txBody>
-          <a:bodyPr/>
-          <a:lstStyle/>
-          <a:p>
-            <a:r>
-              <a:rPr lang="fr-FR" err="1"/>
-              <a:t>BurnDownChart</a:t>
-            </a:r>
-            <a:endParaRPr lang="fr-FR"/>
+          <p:cNvSpPr txBox="1"/>
+          <p:nvPr/>
+        </p:nvSpPr>
+        <p:spPr>
+          <a:xfrm>
+            <a:off x="121017" y="2023843"/>
+            <a:ext cx="2074452" cy="2954655"/>
+          </a:xfrm>
+          <a:prstGeom prst="rect">
+            <a:avLst/>
+          </a:prstGeom>
+          <a:noFill/>
+        </p:spPr>
+        <p:txBody>
+          <a:bodyPr wrap="square" rtlCol="0" anchor="t">
+            <a:spAutoFit/>
+          </a:bodyPr>
+          <a:lstStyle/>
+          <a:p>
+            <a:r>
+              <a:rPr lang="fr-FR" dirty="0"/>
+              <a:t>Sprint 3</a:t>
+            </a:r>
+          </a:p>
+          <a:p>
+            <a:r>
+              <a:rPr lang="fr-FR" sz="1200" dirty="0"/>
+              <a:t>Du 06/03 au</a:t>
+            </a:r>
+          </a:p>
+          <a:p>
+            <a:r>
+              <a:rPr lang="fr-FR" sz="1200" dirty="0"/>
+              <a:t>27/03</a:t>
+            </a:r>
+          </a:p>
+          <a:p>
+            <a:endParaRPr lang="fr-FR" sz="1200"/>
+          </a:p>
+          <a:p>
+            <a:r>
+              <a:rPr lang="fr-FR" sz="1200" dirty="0"/>
+              <a:t>- Evaluation notes &amp; commentaires</a:t>
+            </a:r>
+          </a:p>
+          <a:p>
+            <a:endParaRPr lang="fr-FR" sz="1200"/>
+          </a:p>
+          <a:p>
+            <a:r>
+              <a:rPr lang="fr-FR" sz="1200" dirty="0"/>
+              <a:t>- Implémentation testeur et analyseur de code</a:t>
+            </a:r>
+          </a:p>
+          <a:p>
+            <a:endParaRPr lang="fr-FR" sz="1200" dirty="0"/>
+          </a:p>
+          <a:p>
+            <a:r>
+              <a:rPr lang="fr-FR" sz="1200" dirty="0"/>
+              <a:t>- Page utilisateur</a:t>
+            </a:r>
+          </a:p>
+          <a:p>
+            <a:endParaRPr lang="fr-FR" sz="1200" dirty="0"/>
+          </a:p>
+          <a:p>
+            <a:r>
+              <a:rPr lang="fr-FR" sz="1200" dirty="0"/>
+              <a:t>- API Google </a:t>
+            </a:r>
+            <a:r>
+              <a:rPr lang="fr-FR" sz="1200" dirty="0" err="1"/>
+              <a:t>Map</a:t>
+            </a:r>
+          </a:p>
+          <a:p>
+            <a:endParaRPr lang="fr-FR" sz="1200"/>
+          </a:p>
+          <a:p>
+            <a:endParaRPr lang="fr-FR" sz="1200"/>
           </a:p>
         </p:txBody>
       </p:sp>
       <p:pic>
         <p:nvPicPr>
-          <p:cNvPr id="5" name="Image 4">
+          <p:cNvPr id="2" name="Picture 2">
             <a:extLst>
               <a:ext uri="{FF2B5EF4-FFF2-40B4-BE49-F238E27FC236}">
-                <a16:creationId xmlns:a16="http://schemas.microsoft.com/office/drawing/2014/main" id="{E9DC5941-08EB-43A3-9463-FC34CA035E1B}"/>
+                <a16:creationId xmlns:a16="http://schemas.microsoft.com/office/drawing/2014/main" id="{7DE8D19C-45C4-4ED3-9EB6-A88537CA7EF9}"/>
               </a:ext>
             </a:extLst>
           </p:cNvPr>
@@ -5604,8 +5675,8 @@
         </p:blipFill>
         <p:spPr>
           <a:xfrm>
-            <a:off x="945158" y="1417638"/>
-            <a:ext cx="10301681" cy="5086633"/>
+            <a:off x="2077992" y="778597"/>
+            <a:ext cx="9951307" cy="5321399"/>
           </a:xfrm>
           <a:prstGeom prst="rect">
             <a:avLst/>
@@ -5615,7 +5686,7 @@
     </p:spTree>
     <p:extLst>
       <p:ext uri="{BB962C8B-B14F-4D97-AF65-F5344CB8AC3E}">
-        <p14:creationId xmlns:p14="http://schemas.microsoft.com/office/powerpoint/2010/main" val="1137951630"/>
+        <p14:creationId xmlns:p14="http://schemas.microsoft.com/office/powerpoint/2010/main" val="3070915025"/>
       </p:ext>
     </p:extLst>
   </p:cSld>
@@ -5647,7 +5718,7 @@
           <p:cNvPr id="2" name="Titre 1">
             <a:extLst>
               <a:ext uri="{FF2B5EF4-FFF2-40B4-BE49-F238E27FC236}">
-                <a16:creationId xmlns:a16="http://schemas.microsoft.com/office/drawing/2014/main" id="{ACD082FB-1DA1-4F29-B30F-2498C8A21A38}"/>
+                <a16:creationId xmlns:a16="http://schemas.microsoft.com/office/drawing/2014/main" id="{C46D5ECF-E173-4BB8-8EF5-D44E8B61D19C}"/>
               </a:ext>
             </a:extLst>
           </p:cNvPr>
@@ -5664,82 +5735,47 @@
           <a:lstStyle/>
           <a:p>
             <a:r>
-              <a:rPr lang="fr-FR"/>
-              <a:t>Vélocité finale</a:t>
-            </a:r>
-          </a:p>
-        </p:txBody>
-      </p:sp>
-      <p:sp>
-        <p:nvSpPr>
-          <p:cNvPr id="3" name="Espace réservé du contenu 2">
+              <a:rPr lang="fr-FR" err="1"/>
+              <a:t>BurnDownChart</a:t>
+            </a:r>
+            <a:endParaRPr lang="fr-FR"/>
+          </a:p>
+        </p:txBody>
+      </p:sp>
+      <p:pic>
+        <p:nvPicPr>
+          <p:cNvPr id="3" name="Picture 3">
             <a:extLst>
               <a:ext uri="{FF2B5EF4-FFF2-40B4-BE49-F238E27FC236}">
-                <a16:creationId xmlns:a16="http://schemas.microsoft.com/office/drawing/2014/main" id="{61765CD2-60DC-4FDF-8747-4DCE2E435411}"/>
+                <a16:creationId xmlns:a16="http://schemas.microsoft.com/office/drawing/2014/main" id="{C2A140A0-A789-4147-B332-FA0E8B404147}"/>
               </a:ext>
             </a:extLst>
           </p:cNvPr>
-          <p:cNvSpPr>
-            <a:spLocks noGrp="1"/>
-          </p:cNvSpPr>
-          <p:nvPr>
-            <p:ph idx="1"/>
-          </p:nvPr>
-        </p:nvSpPr>
-        <p:spPr/>
-        <p:txBody>
-          <a:bodyPr/>
-          <a:lstStyle/>
-          <a:p>
-            <a:pPr>
-              <a:buNone/>
-            </a:pPr>
-            <a:r>
-              <a:rPr lang="fr-FR"/>
-              <a:t>Le but principal du projet était la création d'un site web de covoiturage.</a:t>
-            </a:r>
-          </a:p>
-          <a:p>
-            <a:pPr>
-              <a:buNone/>
-            </a:pPr>
-            <a:r>
-              <a:rPr lang="fr-FR"/>
-              <a:t>L'objectif a été atteint, le site web est fonctionnel et il respecte les user story imposés en début de projet.</a:t>
-            </a:r>
-          </a:p>
-          <a:p>
-            <a:pPr>
-              <a:buNone/>
-            </a:pPr>
-            <a:r>
-              <a:rPr lang="fr-FR"/>
-              <a:t>Le rendu final est le site web en lui-même proposant aux différents utilisateurs une recherche et une inscription aux offres susceptibles de les intéresser, un panel pour les conducteurs ainsi que les administrateurs, </a:t>
-            </a:r>
-            <a:r>
-              <a:rPr lang="fr-FR" err="1"/>
-              <a:t>ect</a:t>
-            </a:r>
-            <a:r>
-              <a:rPr lang="fr-FR"/>
-              <a:t>..</a:t>
-            </a:r>
-          </a:p>
-          <a:p>
-            <a:pPr>
-              <a:buNone/>
-            </a:pPr>
-            <a:r>
-              <a:rPr lang="fr-FR"/>
-              <a:t>Le projet respectant toutes les normes Informatique, il est tout à fait possible de le voir se  commercialiser afin de rendre la vie de notre planète et des étudiants plus aisées.</a:t>
-            </a:r>
-          </a:p>
-        </p:txBody>
-      </p:sp>
+          <p:cNvPicPr>
+            <a:picLocks noChangeAspect="1"/>
+          </p:cNvPicPr>
+          <p:nvPr/>
+        </p:nvPicPr>
+        <p:blipFill>
+          <a:blip r:embed="rId2"/>
+          <a:stretch>
+            <a:fillRect/>
+          </a:stretch>
+        </p:blipFill>
+        <p:spPr>
+          <a:xfrm>
+            <a:off x="1357184" y="1383310"/>
+            <a:ext cx="9704172" cy="5162298"/>
+          </a:xfrm>
+          <a:prstGeom prst="rect">
+            <a:avLst/>
+          </a:prstGeom>
+        </p:spPr>
+      </p:pic>
     </p:spTree>
     <p:extLst>
       <p:ext uri="{BB962C8B-B14F-4D97-AF65-F5344CB8AC3E}">
-        <p14:creationId xmlns:p14="http://schemas.microsoft.com/office/powerpoint/2010/main" val="3467758427"/>
+        <p14:creationId xmlns:p14="http://schemas.microsoft.com/office/powerpoint/2010/main" val="1137951630"/>
       </p:ext>
     </p:extLst>
   </p:cSld>
@@ -5782,24 +5818,29 @@
             <p:ph type="title"/>
           </p:nvPr>
         </p:nvSpPr>
-        <p:spPr/>
+        <p:spPr>
+          <a:xfrm>
+            <a:off x="810000" y="447188"/>
+            <a:ext cx="10571998" cy="970450"/>
+          </a:xfrm>
+        </p:spPr>
         <p:txBody>
           <a:bodyPr/>
           <a:lstStyle/>
           <a:p>
             <a:r>
-              <a:rPr lang="fr-FR" dirty="0"/>
+              <a:rPr lang="fr-FR"/>
               <a:t>Intégration continue (</a:t>
             </a:r>
             <a:r>
-              <a:rPr lang="fr-FR" dirty="0" err="1"/>
+              <a:rPr lang="fr-FR" err="1"/>
               <a:t>CircleCi</a:t>
             </a:r>
             <a:r>
-              <a:rPr lang="fr-FR" dirty="0"/>
+              <a:rPr lang="fr-FR"/>
               <a:t>)</a:t>
             </a:r>
-            <a:endParaRPr lang="fr-FR" dirty="0">
+            <a:endParaRPr lang="fr-FR">
               <a:solidFill>
                 <a:schemeClr val="tx1"/>
               </a:solidFill>
@@ -5829,7 +5870,7 @@
         </p:blipFill>
         <p:spPr>
           <a:xfrm>
-            <a:off x="1582864" y="2110383"/>
+            <a:off x="1475540" y="2099651"/>
             <a:ext cx="8808961" cy="4541832"/>
           </a:xfrm>
           <a:prstGeom prst="rect">
@@ -5853,6 +5894,14 @@
 <file path=ppt/slides/slide13.xml><?xml version="1.0" encoding="utf-8"?>
 <p:sld xmlns:a="http://schemas.openxmlformats.org/drawingml/2006/main" xmlns:r="http://schemas.openxmlformats.org/officeDocument/2006/relationships" xmlns:p="http://schemas.openxmlformats.org/presentationml/2006/main">
   <p:cSld>
+    <p:bg>
+      <p:bgPr>
+        <a:solidFill>
+          <a:schemeClr val="bg2"/>
+        </a:solidFill>
+        <a:effectLst/>
+      </p:bgPr>
+    </p:bg>
     <p:spTree>
       <p:nvGrpSpPr>
         <p:cNvPr id="1" name=""/>
@@ -5869,6 +5918,485 @@
       </p:grpSpPr>
       <p:sp>
         <p:nvSpPr>
+          <p:cNvPr id="11" name="Freeform 6">
+            <a:extLst>
+              <a:ext uri="{FF2B5EF4-FFF2-40B4-BE49-F238E27FC236}">
+                <a16:creationId xmlns:a16="http://schemas.microsoft.com/office/drawing/2014/main" id="{DAD47858-7A44-47E5-AC94-E528B41D13BB}"/>
+              </a:ext>
+            </a:extLst>
+          </p:cNvPr>
+          <p:cNvSpPr>
+            <a:spLocks noGrp="1" noRot="1" noChangeAspect="1" noMove="1" noResize="1" noEditPoints="1" noAdjustHandles="1" noChangeArrowheads="1" noChangeShapeType="1" noTextEdit="1"/>
+          </p:cNvSpPr>
+          <p:nvPr>
+            <p:extLst>
+              <p:ext uri="{386F3935-93C4-4BCD-93E2-E3B085C9AB24}">
+                <p16:designElem xmlns:p16="http://schemas.microsoft.com/office/powerpoint/2015/main" val="1"/>
+              </p:ext>
+            </p:extLst>
+          </p:nvPr>
+        </p:nvSpPr>
+        <p:spPr bwMode="auto">
+          <a:xfrm>
+            <a:off x="0" y="-3175"/>
+            <a:ext cx="12192000" cy="5203825"/>
+          </a:xfrm>
+          <a:custGeom>
+            <a:avLst/>
+            <a:gdLst/>
+            <a:ahLst/>
+            <a:cxnLst/>
+            <a:rect l="0" t="0" r="r" b="b"/>
+            <a:pathLst>
+              <a:path w="5760" h="3278">
+                <a:moveTo>
+                  <a:pt x="5760" y="0"/>
+                </a:moveTo>
+                <a:lnTo>
+                  <a:pt x="0" y="0"/>
+                </a:lnTo>
+                <a:lnTo>
+                  <a:pt x="0" y="3090"/>
+                </a:lnTo>
+                <a:lnTo>
+                  <a:pt x="943" y="3090"/>
+                </a:lnTo>
+                <a:lnTo>
+                  <a:pt x="1123" y="3270"/>
+                </a:lnTo>
+                <a:lnTo>
+                  <a:pt x="1123" y="3270"/>
+                </a:lnTo>
+                <a:lnTo>
+                  <a:pt x="1127" y="3272"/>
+                </a:lnTo>
+                <a:lnTo>
+                  <a:pt x="1133" y="3275"/>
+                </a:lnTo>
+                <a:lnTo>
+                  <a:pt x="1139" y="3278"/>
+                </a:lnTo>
+                <a:lnTo>
+                  <a:pt x="1144" y="3278"/>
+                </a:lnTo>
+                <a:lnTo>
+                  <a:pt x="1150" y="3278"/>
+                </a:lnTo>
+                <a:lnTo>
+                  <a:pt x="1155" y="3275"/>
+                </a:lnTo>
+                <a:lnTo>
+                  <a:pt x="1161" y="3272"/>
+                </a:lnTo>
+                <a:lnTo>
+                  <a:pt x="1165" y="3270"/>
+                </a:lnTo>
+                <a:lnTo>
+                  <a:pt x="1345" y="3090"/>
+                </a:lnTo>
+                <a:lnTo>
+                  <a:pt x="5760" y="3090"/>
+                </a:lnTo>
+                <a:lnTo>
+                  <a:pt x="5760" y="0"/>
+                </a:lnTo>
+                <a:close/>
+              </a:path>
+            </a:pathLst>
+          </a:custGeom>
+          <a:ln/>
+          <a:effectLst/>
+          <a:extLst>
+            <a:ext uri="{91240B29-F687-4f45-9708-019B960494DF}">
+              <a14:hiddenLine xmlns="" xmlns:p14="http://schemas.microsoft.com/office/powerpoint/2010/main" xmlns:a14="http://schemas.microsoft.com/office/drawing/2010/main" w="9525">
+                <a:solidFill>
+                  <a:srgbClr val="000000"/>
+                </a:solidFill>
+                <a:round/>
+                <a:headEnd/>
+                <a:tailEnd/>
+              </a14:hiddenLine>
+            </a:ext>
+          </a:extLst>
+        </p:spPr>
+        <p:style>
+          <a:lnRef idx="1">
+            <a:schemeClr val="accent1"/>
+          </a:lnRef>
+          <a:fillRef idx="3">
+            <a:schemeClr val="accent1"/>
+          </a:fillRef>
+          <a:effectRef idx="2">
+            <a:schemeClr val="accent1"/>
+          </a:effectRef>
+          <a:fontRef idx="minor">
+            <a:schemeClr val="lt1"/>
+          </a:fontRef>
+        </p:style>
+      </p:sp>
+      <p:sp>
+        <p:nvSpPr>
+          <p:cNvPr id="13" name="Rectangle 12">
+            <a:extLst>
+              <a:ext uri="{FF2B5EF4-FFF2-40B4-BE49-F238E27FC236}">
+                <a16:creationId xmlns:a16="http://schemas.microsoft.com/office/drawing/2014/main" id="{70356939-E85F-4AD3-B574-8F8C91A4D1DB}"/>
+              </a:ext>
+            </a:extLst>
+          </p:cNvPr>
+          <p:cNvSpPr>
+            <a:spLocks noGrp="1" noRot="1" noChangeAspect="1" noMove="1" noResize="1" noEditPoints="1" noAdjustHandles="1" noChangeArrowheads="1" noChangeShapeType="1" noTextEdit="1"/>
+          </p:cNvSpPr>
+          <p:nvPr>
+            <p:extLst>
+              <p:ext uri="{386F3935-93C4-4BCD-93E2-E3B085C9AB24}">
+                <p16:designElem xmlns:p16="http://schemas.microsoft.com/office/powerpoint/2015/main" val="1"/>
+              </p:ext>
+            </p:extLst>
+          </p:nvPr>
+        </p:nvSpPr>
+        <p:spPr>
+          <a:xfrm>
+            <a:off x="6100916" y="0"/>
+            <a:ext cx="6091084" cy="6858000"/>
+          </a:xfrm>
+          <a:prstGeom prst="rect">
+            <a:avLst/>
+          </a:prstGeom>
+          <a:solidFill>
+            <a:schemeClr val="tx1"/>
+          </a:solidFill>
+          <a:ln>
+            <a:noFill/>
+          </a:ln>
+        </p:spPr>
+        <p:style>
+          <a:lnRef idx="2">
+            <a:schemeClr val="accent1">
+              <a:shade val="50000"/>
+            </a:schemeClr>
+          </a:lnRef>
+          <a:fillRef idx="1">
+            <a:schemeClr val="accent1"/>
+          </a:fillRef>
+          <a:effectRef idx="0">
+            <a:schemeClr val="accent1"/>
+          </a:effectRef>
+          <a:fontRef idx="minor">
+            <a:schemeClr val="lt1"/>
+          </a:fontRef>
+        </p:style>
+        <p:txBody>
+          <a:bodyPr rtlCol="0" anchor="ctr"/>
+          <a:lstStyle/>
+          <a:p>
+            <a:pPr algn="ctr"/>
+            <a:endParaRPr lang="en-US"/>
+          </a:p>
+        </p:txBody>
+      </p:sp>
+      <p:sp>
+        <p:nvSpPr>
+          <p:cNvPr id="15" name="Rounded Rectangle 14">
+            <a:extLst>
+              <a:ext uri="{FF2B5EF4-FFF2-40B4-BE49-F238E27FC236}">
+                <a16:creationId xmlns:a16="http://schemas.microsoft.com/office/drawing/2014/main" id="{A374A477-3F18-4367-9F4F-41EF328040F6}"/>
+              </a:ext>
+            </a:extLst>
+          </p:cNvPr>
+          <p:cNvSpPr>
+            <a:spLocks noGrp="1" noRot="1" noChangeAspect="1" noMove="1" noResize="1" noEditPoints="1" noAdjustHandles="1" noChangeArrowheads="1" noChangeShapeType="1" noTextEdit="1"/>
+          </p:cNvSpPr>
+          <p:nvPr>
+            <p:extLst>
+              <p:ext uri="{386F3935-93C4-4BCD-93E2-E3B085C9AB24}">
+                <p16:designElem xmlns:p16="http://schemas.microsoft.com/office/powerpoint/2015/main" val="1"/>
+              </p:ext>
+            </p:extLst>
+          </p:nvPr>
+        </p:nvSpPr>
+        <p:spPr>
+          <a:xfrm>
+            <a:off x="6756326" y="958640"/>
+            <a:ext cx="4792210" cy="4945244"/>
+          </a:xfrm>
+          <a:prstGeom prst="roundRect">
+            <a:avLst>
+              <a:gd name="adj" fmla="val 3513"/>
+            </a:avLst>
+          </a:prstGeom>
+          <a:solidFill>
+            <a:schemeClr val="tx1"/>
+          </a:solidFill>
+          <a:ln>
+            <a:solidFill>
+              <a:schemeClr val="accent1"/>
+            </a:solidFill>
+          </a:ln>
+          <a:effectLst/>
+        </p:spPr>
+        <p:style>
+          <a:lnRef idx="2">
+            <a:schemeClr val="accent1">
+              <a:shade val="50000"/>
+            </a:schemeClr>
+          </a:lnRef>
+          <a:fillRef idx="1">
+            <a:schemeClr val="accent1"/>
+          </a:fillRef>
+          <a:effectRef idx="0">
+            <a:schemeClr val="accent1"/>
+          </a:effectRef>
+          <a:fontRef idx="minor">
+            <a:schemeClr val="lt1"/>
+          </a:fontRef>
+        </p:style>
+        <p:txBody>
+          <a:bodyPr rtlCol="0" anchor="ctr"/>
+          <a:lstStyle/>
+          <a:p>
+            <a:pPr algn="ctr"/>
+            <a:endParaRPr lang="en-US"/>
+          </a:p>
+        </p:txBody>
+      </p:sp>
+      <p:pic>
+        <p:nvPicPr>
+          <p:cNvPr id="6" name="Image 6" descr="Une image contenant capture d’écran&#10;&#10;Description générée avec un niveau de confiance très élevé">
+            <a:extLst>
+              <a:ext uri="{FF2B5EF4-FFF2-40B4-BE49-F238E27FC236}">
+                <a16:creationId xmlns:a16="http://schemas.microsoft.com/office/drawing/2014/main" id="{65005429-6BE1-4E9A-B1EF-EB47DD18EEFF}"/>
+              </a:ext>
+            </a:extLst>
+          </p:cNvPr>
+          <p:cNvPicPr>
+            <a:picLocks noChangeAspect="1"/>
+          </p:cNvPicPr>
+          <p:nvPr/>
+        </p:nvPicPr>
+        <p:blipFill>
+          <a:blip r:embed="rId2"/>
+          <a:stretch>
+            <a:fillRect/>
+          </a:stretch>
+        </p:blipFill>
+        <p:spPr>
+          <a:xfrm>
+            <a:off x="6096773" y="113224"/>
+            <a:ext cx="6097444" cy="6631530"/>
+          </a:xfrm>
+          <a:prstGeom prst="rect">
+            <a:avLst/>
+          </a:prstGeom>
+        </p:spPr>
+      </p:pic>
+      <p:sp>
+        <p:nvSpPr>
+          <p:cNvPr id="2" name="Titre 1">
+            <a:extLst>
+              <a:ext uri="{FF2B5EF4-FFF2-40B4-BE49-F238E27FC236}">
+                <a16:creationId xmlns:a16="http://schemas.microsoft.com/office/drawing/2014/main" id="{C7E3A725-B0A2-4B00-ACAF-60909C624C56}"/>
+              </a:ext>
+            </a:extLst>
+          </p:cNvPr>
+          <p:cNvSpPr>
+            <a:spLocks noGrp="1"/>
+          </p:cNvSpPr>
+          <p:nvPr>
+            <p:ph type="title"/>
+          </p:nvPr>
+        </p:nvSpPr>
+        <p:spPr>
+          <a:xfrm>
+            <a:off x="810002" y="639097"/>
+            <a:ext cx="4961534" cy="3781101"/>
+          </a:xfrm>
+        </p:spPr>
+        <p:txBody>
+          <a:bodyPr vert="horz" lIns="91440" tIns="45720" rIns="91440" bIns="45720" rtlCol="0" anchor="b">
+            <a:normAutofit/>
+          </a:bodyPr>
+          <a:lstStyle/>
+          <a:p>
+            <a:pPr algn="ctr"/>
+            <a:r>
+              <a:rPr lang="fr-FR" sz="5400" dirty="0"/>
+              <a:t>Intégration</a:t>
+            </a:r>
+            <a:br>
+              <a:rPr lang="fr-FR" sz="5400" dirty="0">
+                <a:solidFill>
+                  <a:schemeClr val="tx1"/>
+                </a:solidFill>
+                <a:ea typeface="+mj-lt"/>
+                <a:cs typeface="+mj-lt"/>
+              </a:rPr>
+            </a:br>
+            <a:r>
+              <a:rPr lang="fr-FR" sz="5400" dirty="0"/>
+              <a:t>continue</a:t>
+            </a:r>
+            <a:br>
+              <a:rPr lang="fr-FR" sz="5400" dirty="0">
+                <a:solidFill>
+                  <a:schemeClr val="tx1"/>
+                </a:solidFill>
+                <a:ea typeface="+mj-lt"/>
+                <a:cs typeface="+mj-lt"/>
+              </a:rPr>
+            </a:br>
+            <a:r>
+              <a:rPr lang="fr-FR" sz="5400" dirty="0"/>
+              <a:t>(Début Build)</a:t>
+            </a:r>
+            <a:br>
+              <a:rPr lang="fr-FR" sz="5400" dirty="0">
+                <a:solidFill>
+                  <a:schemeClr val="tx1"/>
+                </a:solidFill>
+                <a:ea typeface="+mj-lt"/>
+                <a:cs typeface="+mj-lt"/>
+              </a:rPr>
+            </a:br>
+            <a:endParaRPr lang="fr-FR" sz="5400" dirty="0"/>
+          </a:p>
+        </p:txBody>
+      </p:sp>
+    </p:spTree>
+    <p:extLst>
+      <p:ext uri="{BB962C8B-B14F-4D97-AF65-F5344CB8AC3E}">
+        <p14:creationId xmlns:p14="http://schemas.microsoft.com/office/powerpoint/2010/main" val="723369501"/>
+      </p:ext>
+    </p:extLst>
+  </p:cSld>
+  <p:clrMapOvr>
+    <a:masterClrMapping/>
+  </p:clrMapOvr>
+</p:sld>
+</file>
+
+<file path=ppt/slides/slide14.xml><?xml version="1.0" encoding="utf-8"?>
+<p:sld xmlns:a="http://schemas.openxmlformats.org/drawingml/2006/main" xmlns:r="http://schemas.openxmlformats.org/officeDocument/2006/relationships" xmlns:p="http://schemas.openxmlformats.org/presentationml/2006/main">
+  <p:cSld>
+    <p:spTree>
+      <p:nvGrpSpPr>
+        <p:cNvPr id="1" name=""/>
+        <p:cNvGrpSpPr/>
+        <p:nvPr/>
+      </p:nvGrpSpPr>
+      <p:grpSpPr>
+        <a:xfrm>
+          <a:off x="0" y="0"/>
+          <a:ext cx="0" cy="0"/>
+          <a:chOff x="0" y="0"/>
+          <a:chExt cx="0" cy="0"/>
+        </a:xfrm>
+      </p:grpSpPr>
+      <p:sp>
+        <p:nvSpPr>
+          <p:cNvPr id="2" name="Titre 1">
+            <a:extLst>
+              <a:ext uri="{FF2B5EF4-FFF2-40B4-BE49-F238E27FC236}">
+                <a16:creationId xmlns:a16="http://schemas.microsoft.com/office/drawing/2014/main" id="{4B0315F4-B491-496E-9344-D648428C05FE}"/>
+              </a:ext>
+            </a:extLst>
+          </p:cNvPr>
+          <p:cNvSpPr>
+            <a:spLocks noGrp="1"/>
+          </p:cNvSpPr>
+          <p:nvPr>
+            <p:ph type="title"/>
+          </p:nvPr>
+        </p:nvSpPr>
+        <p:spPr/>
+        <p:txBody>
+          <a:bodyPr/>
+          <a:lstStyle/>
+          <a:p>
+            <a:pPr algn="ctr"/>
+            <a:r>
+              <a:rPr lang="fr-FR" dirty="0"/>
+              <a:t>Intégration continue (Fin </a:t>
+            </a:r>
+            <a:r>
+              <a:rPr lang="fr-FR" dirty="0" err="1"/>
+              <a:t>Build</a:t>
+            </a:r>
+            <a:r>
+              <a:rPr lang="fr-FR" dirty="0"/>
+              <a:t>)</a:t>
+            </a:r>
+            <a:endParaRPr lang="fr-FR" dirty="0">
+              <a:solidFill>
+                <a:schemeClr val="tx1"/>
+              </a:solidFill>
+              <a:ea typeface="+mj-lt"/>
+              <a:cs typeface="+mj-lt"/>
+            </a:endParaRPr>
+          </a:p>
+        </p:txBody>
+      </p:sp>
+      <p:pic>
+        <p:nvPicPr>
+          <p:cNvPr id="4" name="Image 4" descr="Une image contenant capture d’écran&#10;&#10;Description générée avec un niveau de confiance très élevé">
+            <a:extLst>
+              <a:ext uri="{FF2B5EF4-FFF2-40B4-BE49-F238E27FC236}">
+                <a16:creationId xmlns:a16="http://schemas.microsoft.com/office/drawing/2014/main" id="{6412CB3D-7280-42E0-B108-F2C26CCF1191}"/>
+              </a:ext>
+            </a:extLst>
+          </p:cNvPr>
+          <p:cNvPicPr>
+            <a:picLocks noChangeAspect="1"/>
+          </p:cNvPicPr>
+          <p:nvPr/>
+        </p:nvPicPr>
+        <p:blipFill>
+          <a:blip r:embed="rId2"/>
+          <a:stretch>
+            <a:fillRect/>
+          </a:stretch>
+        </p:blipFill>
+        <p:spPr>
+          <a:xfrm>
+            <a:off x="811845" y="2187524"/>
+            <a:ext cx="10603088" cy="4476592"/>
+          </a:xfrm>
+          <a:prstGeom prst="rect">
+            <a:avLst/>
+          </a:prstGeom>
+        </p:spPr>
+      </p:pic>
+    </p:spTree>
+    <p:extLst>
+      <p:ext uri="{BB962C8B-B14F-4D97-AF65-F5344CB8AC3E}">
+        <p14:creationId xmlns:p14="http://schemas.microsoft.com/office/powerpoint/2010/main" val="1904488694"/>
+      </p:ext>
+    </p:extLst>
+  </p:cSld>
+  <p:clrMapOvr>
+    <a:masterClrMapping/>
+  </p:clrMapOvr>
+</p:sld>
+</file>
+
+<file path=ppt/slides/slide15.xml><?xml version="1.0" encoding="utf-8"?>
+<p:sld xmlns:a="http://schemas.openxmlformats.org/drawingml/2006/main" xmlns:r="http://schemas.openxmlformats.org/officeDocument/2006/relationships" xmlns:p="http://schemas.openxmlformats.org/presentationml/2006/main">
+  <p:cSld>
+    <p:spTree>
+      <p:nvGrpSpPr>
+        <p:cNvPr id="1" name=""/>
+        <p:cNvGrpSpPr/>
+        <p:nvPr/>
+      </p:nvGrpSpPr>
+      <p:grpSpPr>
+        <a:xfrm>
+          <a:off x="0" y="0"/>
+          <a:ext cx="0" cy="0"/>
+          <a:chOff x="0" y="0"/>
+          <a:chExt cx="0" cy="0"/>
+        </a:xfrm>
+      </p:grpSpPr>
+      <p:sp>
+        <p:nvSpPr>
           <p:cNvPr id="2" name="Titre 1">
             <a:extLst>
               <a:ext uri="{FF2B5EF4-FFF2-40B4-BE49-F238E27FC236}">
@@ -5899,28 +6427,413 @@
           </a:p>
         </p:txBody>
       </p:sp>
-      <p:sp>
-        <p:nvSpPr>
-          <p:cNvPr id="3" name="Espace réservé du contenu 2">
+      <p:pic>
+        <p:nvPicPr>
+          <p:cNvPr id="4" name="Image 4" descr="Une image contenant capture d’écran&#10;&#10;Description générée avec un niveau de confiance très élevé">
             <a:extLst>
               <a:ext uri="{FF2B5EF4-FFF2-40B4-BE49-F238E27FC236}">
-                <a16:creationId xmlns:a16="http://schemas.microsoft.com/office/drawing/2014/main" id="{B64A3634-4F38-43DA-A73C-3324906E7CD3}"/>
+                <a16:creationId xmlns:a16="http://schemas.microsoft.com/office/drawing/2014/main" id="{78C8D7DF-F059-495C-9C66-B01657BAB33A}"/>
               </a:ext>
             </a:extLst>
           </p:cNvPr>
-          <p:cNvSpPr>
-            <a:spLocks noGrp="1"/>
-          </p:cNvSpPr>
+          <p:cNvPicPr>
+            <a:picLocks noGrp="1" noChangeAspect="1"/>
+          </p:cNvPicPr>
           <p:nvPr>
             <p:ph idx="1"/>
           </p:nvPr>
-        </p:nvSpPr>
-        <p:spPr/>
-        <p:txBody>
-          <a:bodyPr/>
-          <a:lstStyle/>
-          <a:p>
-            <a:endParaRPr lang="fr-FR"/>
+        </p:nvPicPr>
+        <p:blipFill>
+          <a:blip r:embed="rId2"/>
+          <a:stretch>
+            <a:fillRect/>
+          </a:stretch>
+        </p:blipFill>
+        <p:spPr>
+          <a:xfrm>
+            <a:off x="7640325" y="2488987"/>
+            <a:ext cx="3083537" cy="3636511"/>
+          </a:xfrm>
+          <a:prstGeom prst="rect">
+            <a:avLst/>
+          </a:prstGeom>
+        </p:spPr>
+      </p:pic>
+      <p:pic>
+        <p:nvPicPr>
+          <p:cNvPr id="6" name="Image 6">
+            <a:extLst>
+              <a:ext uri="{FF2B5EF4-FFF2-40B4-BE49-F238E27FC236}">
+                <a16:creationId xmlns:a16="http://schemas.microsoft.com/office/drawing/2014/main" id="{0871386F-951E-489C-80F3-7BCFD674E97C}"/>
+              </a:ext>
+            </a:extLst>
+          </p:cNvPr>
+          <p:cNvPicPr>
+            <a:picLocks noChangeAspect="1"/>
+          </p:cNvPicPr>
+          <p:nvPr/>
+        </p:nvPicPr>
+        <p:blipFill>
+          <a:blip r:embed="rId3"/>
+          <a:stretch>
+            <a:fillRect/>
+          </a:stretch>
+        </p:blipFill>
+        <p:spPr>
+          <a:xfrm>
+            <a:off x="1876423" y="2981325"/>
+            <a:ext cx="1095375" cy="1095375"/>
+          </a:xfrm>
+          <a:prstGeom prst="rect">
+            <a:avLst/>
+          </a:prstGeom>
+        </p:spPr>
+      </p:pic>
+      <p:pic>
+        <p:nvPicPr>
+          <p:cNvPr id="10" name="Image 10">
+            <a:extLst>
+              <a:ext uri="{FF2B5EF4-FFF2-40B4-BE49-F238E27FC236}">
+                <a16:creationId xmlns:a16="http://schemas.microsoft.com/office/drawing/2014/main" id="{0B3DE9A7-4F9E-4DB3-979C-ACD92CD3E23F}"/>
+              </a:ext>
+            </a:extLst>
+          </p:cNvPr>
+          <p:cNvPicPr>
+            <a:picLocks noChangeAspect="1"/>
+          </p:cNvPicPr>
+          <p:nvPr/>
+        </p:nvPicPr>
+        <p:blipFill>
+          <a:blip r:embed="rId4"/>
+          <a:stretch>
+            <a:fillRect/>
+          </a:stretch>
+        </p:blipFill>
+        <p:spPr>
+          <a:xfrm>
+            <a:off x="3962403" y="3009900"/>
+            <a:ext cx="1362075" cy="1038225"/>
+          </a:xfrm>
+          <a:prstGeom prst="rect">
+            <a:avLst/>
+          </a:prstGeom>
+        </p:spPr>
+      </p:pic>
+      <p:cxnSp>
+        <p:nvCxnSpPr>
+          <p:cNvPr id="12" name="Connecteur droit avec flèche 11">
+            <a:extLst>
+              <a:ext uri="{FF2B5EF4-FFF2-40B4-BE49-F238E27FC236}">
+                <a16:creationId xmlns:a16="http://schemas.microsoft.com/office/drawing/2014/main" id="{CF89E0CD-CCDC-45E1-88C8-E527E81D0EEF}"/>
+              </a:ext>
+            </a:extLst>
+          </p:cNvPr>
+          <p:cNvCxnSpPr/>
+          <p:nvPr/>
+        </p:nvCxnSpPr>
+        <p:spPr>
+          <a:xfrm>
+            <a:off x="3009899" y="3533775"/>
+            <a:ext cx="952500" cy="0"/>
+          </a:xfrm>
+          <a:prstGeom prst="straightConnector1">
+            <a:avLst/>
+          </a:prstGeom>
+          <a:ln>
+            <a:solidFill>
+              <a:schemeClr val="tx1"/>
+            </a:solidFill>
+            <a:tailEnd type="triangle"/>
+          </a:ln>
+        </p:spPr>
+        <p:style>
+          <a:lnRef idx="3">
+            <a:schemeClr val="dk1"/>
+          </a:lnRef>
+          <a:fillRef idx="0">
+            <a:schemeClr val="dk1"/>
+          </a:fillRef>
+          <a:effectRef idx="2">
+            <a:schemeClr val="dk1"/>
+          </a:effectRef>
+          <a:fontRef idx="minor">
+            <a:schemeClr val="tx1"/>
+          </a:fontRef>
+        </p:style>
+      </p:cxnSp>
+      <p:cxnSp>
+        <p:nvCxnSpPr>
+          <p:cNvPr id="13" name="Connecteur droit avec flèche 12">
+            <a:extLst>
+              <a:ext uri="{FF2B5EF4-FFF2-40B4-BE49-F238E27FC236}">
+                <a16:creationId xmlns:a16="http://schemas.microsoft.com/office/drawing/2014/main" id="{1AB00765-684E-4DB2-AD43-04D64068C801}"/>
+              </a:ext>
+            </a:extLst>
+          </p:cNvPr>
+          <p:cNvCxnSpPr>
+            <a:cxnSpLocks/>
+          </p:cNvCxnSpPr>
+          <p:nvPr/>
+        </p:nvCxnSpPr>
+        <p:spPr>
+          <a:xfrm flipV="1">
+            <a:off x="5362573" y="3533775"/>
+            <a:ext cx="2238375" cy="0"/>
+          </a:xfrm>
+          <a:prstGeom prst="straightConnector1">
+            <a:avLst/>
+          </a:prstGeom>
+          <a:ln>
+            <a:solidFill>
+              <a:schemeClr val="tx1"/>
+            </a:solidFill>
+            <a:tailEnd type="triangle"/>
+          </a:ln>
+        </p:spPr>
+        <p:style>
+          <a:lnRef idx="3">
+            <a:schemeClr val="dk1"/>
+          </a:lnRef>
+          <a:fillRef idx="0">
+            <a:schemeClr val="dk1"/>
+          </a:fillRef>
+          <a:effectRef idx="2">
+            <a:schemeClr val="dk1"/>
+          </a:effectRef>
+          <a:fontRef idx="minor">
+            <a:schemeClr val="tx1"/>
+          </a:fontRef>
+        </p:style>
+      </p:cxnSp>
+      <p:pic>
+        <p:nvPicPr>
+          <p:cNvPr id="14" name="Image 14">
+            <a:extLst>
+              <a:ext uri="{FF2B5EF4-FFF2-40B4-BE49-F238E27FC236}">
+                <a16:creationId xmlns:a16="http://schemas.microsoft.com/office/drawing/2014/main" id="{0A73E8F4-EE24-4B0E-8070-6671514C8062}"/>
+              </a:ext>
+            </a:extLst>
+          </p:cNvPr>
+          <p:cNvPicPr>
+            <a:picLocks noChangeAspect="1"/>
+          </p:cNvPicPr>
+          <p:nvPr/>
+        </p:nvPicPr>
+        <p:blipFill>
+          <a:blip r:embed="rId5"/>
+          <a:stretch>
+            <a:fillRect/>
+          </a:stretch>
+        </p:blipFill>
+        <p:spPr>
+          <a:xfrm>
+            <a:off x="1771648" y="4733923"/>
+            <a:ext cx="1209675" cy="1276350"/>
+          </a:xfrm>
+          <a:prstGeom prst="rect">
+            <a:avLst/>
+          </a:prstGeom>
+        </p:spPr>
+      </p:pic>
+      <p:cxnSp>
+        <p:nvCxnSpPr>
+          <p:cNvPr id="16" name="Connecteur droit avec flèche 15">
+            <a:extLst>
+              <a:ext uri="{FF2B5EF4-FFF2-40B4-BE49-F238E27FC236}">
+                <a16:creationId xmlns:a16="http://schemas.microsoft.com/office/drawing/2014/main" id="{5A121E71-A661-4C61-B7E2-C66181C569AA}"/>
+              </a:ext>
+            </a:extLst>
+          </p:cNvPr>
+          <p:cNvCxnSpPr>
+            <a:cxnSpLocks/>
+          </p:cNvCxnSpPr>
+          <p:nvPr/>
+        </p:nvCxnSpPr>
+        <p:spPr>
+          <a:xfrm flipH="1" flipV="1">
+            <a:off x="3019422" y="5372100"/>
+            <a:ext cx="4524375" cy="0"/>
+          </a:xfrm>
+          <a:prstGeom prst="straightConnector1">
+            <a:avLst/>
+          </a:prstGeom>
+          <a:ln>
+            <a:solidFill>
+              <a:schemeClr val="tx1"/>
+            </a:solidFill>
+            <a:tailEnd type="triangle"/>
+          </a:ln>
+        </p:spPr>
+        <p:style>
+          <a:lnRef idx="3">
+            <a:schemeClr val="dk1"/>
+          </a:lnRef>
+          <a:fillRef idx="0">
+            <a:schemeClr val="dk1"/>
+          </a:fillRef>
+          <a:effectRef idx="2">
+            <a:schemeClr val="dk1"/>
+          </a:effectRef>
+          <a:fontRef idx="minor">
+            <a:schemeClr val="tx1"/>
+          </a:fontRef>
+        </p:style>
+      </p:cxnSp>
+      <p:cxnSp>
+        <p:nvCxnSpPr>
+          <p:cNvPr id="17" name="Connecteur droit avec flèche 16">
+            <a:extLst>
+              <a:ext uri="{FF2B5EF4-FFF2-40B4-BE49-F238E27FC236}">
+                <a16:creationId xmlns:a16="http://schemas.microsoft.com/office/drawing/2014/main" id="{92B4358B-416D-4493-906A-FFB90D2E3FA1}"/>
+              </a:ext>
+            </a:extLst>
+          </p:cNvPr>
+          <p:cNvCxnSpPr>
+            <a:cxnSpLocks/>
+          </p:cNvCxnSpPr>
+          <p:nvPr/>
+        </p:nvCxnSpPr>
+        <p:spPr>
+          <a:xfrm flipV="1">
+            <a:off x="2371723" y="4105275"/>
+            <a:ext cx="9525" cy="542925"/>
+          </a:xfrm>
+          <a:prstGeom prst="straightConnector1">
+            <a:avLst/>
+          </a:prstGeom>
+          <a:ln>
+            <a:solidFill>
+              <a:schemeClr val="tx1"/>
+            </a:solidFill>
+            <a:tailEnd type="triangle"/>
+          </a:ln>
+        </p:spPr>
+        <p:style>
+          <a:lnRef idx="3">
+            <a:schemeClr val="dk1"/>
+          </a:lnRef>
+          <a:fillRef idx="0">
+            <a:schemeClr val="dk1"/>
+          </a:fillRef>
+          <a:effectRef idx="2">
+            <a:schemeClr val="dk1"/>
+          </a:effectRef>
+          <a:fontRef idx="minor">
+            <a:schemeClr val="tx1"/>
+          </a:fontRef>
+        </p:style>
+      </p:cxnSp>
+      <p:sp>
+        <p:nvSpPr>
+          <p:cNvPr id="18" name="ZoneTexte 17">
+            <a:extLst>
+              <a:ext uri="{FF2B5EF4-FFF2-40B4-BE49-F238E27FC236}">
+                <a16:creationId xmlns:a16="http://schemas.microsoft.com/office/drawing/2014/main" id="{0BEB93C2-C12F-44D6-9104-3E9934E0A7B3}"/>
+              </a:ext>
+            </a:extLst>
+          </p:cNvPr>
+          <p:cNvSpPr txBox="1"/>
+          <p:nvPr/>
+        </p:nvSpPr>
+        <p:spPr>
+          <a:xfrm>
+            <a:off x="1057273" y="2524125"/>
+            <a:ext cx="2743200" cy="369332"/>
+          </a:xfrm>
+          <a:prstGeom prst="rect">
+            <a:avLst/>
+          </a:prstGeom>
+        </p:spPr>
+        <p:txBody>
+          <a:bodyPr rot="0" spcFirstLastPara="0" vertOverflow="overflow" horzOverflow="overflow" vert="horz" wrap="square" lIns="91440" tIns="45720" rIns="91440" bIns="45720" numCol="1" spcCol="0" rtlCol="0" fromWordArt="0" anchor="t" anchorCtr="0" forceAA="0" compatLnSpc="1">
+            <a:prstTxWarp prst="textNoShape">
+              <a:avLst/>
+            </a:prstTxWarp>
+            <a:spAutoFit/>
+          </a:bodyPr>
+          <a:lstStyle/>
+          <a:p>
+            <a:pPr algn="ctr"/>
+            <a:r>
+              <a:rPr lang="fr-FR"/>
+              <a:t>GitHub</a:t>
+            </a:r>
+          </a:p>
+        </p:txBody>
+      </p:sp>
+      <p:sp>
+        <p:nvSpPr>
+          <p:cNvPr id="19" name="ZoneTexte 18">
+            <a:extLst>
+              <a:ext uri="{FF2B5EF4-FFF2-40B4-BE49-F238E27FC236}">
+                <a16:creationId xmlns:a16="http://schemas.microsoft.com/office/drawing/2014/main" id="{34F4A20B-06E6-4A97-980A-CA2A6B9AEF37}"/>
+              </a:ext>
+            </a:extLst>
+          </p:cNvPr>
+          <p:cNvSpPr txBox="1"/>
+          <p:nvPr/>
+        </p:nvSpPr>
+        <p:spPr>
+          <a:xfrm>
+            <a:off x="3276598" y="2524125"/>
+            <a:ext cx="2743200" cy="369332"/>
+          </a:xfrm>
+          <a:prstGeom prst="rect">
+            <a:avLst/>
+          </a:prstGeom>
+        </p:spPr>
+        <p:txBody>
+          <a:bodyPr rot="0" spcFirstLastPara="0" vertOverflow="overflow" horzOverflow="overflow" vert="horz" wrap="square" lIns="91440" tIns="45720" rIns="91440" bIns="45720" numCol="1" spcCol="0" rtlCol="0" fromWordArt="0" anchor="t" anchorCtr="0" forceAA="0" compatLnSpc="1">
+            <a:prstTxWarp prst="textNoShape">
+              <a:avLst/>
+            </a:prstTxWarp>
+            <a:spAutoFit/>
+          </a:bodyPr>
+          <a:lstStyle/>
+          <a:p>
+            <a:pPr algn="ctr"/>
+            <a:r>
+              <a:rPr lang="fr-FR" err="1"/>
+              <a:t>Codacy</a:t>
+            </a:r>
+          </a:p>
+        </p:txBody>
+      </p:sp>
+      <p:sp>
+        <p:nvSpPr>
+          <p:cNvPr id="20" name="ZoneTexte 19">
+            <a:extLst>
+              <a:ext uri="{FF2B5EF4-FFF2-40B4-BE49-F238E27FC236}">
+                <a16:creationId xmlns:a16="http://schemas.microsoft.com/office/drawing/2014/main" id="{54CD0321-42B5-4E07-A59F-46591E7C9B00}"/>
+              </a:ext>
+            </a:extLst>
+          </p:cNvPr>
+          <p:cNvSpPr txBox="1"/>
+          <p:nvPr/>
+        </p:nvSpPr>
+        <p:spPr>
+          <a:xfrm>
+            <a:off x="7029450" y="1981200"/>
+            <a:ext cx="4457700" cy="461665"/>
+          </a:xfrm>
+          <a:prstGeom prst="rect">
+            <a:avLst/>
+          </a:prstGeom>
+        </p:spPr>
+        <p:txBody>
+          <a:bodyPr rot="0" spcFirstLastPara="0" vertOverflow="overflow" horzOverflow="overflow" vert="horz" wrap="square" lIns="91440" tIns="45720" rIns="91440" bIns="45720" numCol="1" spcCol="0" rtlCol="0" fromWordArt="0" anchor="t" anchorCtr="0" forceAA="0" compatLnSpc="1">
+            <a:prstTxWarp prst="textNoShape">
+              <a:avLst/>
+            </a:prstTxWarp>
+            <a:spAutoFit/>
+          </a:bodyPr>
+          <a:lstStyle/>
+          <a:p>
+            <a:pPr algn="ctr"/>
+            <a:r>
+              <a:rPr lang="fr-FR" sz="1200"/>
+              <a:t>https://app.codacy.com/app/yanice.trech/covogreen/dashboard?bid=6995285</a:t>
+            </a:r>
           </a:p>
         </p:txBody>
       </p:sp>
@@ -5928,6 +6841,130 @@
     <p:extLst>
       <p:ext uri="{BB962C8B-B14F-4D97-AF65-F5344CB8AC3E}">
         <p14:creationId xmlns:p14="http://schemas.microsoft.com/office/powerpoint/2010/main" val="87096523"/>
+      </p:ext>
+    </p:extLst>
+  </p:cSld>
+  <p:clrMapOvr>
+    <a:masterClrMapping/>
+  </p:clrMapOvr>
+</p:sld>
+</file>
+
+<file path=ppt/slides/slide16.xml><?xml version="1.0" encoding="utf-8"?>
+<p:sld xmlns:a="http://schemas.openxmlformats.org/drawingml/2006/main" xmlns:r="http://schemas.openxmlformats.org/officeDocument/2006/relationships" xmlns:p="http://schemas.openxmlformats.org/presentationml/2006/main">
+  <p:cSld>
+    <p:spTree>
+      <p:nvGrpSpPr>
+        <p:cNvPr id="1" name=""/>
+        <p:cNvGrpSpPr/>
+        <p:nvPr/>
+      </p:nvGrpSpPr>
+      <p:grpSpPr>
+        <a:xfrm>
+          <a:off x="0" y="0"/>
+          <a:ext cx="0" cy="0"/>
+          <a:chOff x="0" y="0"/>
+          <a:chExt cx="0" cy="0"/>
+        </a:xfrm>
+      </p:grpSpPr>
+      <p:sp>
+        <p:nvSpPr>
+          <p:cNvPr id="2" name="Titre 1">
+            <a:extLst>
+              <a:ext uri="{FF2B5EF4-FFF2-40B4-BE49-F238E27FC236}">
+                <a16:creationId xmlns:a16="http://schemas.microsoft.com/office/drawing/2014/main" id="{ACD082FB-1DA1-4F29-B30F-2498C8A21A38}"/>
+              </a:ext>
+            </a:extLst>
+          </p:cNvPr>
+          <p:cNvSpPr>
+            <a:spLocks noGrp="1"/>
+          </p:cNvSpPr>
+          <p:nvPr>
+            <p:ph type="title"/>
+          </p:nvPr>
+        </p:nvSpPr>
+        <p:spPr/>
+        <p:txBody>
+          <a:bodyPr/>
+          <a:lstStyle/>
+          <a:p>
+            <a:r>
+              <a:rPr lang="fr-FR"/>
+              <a:t>Vélocité finale</a:t>
+            </a:r>
+          </a:p>
+        </p:txBody>
+      </p:sp>
+      <p:sp>
+        <p:nvSpPr>
+          <p:cNvPr id="3" name="Espace réservé du contenu 2">
+            <a:extLst>
+              <a:ext uri="{FF2B5EF4-FFF2-40B4-BE49-F238E27FC236}">
+                <a16:creationId xmlns:a16="http://schemas.microsoft.com/office/drawing/2014/main" id="{61765CD2-60DC-4FDF-8747-4DCE2E435411}"/>
+              </a:ext>
+            </a:extLst>
+          </p:cNvPr>
+          <p:cNvSpPr>
+            <a:spLocks noGrp="1"/>
+          </p:cNvSpPr>
+          <p:nvPr>
+            <p:ph idx="1"/>
+          </p:nvPr>
+        </p:nvSpPr>
+        <p:spPr/>
+        <p:txBody>
+          <a:bodyPr/>
+          <a:lstStyle/>
+          <a:p>
+            <a:pPr>
+              <a:buNone/>
+            </a:pPr>
+            <a:r>
+              <a:rPr lang="fr-FR"/>
+              <a:t>Le but principal du projet était la création d'un site web de covoiturage.</a:t>
+            </a:r>
+          </a:p>
+          <a:p>
+            <a:pPr>
+              <a:buNone/>
+            </a:pPr>
+            <a:r>
+              <a:rPr lang="fr-FR"/>
+              <a:t>L'objectif a été atteint, le site web est fonctionnel et il respecte les user story imposés en début de projet.</a:t>
+            </a:r>
+          </a:p>
+          <a:p>
+            <a:pPr>
+              <a:buNone/>
+            </a:pPr>
+            <a:r>
+              <a:rPr lang="fr-FR"/>
+              <a:t>Le rendu final est le site web en lui-même proposant aux différents utilisateurs une recherche et une inscription aux offres susceptibles de les intéresser, un panel pour les conducteurs ainsi que les administrateurs, </a:t>
+            </a:r>
+            <a:r>
+              <a:rPr lang="fr-FR" err="1"/>
+              <a:t>ect</a:t>
+            </a:r>
+            <a:r>
+              <a:rPr lang="fr-FR"/>
+              <a:t>..</a:t>
+            </a:r>
+          </a:p>
+          <a:p>
+            <a:pPr>
+              <a:buNone/>
+            </a:pPr>
+            <a:r>
+              <a:rPr lang="fr-FR"/>
+              <a:t>Le projet respectant toutes les normes Informatique, il est tout à fait possible de le voir se  commercialiser afin de rendre la vie de notre planète et des étudiants plus aisées.</a:t>
+            </a:r>
+          </a:p>
+        </p:txBody>
+      </p:sp>
+    </p:spTree>
+    <p:extLst>
+      <p:ext uri="{BB962C8B-B14F-4D97-AF65-F5344CB8AC3E}">
+        <p14:creationId xmlns:p14="http://schemas.microsoft.com/office/powerpoint/2010/main" val="3467758427"/>
       </p:ext>
     </p:extLst>
   </p:cSld>
@@ -6004,8 +7041,20 @@
           <a:lstStyle/>
           <a:p>
             <a:r>
-              <a:rPr lang="fr-FR"/>
+              <a:rPr lang="fr-FR" dirty="0"/>
               <a:t>Introduction</a:t>
+            </a:r>
+          </a:p>
+          <a:p>
+            <a:r>
+              <a:rPr lang="fr-FR" dirty="0"/>
+              <a:t>UML</a:t>
+            </a:r>
+          </a:p>
+          <a:p>
+            <a:r>
+              <a:rPr lang="fr-FR" dirty="0"/>
+              <a:t>MCD</a:t>
             </a:r>
           </a:p>
           <a:p>
@@ -6017,21 +7066,32 @@
           </a:p>
           <a:p>
             <a:r>
-              <a:rPr lang="fr-FR"/>
+              <a:rPr lang="fr-FR" dirty="0"/>
               <a:t>Descriptions des 3 sprints</a:t>
             </a:r>
           </a:p>
           <a:p>
             <a:r>
-              <a:rPr lang="fr-FR" err="1"/>
+              <a:rPr lang="fr-FR" dirty="0" err="1"/>
               <a:t>BurnDownChart</a:t>
             </a:r>
-            <a:endParaRPr lang="fr-FR"/>
-          </a:p>
-          <a:p>
-            <a:r>
-              <a:rPr lang="fr-FR"/>
+          </a:p>
+          <a:p>
+            <a:r>
+              <a:rPr lang="fr-FR" dirty="0"/>
+              <a:t>Intégration continue</a:t>
+            </a:r>
+          </a:p>
+          <a:p>
+            <a:r>
+              <a:rPr lang="fr-FR" dirty="0"/>
               <a:t>Vélocité finale</a:t>
+            </a:r>
+          </a:p>
+          <a:p>
+            <a:r>
+              <a:rPr lang="fr-FR" dirty="0"/>
+              <a:t>Analyseur et testeur de code</a:t>
             </a:r>
           </a:p>
         </p:txBody>
@@ -6204,7 +7264,7 @@
           <p:cNvPr id="2" name="Titre 1">
             <a:extLst>
               <a:ext uri="{FF2B5EF4-FFF2-40B4-BE49-F238E27FC236}">
-                <a16:creationId xmlns:a16="http://schemas.microsoft.com/office/drawing/2014/main" id="{AD86AEF5-18C0-40BA-BDAC-D5163CD0E470}"/>
+                <a16:creationId xmlns:a16="http://schemas.microsoft.com/office/drawing/2014/main" id="{5F2786CC-5CE2-45AA-8455-EB8C69F5AF90}"/>
               </a:ext>
             </a:extLst>
           </p:cNvPr>
@@ -6221,57 +7281,32 @@
           <a:lstStyle/>
           <a:p>
             <a:r>
-              <a:rPr lang="fr-FR" err="1"/>
-              <a:t>Backlogs</a:t>
-            </a:r>
-            <a:endParaRPr lang="fr-FR"/>
-          </a:p>
-        </p:txBody>
-      </p:sp>
-      <p:sp>
-        <p:nvSpPr>
-          <p:cNvPr id="3" name="Espace réservé du contenu 2">
+              <a:rPr lang="fr-FR"/>
+              <a:t>UML – Diagramme de classe</a:t>
+            </a:r>
+            <a:endParaRPr lang="fr-FR">
+              <a:solidFill>
+                <a:schemeClr val="tx1"/>
+              </a:solidFill>
+            </a:endParaRPr>
+          </a:p>
+        </p:txBody>
+      </p:sp>
+      <p:pic>
+        <p:nvPicPr>
+          <p:cNvPr id="4" name="Image 4" descr="Une image contenant capture d’écran&#10;&#10;Description générée avec un niveau de confiance très élevé">
             <a:extLst>
               <a:ext uri="{FF2B5EF4-FFF2-40B4-BE49-F238E27FC236}">
-                <a16:creationId xmlns:a16="http://schemas.microsoft.com/office/drawing/2014/main" id="{8B55EFA6-1770-4D01-8D8D-C07ECC865AA5}"/>
-              </a:ext>
-            </a:extLst>
-          </p:cNvPr>
-          <p:cNvSpPr>
-            <a:spLocks noGrp="1"/>
-          </p:cNvSpPr>
-          <p:nvPr>
-            <p:ph idx="1"/>
-          </p:nvPr>
-        </p:nvSpPr>
-        <p:spPr/>
-        <p:txBody>
-          <a:bodyPr/>
-          <a:lstStyle/>
-          <a:p>
-            <a:pPr marL="0" indent="0">
-              <a:buNone/>
-            </a:pPr>
-            <a:r>
-              <a:rPr lang="fr-FR"/>
-              <a:t> </a:t>
-            </a:r>
-          </a:p>
-        </p:txBody>
-      </p:sp>
-      <p:pic>
-        <p:nvPicPr>
-          <p:cNvPr id="9" name="Image 8">
-            <a:extLst>
-              <a:ext uri="{FF2B5EF4-FFF2-40B4-BE49-F238E27FC236}">
-                <a16:creationId xmlns:a16="http://schemas.microsoft.com/office/drawing/2014/main" id="{664AE8AD-FD3F-4EA1-945E-6EB4EE784E43}"/>
+                <a16:creationId xmlns:a16="http://schemas.microsoft.com/office/drawing/2014/main" id="{7B8A426F-C59B-422A-A1D4-B57E7AAD883D}"/>
               </a:ext>
             </a:extLst>
           </p:cNvPr>
           <p:cNvPicPr>
-            <a:picLocks noChangeAspect="1"/>
+            <a:picLocks noGrp="1" noChangeAspect="1"/>
           </p:cNvPicPr>
-          <p:nvPr/>
+          <p:nvPr>
+            <p:ph idx="1"/>
+          </p:nvPr>
         </p:nvPicPr>
         <p:blipFill>
           <a:blip r:embed="rId2"/>
@@ -6281,8 +7316,8 @@
         </p:blipFill>
         <p:spPr>
           <a:xfrm>
-            <a:off x="231709" y="2222287"/>
-            <a:ext cx="11728580" cy="3966440"/>
+            <a:off x="1101320" y="2322928"/>
+            <a:ext cx="9558039" cy="4168473"/>
           </a:xfrm>
           <a:prstGeom prst="rect">
             <a:avLst/>
@@ -6292,7 +7327,7 @@
     </p:spTree>
     <p:extLst>
       <p:ext uri="{BB962C8B-B14F-4D97-AF65-F5344CB8AC3E}">
-        <p14:creationId xmlns:p14="http://schemas.microsoft.com/office/powerpoint/2010/main" val="681452742"/>
+        <p14:creationId xmlns:p14="http://schemas.microsoft.com/office/powerpoint/2010/main" val="4177705481"/>
       </p:ext>
     </p:extLst>
   </p:cSld>
@@ -6321,10 +7356,10 @@
       </p:grpSpPr>
       <p:sp>
         <p:nvSpPr>
-          <p:cNvPr id="3" name="Espace réservé du contenu 2">
+          <p:cNvPr id="2" name="Title 1">
             <a:extLst>
               <a:ext uri="{FF2B5EF4-FFF2-40B4-BE49-F238E27FC236}">
-                <a16:creationId xmlns:a16="http://schemas.microsoft.com/office/drawing/2014/main" id="{C34E3879-D54E-49F6-872A-545E24D2733F}"/>
+                <a16:creationId xmlns:a16="http://schemas.microsoft.com/office/drawing/2014/main" id="{842A9697-1FED-43F7-A046-2C96D25120A9}"/>
               </a:ext>
             </a:extLst>
           </p:cNvPr>
@@ -6332,7 +7367,7 @@
             <a:spLocks noGrp="1"/>
           </p:cNvSpPr>
           <p:nvPr>
-            <p:ph idx="1"/>
+            <p:ph type="title"/>
           </p:nvPr>
         </p:nvSpPr>
         <p:spPr/>
@@ -6340,29 +7375,28 @@
           <a:bodyPr/>
           <a:lstStyle/>
           <a:p>
-            <a:pPr marL="0" indent="0">
-              <a:buNone/>
-            </a:pPr>
-            <a:r>
-              <a:rPr lang="fr-FR"/>
-              <a:t> </a:t>
+            <a:r>
+              <a:rPr lang="en-US" dirty="0"/>
+              <a:t>MCD</a:t>
             </a:r>
           </a:p>
         </p:txBody>
       </p:sp>
       <p:pic>
         <p:nvPicPr>
-          <p:cNvPr id="5" name="Image 4">
+          <p:cNvPr id="4" name="Picture 4">
             <a:extLst>
               <a:ext uri="{FF2B5EF4-FFF2-40B4-BE49-F238E27FC236}">
-                <a16:creationId xmlns:a16="http://schemas.microsoft.com/office/drawing/2014/main" id="{77467657-65E3-41B6-B997-E866652D0488}"/>
+                <a16:creationId xmlns:a16="http://schemas.microsoft.com/office/drawing/2014/main" id="{1DED48E7-0534-444D-AFEA-11133D3BF9AC}"/>
               </a:ext>
             </a:extLst>
           </p:cNvPr>
           <p:cNvPicPr>
-            <a:picLocks noChangeAspect="1"/>
+            <a:picLocks noGrp="1" noChangeAspect="1"/>
           </p:cNvPicPr>
-          <p:nvPr/>
+          <p:nvPr>
+            <p:ph idx="1"/>
+          </p:nvPr>
         </p:nvPicPr>
         <p:blipFill>
           <a:blip r:embed="rId2"/>
@@ -6372,8 +7406,8 @@
         </p:blipFill>
         <p:spPr>
           <a:xfrm>
-            <a:off x="222378" y="2222287"/>
-            <a:ext cx="11747241" cy="3813275"/>
+            <a:off x="3717465" y="451152"/>
+            <a:ext cx="6281069" cy="6231429"/>
           </a:xfrm>
           <a:prstGeom prst="rect">
             <a:avLst/>
@@ -6383,7 +7417,7 @@
     </p:spTree>
     <p:extLst>
       <p:ext uri="{BB962C8B-B14F-4D97-AF65-F5344CB8AC3E}">
-        <p14:creationId xmlns:p14="http://schemas.microsoft.com/office/powerpoint/2010/main" val="1908613568"/>
+        <p14:creationId xmlns:p14="http://schemas.microsoft.com/office/powerpoint/2010/main" val="825751276"/>
       </p:ext>
     </p:extLst>
   </p:cSld>
@@ -6412,6 +7446,35 @@
       </p:grpSpPr>
       <p:sp>
         <p:nvSpPr>
+          <p:cNvPr id="2" name="Titre 1">
+            <a:extLst>
+              <a:ext uri="{FF2B5EF4-FFF2-40B4-BE49-F238E27FC236}">
+                <a16:creationId xmlns:a16="http://schemas.microsoft.com/office/drawing/2014/main" id="{AD86AEF5-18C0-40BA-BDAC-D5163CD0E470}"/>
+              </a:ext>
+            </a:extLst>
+          </p:cNvPr>
+          <p:cNvSpPr>
+            <a:spLocks noGrp="1"/>
+          </p:cNvSpPr>
+          <p:nvPr>
+            <p:ph type="title"/>
+          </p:nvPr>
+        </p:nvSpPr>
+        <p:spPr/>
+        <p:txBody>
+          <a:bodyPr/>
+          <a:lstStyle/>
+          <a:p>
+            <a:r>
+              <a:rPr lang="fr-FR" err="1"/>
+              <a:t>Backlogs</a:t>
+            </a:r>
+            <a:endParaRPr lang="fr-FR"/>
+          </a:p>
+        </p:txBody>
+      </p:sp>
+      <p:sp>
+        <p:nvSpPr>
           <p:cNvPr id="3" name="Espace réservé du contenu 2">
             <a:extLst>
               <a:ext uri="{FF2B5EF4-FFF2-40B4-BE49-F238E27FC236}">
@@ -6443,10 +7506,10 @@
       </p:sp>
       <p:pic>
         <p:nvPicPr>
-          <p:cNvPr id="7" name="Image 6">
+          <p:cNvPr id="4" name="Picture 4">
             <a:extLst>
               <a:ext uri="{FF2B5EF4-FFF2-40B4-BE49-F238E27FC236}">
-                <a16:creationId xmlns:a16="http://schemas.microsoft.com/office/drawing/2014/main" id="{8C2A1446-422E-4355-9FA8-A8F39E28C901}"/>
+                <a16:creationId xmlns:a16="http://schemas.microsoft.com/office/drawing/2014/main" id="{B21B5721-A750-4299-930A-2D4D855F3B56}"/>
               </a:ext>
             </a:extLst>
           </p:cNvPr>
@@ -6463,8 +7526,8 @@
         </p:blipFill>
         <p:spPr>
           <a:xfrm>
-            <a:off x="355373" y="2222287"/>
-            <a:ext cx="11500676" cy="3730644"/>
+            <a:off x="883507" y="1413345"/>
+            <a:ext cx="10620630" cy="5297878"/>
           </a:xfrm>
           <a:prstGeom prst="rect">
             <a:avLst/>
@@ -6474,7 +7537,7 @@
     </p:spTree>
     <p:extLst>
       <p:ext uri="{BB962C8B-B14F-4D97-AF65-F5344CB8AC3E}">
-        <p14:creationId xmlns:p14="http://schemas.microsoft.com/office/powerpoint/2010/main" val="638048490"/>
+        <p14:creationId xmlns:p14="http://schemas.microsoft.com/office/powerpoint/2010/main" val="681452742"/>
       </p:ext>
     </p:extLst>
   </p:cSld>
@@ -6503,10 +7566,10 @@
       </p:grpSpPr>
       <p:sp>
         <p:nvSpPr>
-          <p:cNvPr id="2" name="Titre 1">
+          <p:cNvPr id="3" name="Espace réservé du contenu 2">
             <a:extLst>
               <a:ext uri="{FF2B5EF4-FFF2-40B4-BE49-F238E27FC236}">
-                <a16:creationId xmlns:a16="http://schemas.microsoft.com/office/drawing/2014/main" id="{DC890B2C-5A17-4712-96C6-DE12395B311C}"/>
+                <a16:creationId xmlns:a16="http://schemas.microsoft.com/office/drawing/2014/main" id="{C34E3879-D54E-49F6-872A-545E24D2733F}"/>
               </a:ext>
             </a:extLst>
           </p:cNvPr>
@@ -6514,7 +7577,7 @@
             <a:spLocks noGrp="1"/>
           </p:cNvSpPr>
           <p:nvPr>
-            <p:ph type="title"/>
+            <p:ph idx="1"/>
           </p:nvPr>
         </p:nvSpPr>
         <p:spPr/>
@@ -6522,28 +7585,29 @@
           <a:bodyPr/>
           <a:lstStyle/>
           <a:p>
-            <a:r>
-              <a:rPr lang="fr-FR"/>
-              <a:t>Description des 3 sprints</a:t>
+            <a:pPr marL="0" indent="0">
+              <a:buNone/>
+            </a:pPr>
+            <a:r>
+              <a:rPr lang="fr-FR"/>
+              <a:t> </a:t>
             </a:r>
           </a:p>
         </p:txBody>
       </p:sp>
       <p:pic>
         <p:nvPicPr>
-          <p:cNvPr id="5" name="Espace réservé du contenu 4">
+          <p:cNvPr id="2" name="Picture 3">
             <a:extLst>
               <a:ext uri="{FF2B5EF4-FFF2-40B4-BE49-F238E27FC236}">
-                <a16:creationId xmlns:a16="http://schemas.microsoft.com/office/drawing/2014/main" id="{3C66792B-4648-404A-B4F6-411607E4F4E7}"/>
+                <a16:creationId xmlns:a16="http://schemas.microsoft.com/office/drawing/2014/main" id="{D6C2A85A-72C7-490F-9F44-7D4E1613C75D}"/>
               </a:ext>
             </a:extLst>
           </p:cNvPr>
           <p:cNvPicPr>
-            <a:picLocks noGrp="1" noChangeAspect="1"/>
+            <a:picLocks noChangeAspect="1"/>
           </p:cNvPicPr>
-          <p:nvPr>
-            <p:ph idx="1"/>
-          </p:nvPr>
+          <p:nvPr/>
         </p:nvPicPr>
         <p:blipFill>
           <a:blip r:embed="rId2"/>
@@ -6553,117 +7617,48 @@
         </p:blipFill>
         <p:spPr>
           <a:xfrm>
-            <a:off x="2279027" y="1515127"/>
-            <a:ext cx="9102971" cy="5094089"/>
-          </a:xfrm>
-        </p:spPr>
-      </p:pic>
-      <p:sp>
-        <p:nvSpPr>
-          <p:cNvPr id="4" name="ZoneTexte 3">
-            <a:extLst>
-              <a:ext uri="{FF2B5EF4-FFF2-40B4-BE49-F238E27FC236}">
-                <a16:creationId xmlns:a16="http://schemas.microsoft.com/office/drawing/2014/main" id="{B939E019-FB3B-4898-A1BF-34857A9E1B8F}"/>
-              </a:ext>
-            </a:extLst>
-          </p:cNvPr>
-          <p:cNvSpPr txBox="1"/>
-          <p:nvPr/>
-        </p:nvSpPr>
-        <p:spPr>
-          <a:xfrm>
-            <a:off x="121016" y="2037451"/>
-            <a:ext cx="1938381" cy="2400657"/>
+            <a:off x="718752" y="120304"/>
+            <a:ext cx="10703010" cy="1695284"/>
           </a:xfrm>
           <a:prstGeom prst="rect">
             <a:avLst/>
           </a:prstGeom>
-          <a:noFill/>
         </p:spPr>
-        <p:txBody>
-          <a:bodyPr wrap="square" rtlCol="0" anchor="t">
-            <a:spAutoFit/>
-          </a:bodyPr>
-          <a:lstStyle/>
-          <a:p>
-            <a:r>
-              <a:rPr lang="fr-FR"/>
-              <a:t>Sprint 1</a:t>
-            </a:r>
-          </a:p>
-          <a:p>
-            <a:r>
-              <a:rPr lang="fr-FR" sz="1200"/>
-              <a:t>Du 09/01 au</a:t>
-            </a:r>
-          </a:p>
-          <a:p>
-            <a:r>
-              <a:rPr lang="fr-FR" sz="1200"/>
-              <a:t>10/02</a:t>
-            </a:r>
-          </a:p>
-          <a:p>
-            <a:endParaRPr lang="fr-FR" sz="1200"/>
-          </a:p>
-          <a:p>
-            <a:r>
-              <a:rPr lang="fr-FR" sz="1200"/>
-              <a:t>- User Story</a:t>
-            </a:r>
-          </a:p>
-          <a:p>
-            <a:endParaRPr lang="fr-FR" sz="1200"/>
-          </a:p>
-          <a:p>
-            <a:r>
-              <a:rPr lang="fr-FR" sz="1200"/>
-              <a:t>- Mise en Place BDD</a:t>
-            </a:r>
-          </a:p>
-          <a:p>
-            <a:endParaRPr lang="fr-FR" sz="1200"/>
-          </a:p>
-          <a:p>
-            <a:r>
-              <a:rPr lang="fr-FR" sz="1200"/>
-              <a:t>- </a:t>
-            </a:r>
-            <a:r>
-              <a:rPr lang="fr-FR" sz="1200" err="1"/>
-              <a:t>Sign</a:t>
-            </a:r>
-            <a:r>
-              <a:rPr lang="fr-FR" sz="1200"/>
-              <a:t> In / </a:t>
-            </a:r>
-            <a:r>
-              <a:rPr lang="fr-FR" sz="1200" err="1"/>
-              <a:t>Sign</a:t>
-            </a:r>
-            <a:r>
-              <a:rPr lang="fr-FR" sz="1200"/>
-              <a:t> Up </a:t>
-            </a:r>
-          </a:p>
-          <a:p>
-            <a:endParaRPr lang="fr-FR" sz="1200"/>
-          </a:p>
-          <a:p>
-            <a:r>
-              <a:rPr lang="fr-FR" sz="1200"/>
-              <a:t>- Front et Recherche</a:t>
-            </a:r>
-          </a:p>
-          <a:p>
-            <a:endParaRPr lang="fr-FR" sz="1200"/>
-          </a:p>
-        </p:txBody>
-      </p:sp>
+      </p:pic>
+      <p:pic>
+        <p:nvPicPr>
+          <p:cNvPr id="6" name="Picture 6">
+            <a:extLst>
+              <a:ext uri="{FF2B5EF4-FFF2-40B4-BE49-F238E27FC236}">
+                <a16:creationId xmlns:a16="http://schemas.microsoft.com/office/drawing/2014/main" id="{7AF4B603-DE0B-4CAA-AD91-CF4C3AA181A6}"/>
+              </a:ext>
+            </a:extLst>
+          </p:cNvPr>
+          <p:cNvPicPr>
+            <a:picLocks noChangeAspect="1"/>
+          </p:cNvPicPr>
+          <p:nvPr/>
+        </p:nvPicPr>
+        <p:blipFill>
+          <a:blip r:embed="rId3"/>
+          <a:stretch>
+            <a:fillRect/>
+          </a:stretch>
+        </p:blipFill>
+        <p:spPr>
+          <a:xfrm>
+            <a:off x="718752" y="1809853"/>
+            <a:ext cx="10703010" cy="4906455"/>
+          </a:xfrm>
+          <a:prstGeom prst="rect">
+            <a:avLst/>
+          </a:prstGeom>
+        </p:spPr>
+      </p:pic>
     </p:spTree>
     <p:extLst>
       <p:ext uri="{BB962C8B-B14F-4D97-AF65-F5344CB8AC3E}">
-        <p14:creationId xmlns:p14="http://schemas.microsoft.com/office/powerpoint/2010/main" val="2183350153"/>
+        <p14:creationId xmlns:p14="http://schemas.microsoft.com/office/powerpoint/2010/main" val="1908613568"/>
       </p:ext>
     </p:extLst>
   </p:cSld>
@@ -6692,6 +7687,34 @@
       </p:grpSpPr>
       <p:sp>
         <p:nvSpPr>
+          <p:cNvPr id="2" name="Titre 1">
+            <a:extLst>
+              <a:ext uri="{FF2B5EF4-FFF2-40B4-BE49-F238E27FC236}">
+                <a16:creationId xmlns:a16="http://schemas.microsoft.com/office/drawing/2014/main" id="{DC890B2C-5A17-4712-96C6-DE12395B311C}"/>
+              </a:ext>
+            </a:extLst>
+          </p:cNvPr>
+          <p:cNvSpPr>
+            <a:spLocks noGrp="1"/>
+          </p:cNvSpPr>
+          <p:nvPr>
+            <p:ph type="title"/>
+          </p:nvPr>
+        </p:nvSpPr>
+        <p:spPr/>
+        <p:txBody>
+          <a:bodyPr/>
+          <a:lstStyle/>
+          <a:p>
+            <a:r>
+              <a:rPr lang="fr-FR"/>
+              <a:t>Description des 3 sprints</a:t>
+            </a:r>
+          </a:p>
+        </p:txBody>
+      </p:sp>
+      <p:sp>
+        <p:nvSpPr>
           <p:cNvPr id="4" name="ZoneTexte 3">
             <a:extLst>
               <a:ext uri="{FF2B5EF4-FFF2-40B4-BE49-F238E27FC236}">
@@ -6704,8 +7727,8 @@
         </p:nvSpPr>
         <p:spPr>
           <a:xfrm>
-            <a:off x="134624" y="1996629"/>
-            <a:ext cx="1965595" cy="2400657"/>
+            <a:off x="121016" y="2037451"/>
+            <a:ext cx="1938381" cy="2954655"/>
           </a:xfrm>
           <a:prstGeom prst="rect">
             <a:avLst/>
@@ -6719,20 +7742,20 @@
           <a:lstStyle/>
           <a:p>
             <a:r>
-              <a:rPr lang="fr-FR"/>
-              <a:t>Sprint 2</a:t>
-            </a:r>
-          </a:p>
-          <a:p>
-            <a:r>
-              <a:rPr lang="fr-FR" sz="1200"/>
-              <a:t>Du 10/02 au</a:t>
-            </a:r>
-          </a:p>
-          <a:p>
-            <a:r>
-              <a:rPr lang="fr-FR" sz="1200"/>
-              <a:t>06/03</a:t>
+              <a:rPr lang="fr-FR" dirty="0"/>
+              <a:t>Sprint 1</a:t>
+            </a:r>
+          </a:p>
+          <a:p>
+            <a:r>
+              <a:rPr lang="fr-FR" sz="1200" dirty="0"/>
+              <a:t>Du 09/01 au</a:t>
+            </a:r>
+          </a:p>
+          <a:p>
+            <a:r>
+              <a:rPr lang="fr-FR" sz="1200" dirty="0"/>
+              <a:t>10/02</a:t>
             </a:r>
           </a:p>
           <a:p>
@@ -6740,8 +7763,8 @@
           </a:p>
           <a:p>
             <a:r>
-              <a:rPr lang="fr-FR" sz="1200"/>
-              <a:t>- Gestion compte personnel et administrateur</a:t>
+              <a:rPr lang="fr-FR" sz="1200" dirty="0"/>
+              <a:t>- Analyse des User Stories</a:t>
             </a:r>
           </a:p>
           <a:p>
@@ -6749,8 +7772,8 @@
           </a:p>
           <a:p>
             <a:r>
-              <a:rPr lang="fr-FR" sz="1200"/>
-              <a:t>- Gestion Offres</a:t>
+              <a:rPr lang="fr-FR" sz="1200" dirty="0"/>
+              <a:t>- Mise en Place BDD</a:t>
             </a:r>
           </a:p>
           <a:p>
@@ -6758,8 +7781,17 @@
           </a:p>
           <a:p>
             <a:r>
-              <a:rPr lang="fr-FR" sz="1200"/>
-              <a:t>- Chat</a:t>
+              <a:rPr lang="fr-FR" sz="1200" dirty="0"/>
+              <a:t>- Connexion / Déconnexion</a:t>
+            </a:r>
+          </a:p>
+          <a:p>
+            <a:endParaRPr lang="fr-FR" sz="1200"/>
+          </a:p>
+          <a:p>
+            <a:r>
+              <a:rPr lang="fr-FR" sz="1200" dirty="0"/>
+              <a:t>- Recherche &amp; création trajet / Inscription trajet</a:t>
             </a:r>
           </a:p>
           <a:p>
@@ -6769,17 +7801,19 @@
       </p:sp>
       <p:pic>
         <p:nvPicPr>
-          <p:cNvPr id="9" name="Image 8">
+          <p:cNvPr id="7" name="Picture 7">
             <a:extLst>
               <a:ext uri="{FF2B5EF4-FFF2-40B4-BE49-F238E27FC236}">
-                <a16:creationId xmlns:a16="http://schemas.microsoft.com/office/drawing/2014/main" id="{628BEFAD-74BF-4B9B-9A5B-6C9B437E89BE}"/>
+                <a16:creationId xmlns:a16="http://schemas.microsoft.com/office/drawing/2014/main" id="{E4FCE826-5ED1-4B9B-BD46-B53626BE0B90}"/>
               </a:ext>
             </a:extLst>
           </p:cNvPr>
           <p:cNvPicPr>
-            <a:picLocks noChangeAspect="1"/>
+            <a:picLocks noGrp="1" noChangeAspect="1"/>
           </p:cNvPicPr>
-          <p:nvPr/>
+          <p:nvPr>
+            <p:ph idx="1"/>
+          </p:nvPr>
         </p:nvPicPr>
         <p:blipFill>
           <a:blip r:embed="rId2"/>
@@ -6789,8 +7823,8 @@
         </p:blipFill>
         <p:spPr>
           <a:xfrm>
-            <a:off x="2279027" y="907246"/>
-            <a:ext cx="9102971" cy="5817986"/>
+            <a:off x="2195490" y="1429395"/>
+            <a:ext cx="9520669" cy="5191402"/>
           </a:xfrm>
           <a:prstGeom prst="rect">
             <a:avLst/>
@@ -6800,7 +7834,7 @@
     </p:spTree>
     <p:extLst>
       <p:ext uri="{BB962C8B-B14F-4D97-AF65-F5344CB8AC3E}">
-        <p14:creationId xmlns:p14="http://schemas.microsoft.com/office/powerpoint/2010/main" val="2285931907"/>
+        <p14:creationId xmlns:p14="http://schemas.microsoft.com/office/powerpoint/2010/main" val="2183350153"/>
       </p:ext>
     </p:extLst>
   </p:cSld>
@@ -6841,8 +7875,8 @@
         </p:nvSpPr>
         <p:spPr>
           <a:xfrm>
-            <a:off x="121017" y="2023843"/>
-            <a:ext cx="2074452" cy="2769989"/>
+            <a:off x="134624" y="1996629"/>
+            <a:ext cx="1965595" cy="2400657"/>
           </a:xfrm>
           <a:prstGeom prst="rect">
             <a:avLst/>
@@ -6856,20 +7890,20 @@
           <a:lstStyle/>
           <a:p>
             <a:r>
-              <a:rPr lang="fr-FR"/>
-              <a:t>Sprint 3</a:t>
-            </a:r>
-          </a:p>
-          <a:p>
-            <a:r>
-              <a:rPr lang="fr-FR" sz="1200"/>
-              <a:t>Du 06/03 au</a:t>
-            </a:r>
-          </a:p>
-          <a:p>
-            <a:r>
-              <a:rPr lang="fr-FR" sz="1200"/>
-              <a:t>27/03</a:t>
+              <a:rPr lang="fr-FR" dirty="0"/>
+              <a:t>Sprint 2</a:t>
+            </a:r>
+          </a:p>
+          <a:p>
+            <a:r>
+              <a:rPr lang="fr-FR" sz="1200" dirty="0"/>
+              <a:t>Du 10/02 au</a:t>
+            </a:r>
+          </a:p>
+          <a:p>
+            <a:r>
+              <a:rPr lang="fr-FR" sz="1200" dirty="0"/>
+              <a:t>06/03</a:t>
             </a:r>
           </a:p>
           <a:p>
@@ -6877,31 +7911,27 @@
           </a:p>
           <a:p>
             <a:r>
-              <a:rPr lang="fr-FR" sz="1200"/>
+              <a:rPr lang="fr-FR" sz="1200" dirty="0"/>
               <a:t>- Gestion compte personnel et administrateur</a:t>
             </a:r>
-            <a:endParaRPr lang="fr-FR"/>
           </a:p>
           <a:p>
             <a:endParaRPr lang="fr-FR" sz="1200"/>
           </a:p>
           <a:p>
             <a:r>
-              <a:rPr lang="fr-FR" sz="1200"/>
-              <a:t>- Evaluation</a:t>
-            </a:r>
-          </a:p>
-          <a:p>
-            <a:endParaRPr lang="fr-FR" sz="1200"/>
-          </a:p>
-          <a:p>
-            <a:r>
-              <a:rPr lang="fr-FR" sz="1200"/>
-              <a:t>- Implémentation testeur et analyseur de code</a:t>
-            </a:r>
-          </a:p>
-          <a:p>
-            <a:endParaRPr lang="fr-FR" sz="1200"/>
+              <a:rPr lang="fr-FR" sz="1200" dirty="0"/>
+              <a:t>- Chat</a:t>
+            </a:r>
+          </a:p>
+          <a:p>
+            <a:endParaRPr lang="fr-FR" sz="1200" dirty="0"/>
+          </a:p>
+          <a:p>
+            <a:r>
+              <a:rPr lang="fr-FR" sz="1200" dirty="0"/>
+              <a:t>- Historique des trajets</a:t>
+            </a:r>
           </a:p>
           <a:p>
             <a:endParaRPr lang="fr-FR" sz="1200"/>
@@ -6910,10 +7940,10 @@
       </p:sp>
       <p:pic>
         <p:nvPicPr>
-          <p:cNvPr id="5" name="Image 4">
+          <p:cNvPr id="2" name="Picture 2">
             <a:extLst>
               <a:ext uri="{FF2B5EF4-FFF2-40B4-BE49-F238E27FC236}">
-                <a16:creationId xmlns:a16="http://schemas.microsoft.com/office/drawing/2014/main" id="{98D1C66C-0E97-4D88-AD72-0574AD6E4671}"/>
+                <a16:creationId xmlns:a16="http://schemas.microsoft.com/office/drawing/2014/main" id="{257A9C46-7DB8-4144-90B9-837C955C977A}"/>
               </a:ext>
             </a:extLst>
           </p:cNvPr>
@@ -6930,8 +7960,8 @@
         </p:blipFill>
         <p:spPr>
           <a:xfrm>
-            <a:off x="2334924" y="907292"/>
-            <a:ext cx="8991176" cy="5267756"/>
+            <a:off x="2129479" y="1285260"/>
+            <a:ext cx="9961605" cy="4493425"/>
           </a:xfrm>
           <a:prstGeom prst="rect">
             <a:avLst/>
@@ -6941,7 +7971,7 @@
     </p:spTree>
     <p:extLst>
       <p:ext uri="{BB962C8B-B14F-4D97-AF65-F5344CB8AC3E}">
-        <p14:creationId xmlns:p14="http://schemas.microsoft.com/office/powerpoint/2010/main" val="3070915025"/>
+        <p14:creationId xmlns:p14="http://schemas.microsoft.com/office/powerpoint/2010/main" val="2285931907"/>
       </p:ext>
     </p:extLst>
   </p:cSld>
